--- a/doc/NEPLOY project.pptx
+++ b/doc/NEPLOY project.pptx
@@ -1,41 +1,35 @@
 
 <file path=ppt/presentation.xml><?xml version="1.0" encoding="utf-8"?>
-<p:presentation xmlns:a="http://schemas.openxmlformats.org/drawingml/2006/main" xmlns:r="http://schemas.openxmlformats.org/officeDocument/2006/relationships" xmlns:mc="http://schemas.openxmlformats.org/markup-compatibility/2006" xmlns:mv="urn:schemas-microsoft-com:mac:vml" xmlns:p="http://schemas.openxmlformats.org/presentationml/2006/main" xmlns:c="http://schemas.openxmlformats.org/drawingml/2006/chart" xmlns:dgm="http://schemas.openxmlformats.org/drawingml/2006/diagram" xmlns:o="urn:schemas-microsoft-com:office:office" xmlns:v="urn:schemas-microsoft-com:vml" xmlns:pvml="urn:schemas-microsoft-com:office:powerpoint" xmlns:com="http://schemas.openxmlformats.org/drawingml/2006/compatibility" xmlns:p14="http://schemas.microsoft.com/office/powerpoint/2010/main" xmlns:p15="http://schemas.microsoft.com/office/powerpoint/2012/main" xmlns:ahyp="http://schemas.microsoft.com/office/drawing/2018/hyperlinkcolor" autoCompressPictures="0" embedTrueTypeFonts="1" strictFirstAndLastChars="0" saveSubsetFonts="1">
+<p:presentation xmlns:a="http://schemas.openxmlformats.org/drawingml/2006/main" xmlns:r="http://schemas.openxmlformats.org/officeDocument/2006/relationships" xmlns:p="http://schemas.openxmlformats.org/presentationml/2006/main" strictFirstAndLastChars="0" embedTrueTypeFonts="1" saveSubsetFonts="1" autoCompressPictures="0">
   <p:sldMasterIdLst>
-    <p:sldMasterId id="2147483659" r:id="rId4"/>
+    <p:sldMasterId id="2147483648" r:id="rId1"/>
   </p:sldMasterIdLst>
   <p:notesMasterIdLst>
-    <p:notesMasterId r:id="rId5"/>
+    <p:notesMasterId r:id="rId4"/>
   </p:notesMasterIdLst>
   <p:sldIdLst>
-    <p:sldId id="256" r:id="rId6"/>
-    <p:sldId id="257" r:id="rId7"/>
-    <p:sldId id="258" r:id="rId8"/>
-    <p:sldId id="259" r:id="rId9"/>
-    <p:sldId id="260" r:id="rId10"/>
-    <p:sldId id="261" r:id="rId11"/>
-    <p:sldId id="262" r:id="rId12"/>
+    <p:sldId id="256" r:id="rId3"/>
+    <p:sldId id="257" r:id="rId5"/>
+    <p:sldId id="258" r:id="rId6"/>
+    <p:sldId id="259" r:id="rId7"/>
+    <p:sldId id="260" r:id="rId8"/>
+    <p:sldId id="261" r:id="rId9"/>
+    <p:sldId id="262" r:id="rId10"/>
   </p:sldIdLst>
-  <p:sldSz cy="5143500" cx="9144000"/>
+  <p:sldSz cx="9144000" cy="5143500"/>
   <p:notesSz cx="6858000" cy="9144000"/>
   <p:embeddedFontLst>
     <p:embeddedFont>
       <p:font typeface="Raleway"/>
-      <p:regular r:id="rId13"/>
-      <p:bold r:id="rId14"/>
-      <p:italic r:id="rId15"/>
-      <p:boldItalic r:id="rId16"/>
+      <p:regular r:id="rId14"/>
     </p:embeddedFont>
     <p:embeddedFont>
-      <p:font typeface="Lato"/>
-      <p:regular r:id="rId17"/>
-      <p:bold r:id="rId18"/>
-      <p:italic r:id="rId19"/>
-      <p:boldItalic r:id="rId20"/>
+      <p:font typeface="Lato" panose="020F0502020204030203"/>
+      <p:regular r:id="rId15"/>
     </p:embeddedFont>
   </p:embeddedFontLst>
   <p:defaultTextStyle>
-    <a:defPPr lvl="0" marR="0" rtl="0" algn="l">
+    <a:defPPr marR="0" lvl="0" algn="l" rtl="0">
       <a:lnSpc>
         <a:spcPct val="100000"/>
       </a:lnSpc>
@@ -46,7 +40,7 @@
         <a:spcPts val="0"/>
       </a:spcAft>
     </a:defPPr>
-    <a:lvl1pPr lvl="0" marR="0" rtl="0" algn="l">
+    <a:lvl1pPr marR="0" lvl="0" algn="l" rtl="0">
       <a:lnSpc>
         <a:spcPct val="100000"/>
       </a:lnSpc>
@@ -59,18 +53,18 @@
       <a:buClr>
         <a:srgbClr val="000000"/>
       </a:buClr>
-      <a:buFont typeface="Arial"/>
-      <a:defRPr b="0" i="0" sz="1400" u="none" cap="none" strike="noStrike">
+      <a:buFont typeface="Arial" panose="020B0604020202020204"/>
+      <a:defRPr sz="1400" b="0" i="0" u="none" strike="noStrike" cap="none">
         <a:solidFill>
           <a:srgbClr val="000000"/>
         </a:solidFill>
-        <a:latin typeface="Arial"/>
-        <a:ea typeface="Arial"/>
-        <a:cs typeface="Arial"/>
-        <a:sym typeface="Arial"/>
+        <a:latin typeface="Arial" panose="020B0604020202020204"/>
+        <a:ea typeface="Arial" panose="020B0604020202020204"/>
+        <a:cs typeface="Arial" panose="020B0604020202020204"/>
+        <a:sym typeface="Arial" panose="020B0604020202020204"/>
       </a:defRPr>
     </a:lvl1pPr>
-    <a:lvl2pPr lvl="1" marR="0" rtl="0" algn="l">
+    <a:lvl2pPr marR="0" lvl="1" algn="l" rtl="0">
       <a:lnSpc>
         <a:spcPct val="100000"/>
       </a:lnSpc>
@@ -83,18 +77,18 @@
       <a:buClr>
         <a:srgbClr val="000000"/>
       </a:buClr>
-      <a:buFont typeface="Arial"/>
-      <a:defRPr b="0" i="0" sz="1400" u="none" cap="none" strike="noStrike">
+      <a:buFont typeface="Arial" panose="020B0604020202020204"/>
+      <a:defRPr sz="1400" b="0" i="0" u="none" strike="noStrike" cap="none">
         <a:solidFill>
           <a:srgbClr val="000000"/>
         </a:solidFill>
-        <a:latin typeface="Arial"/>
-        <a:ea typeface="Arial"/>
-        <a:cs typeface="Arial"/>
-        <a:sym typeface="Arial"/>
+        <a:latin typeface="Arial" panose="020B0604020202020204"/>
+        <a:ea typeface="Arial" panose="020B0604020202020204"/>
+        <a:cs typeface="Arial" panose="020B0604020202020204"/>
+        <a:sym typeface="Arial" panose="020B0604020202020204"/>
       </a:defRPr>
     </a:lvl2pPr>
-    <a:lvl3pPr lvl="2" marR="0" rtl="0" algn="l">
+    <a:lvl3pPr marR="0" lvl="2" algn="l" rtl="0">
       <a:lnSpc>
         <a:spcPct val="100000"/>
       </a:lnSpc>
@@ -107,18 +101,18 @@
       <a:buClr>
         <a:srgbClr val="000000"/>
       </a:buClr>
-      <a:buFont typeface="Arial"/>
-      <a:defRPr b="0" i="0" sz="1400" u="none" cap="none" strike="noStrike">
+      <a:buFont typeface="Arial" panose="020B0604020202020204"/>
+      <a:defRPr sz="1400" b="0" i="0" u="none" strike="noStrike" cap="none">
         <a:solidFill>
           <a:srgbClr val="000000"/>
         </a:solidFill>
-        <a:latin typeface="Arial"/>
-        <a:ea typeface="Arial"/>
-        <a:cs typeface="Arial"/>
-        <a:sym typeface="Arial"/>
+        <a:latin typeface="Arial" panose="020B0604020202020204"/>
+        <a:ea typeface="Arial" panose="020B0604020202020204"/>
+        <a:cs typeface="Arial" panose="020B0604020202020204"/>
+        <a:sym typeface="Arial" panose="020B0604020202020204"/>
       </a:defRPr>
     </a:lvl3pPr>
-    <a:lvl4pPr lvl="3" marR="0" rtl="0" algn="l">
+    <a:lvl4pPr marR="0" lvl="3" algn="l" rtl="0">
       <a:lnSpc>
         <a:spcPct val="100000"/>
       </a:lnSpc>
@@ -131,18 +125,18 @@
       <a:buClr>
         <a:srgbClr val="000000"/>
       </a:buClr>
-      <a:buFont typeface="Arial"/>
-      <a:defRPr b="0" i="0" sz="1400" u="none" cap="none" strike="noStrike">
+      <a:buFont typeface="Arial" panose="020B0604020202020204"/>
+      <a:defRPr sz="1400" b="0" i="0" u="none" strike="noStrike" cap="none">
         <a:solidFill>
           <a:srgbClr val="000000"/>
         </a:solidFill>
-        <a:latin typeface="Arial"/>
-        <a:ea typeface="Arial"/>
-        <a:cs typeface="Arial"/>
-        <a:sym typeface="Arial"/>
+        <a:latin typeface="Arial" panose="020B0604020202020204"/>
+        <a:ea typeface="Arial" panose="020B0604020202020204"/>
+        <a:cs typeface="Arial" panose="020B0604020202020204"/>
+        <a:sym typeface="Arial" panose="020B0604020202020204"/>
       </a:defRPr>
     </a:lvl4pPr>
-    <a:lvl5pPr lvl="4" marR="0" rtl="0" algn="l">
+    <a:lvl5pPr marR="0" lvl="4" algn="l" rtl="0">
       <a:lnSpc>
         <a:spcPct val="100000"/>
       </a:lnSpc>
@@ -155,18 +149,18 @@
       <a:buClr>
         <a:srgbClr val="000000"/>
       </a:buClr>
-      <a:buFont typeface="Arial"/>
-      <a:defRPr b="0" i="0" sz="1400" u="none" cap="none" strike="noStrike">
+      <a:buFont typeface="Arial" panose="020B0604020202020204"/>
+      <a:defRPr sz="1400" b="0" i="0" u="none" strike="noStrike" cap="none">
         <a:solidFill>
           <a:srgbClr val="000000"/>
         </a:solidFill>
-        <a:latin typeface="Arial"/>
-        <a:ea typeface="Arial"/>
-        <a:cs typeface="Arial"/>
-        <a:sym typeface="Arial"/>
+        <a:latin typeface="Arial" panose="020B0604020202020204"/>
+        <a:ea typeface="Arial" panose="020B0604020202020204"/>
+        <a:cs typeface="Arial" panose="020B0604020202020204"/>
+        <a:sym typeface="Arial" panose="020B0604020202020204"/>
       </a:defRPr>
     </a:lvl5pPr>
-    <a:lvl6pPr lvl="5" marR="0" rtl="0" algn="l">
+    <a:lvl6pPr marR="0" lvl="5" algn="l" rtl="0">
       <a:lnSpc>
         <a:spcPct val="100000"/>
       </a:lnSpc>
@@ -179,18 +173,18 @@
       <a:buClr>
         <a:srgbClr val="000000"/>
       </a:buClr>
-      <a:buFont typeface="Arial"/>
-      <a:defRPr b="0" i="0" sz="1400" u="none" cap="none" strike="noStrike">
+      <a:buFont typeface="Arial" panose="020B0604020202020204"/>
+      <a:defRPr sz="1400" b="0" i="0" u="none" strike="noStrike" cap="none">
         <a:solidFill>
           <a:srgbClr val="000000"/>
         </a:solidFill>
-        <a:latin typeface="Arial"/>
-        <a:ea typeface="Arial"/>
-        <a:cs typeface="Arial"/>
-        <a:sym typeface="Arial"/>
+        <a:latin typeface="Arial" panose="020B0604020202020204"/>
+        <a:ea typeface="Arial" panose="020B0604020202020204"/>
+        <a:cs typeface="Arial" panose="020B0604020202020204"/>
+        <a:sym typeface="Arial" panose="020B0604020202020204"/>
       </a:defRPr>
     </a:lvl6pPr>
-    <a:lvl7pPr lvl="6" marR="0" rtl="0" algn="l">
+    <a:lvl7pPr marR="0" lvl="6" algn="l" rtl="0">
       <a:lnSpc>
         <a:spcPct val="100000"/>
       </a:lnSpc>
@@ -203,18 +197,18 @@
       <a:buClr>
         <a:srgbClr val="000000"/>
       </a:buClr>
-      <a:buFont typeface="Arial"/>
-      <a:defRPr b="0" i="0" sz="1400" u="none" cap="none" strike="noStrike">
+      <a:buFont typeface="Arial" panose="020B0604020202020204"/>
+      <a:defRPr sz="1400" b="0" i="0" u="none" strike="noStrike" cap="none">
         <a:solidFill>
           <a:srgbClr val="000000"/>
         </a:solidFill>
-        <a:latin typeface="Arial"/>
-        <a:ea typeface="Arial"/>
-        <a:cs typeface="Arial"/>
-        <a:sym typeface="Arial"/>
+        <a:latin typeface="Arial" panose="020B0604020202020204"/>
+        <a:ea typeface="Arial" panose="020B0604020202020204"/>
+        <a:cs typeface="Arial" panose="020B0604020202020204"/>
+        <a:sym typeface="Arial" panose="020B0604020202020204"/>
       </a:defRPr>
     </a:lvl7pPr>
-    <a:lvl8pPr lvl="7" marR="0" rtl="0" algn="l">
+    <a:lvl8pPr marR="0" lvl="7" algn="l" rtl="0">
       <a:lnSpc>
         <a:spcPct val="100000"/>
       </a:lnSpc>
@@ -227,18 +221,18 @@
       <a:buClr>
         <a:srgbClr val="000000"/>
       </a:buClr>
-      <a:buFont typeface="Arial"/>
-      <a:defRPr b="0" i="0" sz="1400" u="none" cap="none" strike="noStrike">
+      <a:buFont typeface="Arial" panose="020B0604020202020204"/>
+      <a:defRPr sz="1400" b="0" i="0" u="none" strike="noStrike" cap="none">
         <a:solidFill>
           <a:srgbClr val="000000"/>
         </a:solidFill>
-        <a:latin typeface="Arial"/>
-        <a:ea typeface="Arial"/>
-        <a:cs typeface="Arial"/>
-        <a:sym typeface="Arial"/>
+        <a:latin typeface="Arial" panose="020B0604020202020204"/>
+        <a:ea typeface="Arial" panose="020B0604020202020204"/>
+        <a:cs typeface="Arial" panose="020B0604020202020204"/>
+        <a:sym typeface="Arial" panose="020B0604020202020204"/>
       </a:defRPr>
     </a:lvl8pPr>
-    <a:lvl9pPr lvl="8" marR="0" rtl="0" algn="l">
+    <a:lvl9pPr marR="0" lvl="8" algn="l" rtl="0">
       <a:lnSpc>
         <a:spcPct val="100000"/>
       </a:lnSpc>
@@ -251,40 +245,29 @@
       <a:buClr>
         <a:srgbClr val="000000"/>
       </a:buClr>
-      <a:buFont typeface="Arial"/>
-      <a:defRPr b="0" i="0" sz="1400" u="none" cap="none" strike="noStrike">
+      <a:buFont typeface="Arial" panose="020B0604020202020204"/>
+      <a:defRPr sz="1400" b="0" i="0" u="none" strike="noStrike" cap="none">
         <a:solidFill>
           <a:srgbClr val="000000"/>
         </a:solidFill>
-        <a:latin typeface="Arial"/>
-        <a:ea typeface="Arial"/>
-        <a:cs typeface="Arial"/>
-        <a:sym typeface="Arial"/>
+        <a:latin typeface="Arial" panose="020B0604020202020204"/>
+        <a:ea typeface="Arial" panose="020B0604020202020204"/>
+        <a:cs typeface="Arial" panose="020B0604020202020204"/>
+        <a:sym typeface="Arial" panose="020B0604020202020204"/>
       </a:defRPr>
     </a:lvl9pPr>
   </p:defaultTextStyle>
-  <p:extLst>
-    <p:ext uri="{EFAFB233-063F-42B5-8137-9DF3F51BA10A}">
-      <p15:sldGuideLst>
-        <p15:guide id="1" orient="horz" pos="1620">
-          <p15:clr>
-            <a:srgbClr val="747775"/>
-          </p15:clr>
-        </p15:guide>
-        <p15:guide id="2" pos="2880">
-          <p15:clr>
-            <a:srgbClr val="747775"/>
-          </p15:clr>
-        </p15:guide>
-      </p15:sldGuideLst>
-    </p:ext>
-  </p:extLst>
 </p:presentation>
 </file>
 
 <file path=ppt/notesMasters/notesMaster1.xml><?xml version="1.0" encoding="utf-8"?>
-<p:notesMaster xmlns:a="http://schemas.openxmlformats.org/drawingml/2006/main" xmlns:r="http://schemas.openxmlformats.org/officeDocument/2006/relationships" xmlns:mc="http://schemas.openxmlformats.org/markup-compatibility/2006" xmlns:mv="urn:schemas-microsoft-com:mac:vml" xmlns:p="http://schemas.openxmlformats.org/presentationml/2006/main" xmlns:c="http://schemas.openxmlformats.org/drawingml/2006/chart" xmlns:dgm="http://schemas.openxmlformats.org/drawingml/2006/diagram" xmlns:o="urn:schemas-microsoft-com:office:office" xmlns:v="urn:schemas-microsoft-com:vml" xmlns:pvml="urn:schemas-microsoft-com:office:powerpoint" xmlns:com="http://schemas.openxmlformats.org/drawingml/2006/compatibility" xmlns:p14="http://schemas.microsoft.com/office/powerpoint/2010/main" xmlns:p15="http://schemas.microsoft.com/office/powerpoint/2012/main" xmlns:ahyp="http://schemas.microsoft.com/office/drawing/2018/hyperlinkcolor">
+<p:notesMaster xmlns:a="http://schemas.openxmlformats.org/drawingml/2006/main" xmlns:r="http://schemas.openxmlformats.org/officeDocument/2006/relationships" xmlns:p="http://schemas.openxmlformats.org/presentationml/2006/main">
   <p:cSld>
+    <p:bg>
+      <p:bgRef idx="1001">
+        <a:schemeClr val="bg1"/>
+      </p:bgRef>
+    </p:bg>
     <p:spTree>
       <p:nvGrpSpPr>
         <p:cNvPr id="2" name="Shape 2"/>
@@ -304,7 +287,7 @@
           <p:cNvPr id="3" name="Google Shape;3;n"/>
           <p:cNvSpPr/>
           <p:nvPr>
-            <p:ph idx="2" type="sldImg"/>
+            <p:ph type="sldImg" idx="2"/>
           </p:nvPr>
         </p:nvSpPr>
         <p:spPr>
@@ -313,9 +296,13 @@
             <a:ext cx="6096075" cy="3429000"/>
           </a:xfrm>
           <a:custGeom>
-            <a:rect b="b" l="l" r="r" t="t"/>
+            <a:avLst/>
+            <a:gdLst/>
+            <a:ahLst/>
+            <a:cxnLst/>
+            <a:rect l="l" t="t" r="r" b="b"/>
             <a:pathLst>
-              <a:path extrusionOk="0" h="120000" w="120000">
+              <a:path w="120000" h="120000" extrusionOk="0">
                 <a:moveTo>
                   <a:pt x="0" y="0"/>
                 </a:moveTo>
@@ -333,14 +320,14 @@
             </a:pathLst>
           </a:custGeom>
           <a:noFill/>
-          <a:ln cap="flat" cmpd="sng" w="9525">
+          <a:ln w="9525" cap="flat" cmpd="sng">
             <a:solidFill>
               <a:srgbClr val="000000"/>
             </a:solidFill>
             <a:prstDash val="solid"/>
             <a:round/>
-            <a:headEnd len="sm" w="sm" type="none"/>
-            <a:tailEnd len="sm" w="sm" type="none"/>
+            <a:headEnd type="none" w="sm" len="sm"/>
+            <a:tailEnd type="none" w="sm" len="sm"/>
           </a:ln>
         </p:spPr>
       </p:sp>
@@ -349,7 +336,7 @@
           <p:cNvPr id="4" name="Google Shape;4;n"/>
           <p:cNvSpPr txBox="1"/>
           <p:nvPr>
-            <p:ph idx="1" type="body"/>
+            <p:ph type="body" idx="1"/>
           </p:nvPr>
         </p:nvSpPr>
         <p:spPr>
@@ -366,11 +353,11 @@
           </a:ln>
         </p:spPr>
         <p:txBody>
-          <a:bodyPr anchorCtr="0" anchor="t" bIns="91425" lIns="91425" spcFirstLastPara="1" rIns="91425" wrap="square" tIns="91425">
+          <a:bodyPr spcFirstLastPara="1" wrap="square" lIns="91425" tIns="91425" rIns="91425" bIns="91425" anchor="t" anchorCtr="0">
             <a:noAutofit/>
           </a:bodyPr>
           <a:lstStyle>
-            <a:lvl1pPr indent="-298450" lvl="0" marL="457200">
+            <a:lvl1pPr marL="457200" lvl="0" indent="-298450">
               <a:spcBef>
                 <a:spcPts val="0"/>
               </a:spcBef>
@@ -381,7 +368,7 @@
               <a:buChar char="●"/>
               <a:defRPr sz="1100"/>
             </a:lvl1pPr>
-            <a:lvl2pPr indent="-298450" lvl="1" marL="914400">
+            <a:lvl2pPr marL="914400" lvl="1" indent="-298450">
               <a:spcBef>
                 <a:spcPts val="0"/>
               </a:spcBef>
@@ -392,7 +379,7 @@
               <a:buChar char="○"/>
               <a:defRPr sz="1100"/>
             </a:lvl2pPr>
-            <a:lvl3pPr indent="-298450" lvl="2" marL="1371600">
+            <a:lvl3pPr marL="1371600" lvl="2" indent="-298450">
               <a:spcBef>
                 <a:spcPts val="0"/>
               </a:spcBef>
@@ -403,7 +390,7 @@
               <a:buChar char="■"/>
               <a:defRPr sz="1100"/>
             </a:lvl3pPr>
-            <a:lvl4pPr indent="-298450" lvl="3" marL="1828800">
+            <a:lvl4pPr marL="1828800" lvl="3" indent="-298450">
               <a:spcBef>
                 <a:spcPts val="0"/>
               </a:spcBef>
@@ -414,7 +401,7 @@
               <a:buChar char="●"/>
               <a:defRPr sz="1100"/>
             </a:lvl4pPr>
-            <a:lvl5pPr indent="-298450" lvl="4" marL="2286000">
+            <a:lvl5pPr marL="2286000" lvl="4" indent="-298450">
               <a:spcBef>
                 <a:spcPts val="0"/>
               </a:spcBef>
@@ -425,7 +412,7 @@
               <a:buChar char="○"/>
               <a:defRPr sz="1100"/>
             </a:lvl5pPr>
-            <a:lvl6pPr indent="-298450" lvl="5" marL="2743200">
+            <a:lvl6pPr marL="2743200" lvl="5" indent="-298450">
               <a:spcBef>
                 <a:spcPts val="0"/>
               </a:spcBef>
@@ -436,7 +423,7 @@
               <a:buChar char="■"/>
               <a:defRPr sz="1100"/>
             </a:lvl6pPr>
-            <a:lvl7pPr indent="-298450" lvl="6" marL="3200400">
+            <a:lvl7pPr marL="3200400" lvl="6" indent="-298450">
               <a:spcBef>
                 <a:spcPts val="0"/>
               </a:spcBef>
@@ -447,7 +434,7 @@
               <a:buChar char="●"/>
               <a:defRPr sz="1100"/>
             </a:lvl7pPr>
-            <a:lvl8pPr indent="-298450" lvl="7" marL="3657600">
+            <a:lvl8pPr marL="3657600" lvl="7" indent="-298450">
               <a:spcBef>
                 <a:spcPts val="0"/>
               </a:spcBef>
@@ -458,7 +445,7 @@
               <a:buChar char="○"/>
               <a:defRPr sz="1100"/>
             </a:lvl8pPr>
-            <a:lvl9pPr indent="-298450" lvl="8" marL="4114800">
+            <a:lvl9pPr marL="4114800" lvl="8" indent="-298450">
               <a:spcBef>
                 <a:spcPts val="0"/>
               </a:spcBef>
@@ -475,9 +462,9 @@
       </p:sp>
     </p:spTree>
   </p:cSld>
-  <p:clrMap accent1="accent1" accent2="accent2" accent3="accent3" accent4="accent4" accent5="accent5" accent6="accent6" bg1="lt1" bg2="dk2" tx1="dk1" tx2="lt2" folHlink="folHlink" hlink="hlink"/>
+  <p:clrMap bg1="lt1" tx1="dk1" bg2="dk2" tx2="lt2" accent1="accent1" accent2="accent2" accent3="accent3" accent4="accent4" accent5="accent5" accent6="accent6" hlink="hlink" folHlink="folHlink"/>
   <p:notesStyle>
-    <a:defPPr lvl="0" marR="0" rtl="0" algn="l">
+    <a:defPPr marR="0" lvl="0" algn="l" rtl="0">
       <a:lnSpc>
         <a:spcPct val="100000"/>
       </a:lnSpc>
@@ -488,7 +475,7 @@
         <a:spcPts val="0"/>
       </a:spcAft>
     </a:defPPr>
-    <a:lvl1pPr lvl="0" marR="0" rtl="0" algn="l">
+    <a:lvl1pPr marR="0" lvl="0" algn="l" rtl="0">
       <a:lnSpc>
         <a:spcPct val="100000"/>
       </a:lnSpc>
@@ -501,18 +488,18 @@
       <a:buClr>
         <a:srgbClr val="000000"/>
       </a:buClr>
-      <a:buFont typeface="Arial"/>
-      <a:defRPr b="0" i="0" sz="1400" u="none" cap="none" strike="noStrike">
+      <a:buFont typeface="Arial" panose="020B0604020202020204"/>
+      <a:defRPr sz="1400" b="0" i="0" u="none" strike="noStrike" cap="none">
         <a:solidFill>
           <a:srgbClr val="000000"/>
         </a:solidFill>
-        <a:latin typeface="Arial"/>
-        <a:ea typeface="Arial"/>
-        <a:cs typeface="Arial"/>
-        <a:sym typeface="Arial"/>
+        <a:latin typeface="Arial" panose="020B0604020202020204"/>
+        <a:ea typeface="Arial" panose="020B0604020202020204"/>
+        <a:cs typeface="Arial" panose="020B0604020202020204"/>
+        <a:sym typeface="Arial" panose="020B0604020202020204"/>
       </a:defRPr>
     </a:lvl1pPr>
-    <a:lvl2pPr lvl="1" marR="0" rtl="0" algn="l">
+    <a:lvl2pPr marR="0" lvl="1" algn="l" rtl="0">
       <a:lnSpc>
         <a:spcPct val="100000"/>
       </a:lnSpc>
@@ -525,18 +512,18 @@
       <a:buClr>
         <a:srgbClr val="000000"/>
       </a:buClr>
-      <a:buFont typeface="Arial"/>
-      <a:defRPr b="0" i="0" sz="1400" u="none" cap="none" strike="noStrike">
+      <a:buFont typeface="Arial" panose="020B0604020202020204"/>
+      <a:defRPr sz="1400" b="0" i="0" u="none" strike="noStrike" cap="none">
         <a:solidFill>
           <a:srgbClr val="000000"/>
         </a:solidFill>
-        <a:latin typeface="Arial"/>
-        <a:ea typeface="Arial"/>
-        <a:cs typeface="Arial"/>
-        <a:sym typeface="Arial"/>
+        <a:latin typeface="Arial" panose="020B0604020202020204"/>
+        <a:ea typeface="Arial" panose="020B0604020202020204"/>
+        <a:cs typeface="Arial" panose="020B0604020202020204"/>
+        <a:sym typeface="Arial" panose="020B0604020202020204"/>
       </a:defRPr>
     </a:lvl2pPr>
-    <a:lvl3pPr lvl="2" marR="0" rtl="0" algn="l">
+    <a:lvl3pPr marR="0" lvl="2" algn="l" rtl="0">
       <a:lnSpc>
         <a:spcPct val="100000"/>
       </a:lnSpc>
@@ -549,18 +536,18 @@
       <a:buClr>
         <a:srgbClr val="000000"/>
       </a:buClr>
-      <a:buFont typeface="Arial"/>
-      <a:defRPr b="0" i="0" sz="1400" u="none" cap="none" strike="noStrike">
+      <a:buFont typeface="Arial" panose="020B0604020202020204"/>
+      <a:defRPr sz="1400" b="0" i="0" u="none" strike="noStrike" cap="none">
         <a:solidFill>
           <a:srgbClr val="000000"/>
         </a:solidFill>
-        <a:latin typeface="Arial"/>
-        <a:ea typeface="Arial"/>
-        <a:cs typeface="Arial"/>
-        <a:sym typeface="Arial"/>
+        <a:latin typeface="Arial" panose="020B0604020202020204"/>
+        <a:ea typeface="Arial" panose="020B0604020202020204"/>
+        <a:cs typeface="Arial" panose="020B0604020202020204"/>
+        <a:sym typeface="Arial" panose="020B0604020202020204"/>
       </a:defRPr>
     </a:lvl3pPr>
-    <a:lvl4pPr lvl="3" marR="0" rtl="0" algn="l">
+    <a:lvl4pPr marR="0" lvl="3" algn="l" rtl="0">
       <a:lnSpc>
         <a:spcPct val="100000"/>
       </a:lnSpc>
@@ -573,18 +560,18 @@
       <a:buClr>
         <a:srgbClr val="000000"/>
       </a:buClr>
-      <a:buFont typeface="Arial"/>
-      <a:defRPr b="0" i="0" sz="1400" u="none" cap="none" strike="noStrike">
+      <a:buFont typeface="Arial" panose="020B0604020202020204"/>
+      <a:defRPr sz="1400" b="0" i="0" u="none" strike="noStrike" cap="none">
         <a:solidFill>
           <a:srgbClr val="000000"/>
         </a:solidFill>
-        <a:latin typeface="Arial"/>
-        <a:ea typeface="Arial"/>
-        <a:cs typeface="Arial"/>
-        <a:sym typeface="Arial"/>
+        <a:latin typeface="Arial" panose="020B0604020202020204"/>
+        <a:ea typeface="Arial" panose="020B0604020202020204"/>
+        <a:cs typeface="Arial" panose="020B0604020202020204"/>
+        <a:sym typeface="Arial" panose="020B0604020202020204"/>
       </a:defRPr>
     </a:lvl4pPr>
-    <a:lvl5pPr lvl="4" marR="0" rtl="0" algn="l">
+    <a:lvl5pPr marR="0" lvl="4" algn="l" rtl="0">
       <a:lnSpc>
         <a:spcPct val="100000"/>
       </a:lnSpc>
@@ -597,18 +584,18 @@
       <a:buClr>
         <a:srgbClr val="000000"/>
       </a:buClr>
-      <a:buFont typeface="Arial"/>
-      <a:defRPr b="0" i="0" sz="1400" u="none" cap="none" strike="noStrike">
+      <a:buFont typeface="Arial" panose="020B0604020202020204"/>
+      <a:defRPr sz="1400" b="0" i="0" u="none" strike="noStrike" cap="none">
         <a:solidFill>
           <a:srgbClr val="000000"/>
         </a:solidFill>
-        <a:latin typeface="Arial"/>
-        <a:ea typeface="Arial"/>
-        <a:cs typeface="Arial"/>
-        <a:sym typeface="Arial"/>
+        <a:latin typeface="Arial" panose="020B0604020202020204"/>
+        <a:ea typeface="Arial" panose="020B0604020202020204"/>
+        <a:cs typeface="Arial" panose="020B0604020202020204"/>
+        <a:sym typeface="Arial" panose="020B0604020202020204"/>
       </a:defRPr>
     </a:lvl5pPr>
-    <a:lvl6pPr lvl="5" marR="0" rtl="0" algn="l">
+    <a:lvl6pPr marR="0" lvl="5" algn="l" rtl="0">
       <a:lnSpc>
         <a:spcPct val="100000"/>
       </a:lnSpc>
@@ -621,18 +608,18 @@
       <a:buClr>
         <a:srgbClr val="000000"/>
       </a:buClr>
-      <a:buFont typeface="Arial"/>
-      <a:defRPr b="0" i="0" sz="1400" u="none" cap="none" strike="noStrike">
+      <a:buFont typeface="Arial" panose="020B0604020202020204"/>
+      <a:defRPr sz="1400" b="0" i="0" u="none" strike="noStrike" cap="none">
         <a:solidFill>
           <a:srgbClr val="000000"/>
         </a:solidFill>
-        <a:latin typeface="Arial"/>
-        <a:ea typeface="Arial"/>
-        <a:cs typeface="Arial"/>
-        <a:sym typeface="Arial"/>
+        <a:latin typeface="Arial" panose="020B0604020202020204"/>
+        <a:ea typeface="Arial" panose="020B0604020202020204"/>
+        <a:cs typeface="Arial" panose="020B0604020202020204"/>
+        <a:sym typeface="Arial" panose="020B0604020202020204"/>
       </a:defRPr>
     </a:lvl6pPr>
-    <a:lvl7pPr lvl="6" marR="0" rtl="0" algn="l">
+    <a:lvl7pPr marR="0" lvl="6" algn="l" rtl="0">
       <a:lnSpc>
         <a:spcPct val="100000"/>
       </a:lnSpc>
@@ -645,18 +632,18 @@
       <a:buClr>
         <a:srgbClr val="000000"/>
       </a:buClr>
-      <a:buFont typeface="Arial"/>
-      <a:defRPr b="0" i="0" sz="1400" u="none" cap="none" strike="noStrike">
+      <a:buFont typeface="Arial" panose="020B0604020202020204"/>
+      <a:defRPr sz="1400" b="0" i="0" u="none" strike="noStrike" cap="none">
         <a:solidFill>
           <a:srgbClr val="000000"/>
         </a:solidFill>
-        <a:latin typeface="Arial"/>
-        <a:ea typeface="Arial"/>
-        <a:cs typeface="Arial"/>
-        <a:sym typeface="Arial"/>
+        <a:latin typeface="Arial" panose="020B0604020202020204"/>
+        <a:ea typeface="Arial" panose="020B0604020202020204"/>
+        <a:cs typeface="Arial" panose="020B0604020202020204"/>
+        <a:sym typeface="Arial" panose="020B0604020202020204"/>
       </a:defRPr>
     </a:lvl7pPr>
-    <a:lvl8pPr lvl="7" marR="0" rtl="0" algn="l">
+    <a:lvl8pPr marR="0" lvl="7" algn="l" rtl="0">
       <a:lnSpc>
         <a:spcPct val="100000"/>
       </a:lnSpc>
@@ -669,18 +656,18 @@
       <a:buClr>
         <a:srgbClr val="000000"/>
       </a:buClr>
-      <a:buFont typeface="Arial"/>
-      <a:defRPr b="0" i="0" sz="1400" u="none" cap="none" strike="noStrike">
+      <a:buFont typeface="Arial" panose="020B0604020202020204"/>
+      <a:defRPr sz="1400" b="0" i="0" u="none" strike="noStrike" cap="none">
         <a:solidFill>
           <a:srgbClr val="000000"/>
         </a:solidFill>
-        <a:latin typeface="Arial"/>
-        <a:ea typeface="Arial"/>
-        <a:cs typeface="Arial"/>
-        <a:sym typeface="Arial"/>
+        <a:latin typeface="Arial" panose="020B0604020202020204"/>
+        <a:ea typeface="Arial" panose="020B0604020202020204"/>
+        <a:cs typeface="Arial" panose="020B0604020202020204"/>
+        <a:sym typeface="Arial" panose="020B0604020202020204"/>
       </a:defRPr>
     </a:lvl8pPr>
-    <a:lvl9pPr lvl="8" marR="0" rtl="0" algn="l">
+    <a:lvl9pPr marR="0" lvl="8" algn="l" rtl="0">
       <a:lnSpc>
         <a:spcPct val="100000"/>
       </a:lnSpc>
@@ -693,15 +680,15 @@
       <a:buClr>
         <a:srgbClr val="000000"/>
       </a:buClr>
-      <a:buFont typeface="Arial"/>
-      <a:defRPr b="0" i="0" sz="1400" u="none" cap="none" strike="noStrike">
+      <a:buFont typeface="Arial" panose="020B0604020202020204"/>
+      <a:defRPr sz="1400" b="0" i="0" u="none" strike="noStrike" cap="none">
         <a:solidFill>
           <a:srgbClr val="000000"/>
         </a:solidFill>
-        <a:latin typeface="Arial"/>
-        <a:ea typeface="Arial"/>
-        <a:cs typeface="Arial"/>
-        <a:sym typeface="Arial"/>
+        <a:latin typeface="Arial" panose="020B0604020202020204"/>
+        <a:ea typeface="Arial" panose="020B0604020202020204"/>
+        <a:cs typeface="Arial" panose="020B0604020202020204"/>
+        <a:sym typeface="Arial" panose="020B0604020202020204"/>
       </a:defRPr>
     </a:lvl9pPr>
   </p:notesStyle>
@@ -709,7 +696,7 @@
 </file>
 
 <file path=ppt/notesSlides/notesSlide1.xml><?xml version="1.0" encoding="utf-8"?>
-<p:notes xmlns:a="http://schemas.openxmlformats.org/drawingml/2006/main" xmlns:r="http://schemas.openxmlformats.org/officeDocument/2006/relationships" xmlns:mc="http://schemas.openxmlformats.org/markup-compatibility/2006" xmlns:mv="urn:schemas-microsoft-com:mac:vml" xmlns:p="http://schemas.openxmlformats.org/presentationml/2006/main" xmlns:c="http://schemas.openxmlformats.org/drawingml/2006/chart" xmlns:dgm="http://schemas.openxmlformats.org/drawingml/2006/diagram" xmlns:o="urn:schemas-microsoft-com:office:office" xmlns:v="urn:schemas-microsoft-com:vml" xmlns:pvml="urn:schemas-microsoft-com:office:powerpoint" xmlns:com="http://schemas.openxmlformats.org/drawingml/2006/compatibility" xmlns:p14="http://schemas.microsoft.com/office/powerpoint/2010/main" xmlns:p15="http://schemas.microsoft.com/office/powerpoint/2012/main" xmlns:ahyp="http://schemas.microsoft.com/office/drawing/2018/hyperlinkcolor" showMasterPhAnim="0" showMasterSp="0">
+<p:notes xmlns:a="http://schemas.openxmlformats.org/drawingml/2006/main" xmlns:r="http://schemas.openxmlformats.org/officeDocument/2006/relationships" xmlns:p="http://schemas.openxmlformats.org/presentationml/2006/main" showMasterPhAnim="0" showMasterSp="0">
   <p:cSld>
     <p:spTree>
       <p:nvGrpSpPr>
@@ -730,7 +717,7 @@
           <p:cNvPr id="69" name="Google Shape;69;p:notes"/>
           <p:cNvSpPr/>
           <p:nvPr>
-            <p:ph idx="2" type="sldImg"/>
+            <p:ph type="sldImg" idx="2"/>
           </p:nvPr>
         </p:nvSpPr>
         <p:spPr>
@@ -739,9 +726,13 @@
             <a:ext cx="6096075" cy="3429000"/>
           </a:xfrm>
           <a:custGeom>
-            <a:rect b="b" l="l" r="r" t="t"/>
+            <a:avLst/>
+            <a:gdLst/>
+            <a:ahLst/>
+            <a:cxnLst/>
+            <a:rect l="l" t="t" r="r" b="b"/>
             <a:pathLst>
-              <a:path extrusionOk="0" h="120000" w="120000">
+              <a:path w="120000" h="120000" extrusionOk="0">
                 <a:moveTo>
                   <a:pt x="0" y="0"/>
                 </a:moveTo>
@@ -765,7 +756,7 @@
           <p:cNvPr id="70" name="Google Shape;70;p:notes"/>
           <p:cNvSpPr txBox="1"/>
           <p:nvPr>
-            <p:ph idx="1" type="body"/>
+            <p:ph type="body" idx="1"/>
           </p:nvPr>
         </p:nvSpPr>
         <p:spPr>
@@ -778,12 +769,12 @@
           </a:prstGeom>
         </p:spPr>
         <p:txBody>
-          <a:bodyPr anchorCtr="0" anchor="t" bIns="91425" lIns="91425" spcFirstLastPara="1" rIns="91425" wrap="square" tIns="91425">
+          <a:bodyPr spcFirstLastPara="1" wrap="square" lIns="91425" tIns="91425" rIns="91425" bIns="91425" anchor="t" anchorCtr="0">
             <a:noAutofit/>
           </a:bodyPr>
           <a:lstStyle/>
           <a:p>
-            <a:pPr indent="0" lvl="0" marL="0" rtl="0" algn="l">
+            <a:pPr marL="0" lvl="0" indent="0" algn="l" rtl="0">
               <a:spcBef>
                 <a:spcPts val="0"/>
               </a:spcBef>
@@ -792,10 +783,6 @@
               </a:spcAft>
               <a:buNone/>
             </a:pPr>
-            <a:r>
-              <a:t/>
-            </a:r>
-            <a:endParaRPr/>
           </a:p>
         </p:txBody>
       </p:sp>
@@ -808,7 +795,7 @@
 </file>
 
 <file path=ppt/notesSlides/notesSlide2.xml><?xml version="1.0" encoding="utf-8"?>
-<p:notes xmlns:a="http://schemas.openxmlformats.org/drawingml/2006/main" xmlns:r="http://schemas.openxmlformats.org/officeDocument/2006/relationships" xmlns:mc="http://schemas.openxmlformats.org/markup-compatibility/2006" xmlns:mv="urn:schemas-microsoft-com:mac:vml" xmlns:p="http://schemas.openxmlformats.org/presentationml/2006/main" xmlns:c="http://schemas.openxmlformats.org/drawingml/2006/chart" xmlns:dgm="http://schemas.openxmlformats.org/drawingml/2006/diagram" xmlns:o="urn:schemas-microsoft-com:office:office" xmlns:v="urn:schemas-microsoft-com:vml" xmlns:pvml="urn:schemas-microsoft-com:office:powerpoint" xmlns:com="http://schemas.openxmlformats.org/drawingml/2006/compatibility" xmlns:p14="http://schemas.microsoft.com/office/powerpoint/2010/main" xmlns:p15="http://schemas.microsoft.com/office/powerpoint/2012/main" xmlns:ahyp="http://schemas.microsoft.com/office/drawing/2018/hyperlinkcolor" showMasterPhAnim="0" showMasterSp="0">
+<p:notes xmlns:a="http://schemas.openxmlformats.org/drawingml/2006/main" xmlns:r="http://schemas.openxmlformats.org/officeDocument/2006/relationships" xmlns:p="http://schemas.openxmlformats.org/presentationml/2006/main" showMasterPhAnim="0" showMasterSp="0">
   <p:cSld>
     <p:spTree>
       <p:nvGrpSpPr>
@@ -829,7 +816,7 @@
           <p:cNvPr id="75" name="Google Shape;75;g277eda572c2_0_94:notes"/>
           <p:cNvSpPr/>
           <p:nvPr>
-            <p:ph idx="2" type="sldImg"/>
+            <p:ph type="sldImg" idx="2"/>
           </p:nvPr>
         </p:nvSpPr>
         <p:spPr>
@@ -838,9 +825,13 @@
             <a:ext cx="6096000" cy="3429000"/>
           </a:xfrm>
           <a:custGeom>
-            <a:rect b="b" l="l" r="r" t="t"/>
+            <a:avLst/>
+            <a:gdLst/>
+            <a:ahLst/>
+            <a:cxnLst/>
+            <a:rect l="l" t="t" r="r" b="b"/>
             <a:pathLst>
-              <a:path extrusionOk="0" h="120000" w="120000">
+              <a:path w="120000" h="120000" extrusionOk="0">
                 <a:moveTo>
                   <a:pt x="0" y="0"/>
                 </a:moveTo>
@@ -864,7 +855,7 @@
           <p:cNvPr id="76" name="Google Shape;76;g277eda572c2_0_94:notes"/>
           <p:cNvSpPr txBox="1"/>
           <p:nvPr>
-            <p:ph idx="1" type="body"/>
+            <p:ph type="body" idx="1"/>
           </p:nvPr>
         </p:nvSpPr>
         <p:spPr>
@@ -877,12 +868,12 @@
           </a:prstGeom>
         </p:spPr>
         <p:txBody>
-          <a:bodyPr anchorCtr="0" anchor="t" bIns="91425" lIns="91425" spcFirstLastPara="1" rIns="91425" wrap="square" tIns="91425">
+          <a:bodyPr spcFirstLastPara="1" wrap="square" lIns="91425" tIns="91425" rIns="91425" bIns="91425" anchor="t" anchorCtr="0">
             <a:noAutofit/>
           </a:bodyPr>
           <a:lstStyle/>
           <a:p>
-            <a:pPr indent="0" lvl="0" marL="0" rtl="0" algn="l">
+            <a:pPr marL="0" lvl="0" indent="0" algn="l" rtl="0">
               <a:spcBef>
                 <a:spcPts val="0"/>
               </a:spcBef>
@@ -891,10 +882,6 @@
               </a:spcAft>
               <a:buNone/>
             </a:pPr>
-            <a:r>
-              <a:t/>
-            </a:r>
-            <a:endParaRPr/>
           </a:p>
         </p:txBody>
       </p:sp>
@@ -907,7 +894,7 @@
 </file>
 
 <file path=ppt/notesSlides/notesSlide3.xml><?xml version="1.0" encoding="utf-8"?>
-<p:notes xmlns:a="http://schemas.openxmlformats.org/drawingml/2006/main" xmlns:r="http://schemas.openxmlformats.org/officeDocument/2006/relationships" xmlns:mc="http://schemas.openxmlformats.org/markup-compatibility/2006" xmlns:mv="urn:schemas-microsoft-com:mac:vml" xmlns:p="http://schemas.openxmlformats.org/presentationml/2006/main" xmlns:c="http://schemas.openxmlformats.org/drawingml/2006/chart" xmlns:dgm="http://schemas.openxmlformats.org/drawingml/2006/diagram" xmlns:o="urn:schemas-microsoft-com:office:office" xmlns:v="urn:schemas-microsoft-com:vml" xmlns:pvml="urn:schemas-microsoft-com:office:powerpoint" xmlns:com="http://schemas.openxmlformats.org/drawingml/2006/compatibility" xmlns:p14="http://schemas.microsoft.com/office/powerpoint/2010/main" xmlns:p15="http://schemas.microsoft.com/office/powerpoint/2012/main" xmlns:ahyp="http://schemas.microsoft.com/office/drawing/2018/hyperlinkcolor" showMasterPhAnim="0" showMasterSp="0">
+<p:notes xmlns:a="http://schemas.openxmlformats.org/drawingml/2006/main" xmlns:r="http://schemas.openxmlformats.org/officeDocument/2006/relationships" xmlns:p="http://schemas.openxmlformats.org/presentationml/2006/main" showMasterPhAnim="0" showMasterSp="0">
   <p:cSld>
     <p:spTree>
       <p:nvGrpSpPr>
@@ -928,7 +915,7 @@
           <p:cNvPr id="81" name="Google Shape;81;g277eda572c2_0_77:notes"/>
           <p:cNvSpPr/>
           <p:nvPr>
-            <p:ph idx="2" type="sldImg"/>
+            <p:ph type="sldImg" idx="2"/>
           </p:nvPr>
         </p:nvSpPr>
         <p:spPr>
@@ -937,9 +924,13 @@
             <a:ext cx="6096000" cy="3429000"/>
           </a:xfrm>
           <a:custGeom>
-            <a:rect b="b" l="l" r="r" t="t"/>
+            <a:avLst/>
+            <a:gdLst/>
+            <a:ahLst/>
+            <a:cxnLst/>
+            <a:rect l="l" t="t" r="r" b="b"/>
             <a:pathLst>
-              <a:path extrusionOk="0" h="120000" w="120000">
+              <a:path w="120000" h="120000" extrusionOk="0">
                 <a:moveTo>
                   <a:pt x="0" y="0"/>
                 </a:moveTo>
@@ -963,7 +954,7 @@
           <p:cNvPr id="82" name="Google Shape;82;g277eda572c2_0_77:notes"/>
           <p:cNvSpPr txBox="1"/>
           <p:nvPr>
-            <p:ph idx="1" type="body"/>
+            <p:ph type="body" idx="1"/>
           </p:nvPr>
         </p:nvSpPr>
         <p:spPr>
@@ -976,12 +967,12 @@
           </a:prstGeom>
         </p:spPr>
         <p:txBody>
-          <a:bodyPr anchorCtr="0" anchor="t" bIns="91425" lIns="91425" spcFirstLastPara="1" rIns="91425" wrap="square" tIns="91425">
+          <a:bodyPr spcFirstLastPara="1" wrap="square" lIns="91425" tIns="91425" rIns="91425" bIns="91425" anchor="t" anchorCtr="0">
             <a:noAutofit/>
           </a:bodyPr>
           <a:lstStyle/>
           <a:p>
-            <a:pPr indent="0" lvl="0" marL="0" rtl="0" algn="l">
+            <a:pPr marL="0" lvl="0" indent="0" algn="l" rtl="0">
               <a:spcBef>
                 <a:spcPts val="0"/>
               </a:spcBef>
@@ -990,10 +981,6 @@
               </a:spcAft>
               <a:buNone/>
             </a:pPr>
-            <a:r>
-              <a:t/>
-            </a:r>
-            <a:endParaRPr/>
           </a:p>
         </p:txBody>
       </p:sp>
@@ -1006,7 +993,7 @@
 </file>
 
 <file path=ppt/notesSlides/notesSlide4.xml><?xml version="1.0" encoding="utf-8"?>
-<p:notes xmlns:a="http://schemas.openxmlformats.org/drawingml/2006/main" xmlns:r="http://schemas.openxmlformats.org/officeDocument/2006/relationships" xmlns:mc="http://schemas.openxmlformats.org/markup-compatibility/2006" xmlns:mv="urn:schemas-microsoft-com:mac:vml" xmlns:p="http://schemas.openxmlformats.org/presentationml/2006/main" xmlns:c="http://schemas.openxmlformats.org/drawingml/2006/chart" xmlns:dgm="http://schemas.openxmlformats.org/drawingml/2006/diagram" xmlns:o="urn:schemas-microsoft-com:office:office" xmlns:v="urn:schemas-microsoft-com:vml" xmlns:pvml="urn:schemas-microsoft-com:office:powerpoint" xmlns:com="http://schemas.openxmlformats.org/drawingml/2006/compatibility" xmlns:p14="http://schemas.microsoft.com/office/powerpoint/2010/main" xmlns:p15="http://schemas.microsoft.com/office/powerpoint/2012/main" xmlns:ahyp="http://schemas.microsoft.com/office/drawing/2018/hyperlinkcolor" showMasterPhAnim="0" showMasterSp="0">
+<p:notes xmlns:a="http://schemas.openxmlformats.org/drawingml/2006/main" xmlns:r="http://schemas.openxmlformats.org/officeDocument/2006/relationships" xmlns:p="http://schemas.openxmlformats.org/presentationml/2006/main" showMasterPhAnim="0" showMasterSp="0">
   <p:cSld>
     <p:spTree>
       <p:nvGrpSpPr>
@@ -1027,7 +1014,7 @@
           <p:cNvPr id="87" name="Google Shape;87;g277eda572c2_0_82:notes"/>
           <p:cNvSpPr/>
           <p:nvPr>
-            <p:ph idx="2" type="sldImg"/>
+            <p:ph type="sldImg" idx="2"/>
           </p:nvPr>
         </p:nvSpPr>
         <p:spPr>
@@ -1036,9 +1023,13 @@
             <a:ext cx="6096000" cy="3429000"/>
           </a:xfrm>
           <a:custGeom>
-            <a:rect b="b" l="l" r="r" t="t"/>
+            <a:avLst/>
+            <a:gdLst/>
+            <a:ahLst/>
+            <a:cxnLst/>
+            <a:rect l="l" t="t" r="r" b="b"/>
             <a:pathLst>
-              <a:path extrusionOk="0" h="120000" w="120000">
+              <a:path w="120000" h="120000" extrusionOk="0">
                 <a:moveTo>
                   <a:pt x="0" y="0"/>
                 </a:moveTo>
@@ -1062,7 +1053,7 @@
           <p:cNvPr id="88" name="Google Shape;88;g277eda572c2_0_82:notes"/>
           <p:cNvSpPr txBox="1"/>
           <p:nvPr>
-            <p:ph idx="1" type="body"/>
+            <p:ph type="body" idx="1"/>
           </p:nvPr>
         </p:nvSpPr>
         <p:spPr>
@@ -1075,12 +1066,12 @@
           </a:prstGeom>
         </p:spPr>
         <p:txBody>
-          <a:bodyPr anchorCtr="0" anchor="t" bIns="91425" lIns="91425" spcFirstLastPara="1" rIns="91425" wrap="square" tIns="91425">
+          <a:bodyPr spcFirstLastPara="1" wrap="square" lIns="91425" tIns="91425" rIns="91425" bIns="91425" anchor="t" anchorCtr="0">
             <a:noAutofit/>
           </a:bodyPr>
           <a:lstStyle/>
           <a:p>
-            <a:pPr indent="0" lvl="0" marL="0" rtl="0" algn="l">
+            <a:pPr marL="0" lvl="0" indent="0" algn="l" rtl="0">
               <a:spcBef>
                 <a:spcPts val="0"/>
               </a:spcBef>
@@ -1089,10 +1080,6 @@
               </a:spcAft>
               <a:buNone/>
             </a:pPr>
-            <a:r>
-              <a:t/>
-            </a:r>
-            <a:endParaRPr/>
           </a:p>
         </p:txBody>
       </p:sp>
@@ -1105,7 +1092,7 @@
 </file>
 
 <file path=ppt/notesSlides/notesSlide5.xml><?xml version="1.0" encoding="utf-8"?>
-<p:notes xmlns:a="http://schemas.openxmlformats.org/drawingml/2006/main" xmlns:r="http://schemas.openxmlformats.org/officeDocument/2006/relationships" xmlns:mc="http://schemas.openxmlformats.org/markup-compatibility/2006" xmlns:mv="urn:schemas-microsoft-com:mac:vml" xmlns:p="http://schemas.openxmlformats.org/presentationml/2006/main" xmlns:c="http://schemas.openxmlformats.org/drawingml/2006/chart" xmlns:dgm="http://schemas.openxmlformats.org/drawingml/2006/diagram" xmlns:o="urn:schemas-microsoft-com:office:office" xmlns:v="urn:schemas-microsoft-com:vml" xmlns:pvml="urn:schemas-microsoft-com:office:powerpoint" xmlns:com="http://schemas.openxmlformats.org/drawingml/2006/compatibility" xmlns:p14="http://schemas.microsoft.com/office/powerpoint/2010/main" xmlns:p15="http://schemas.microsoft.com/office/powerpoint/2012/main" xmlns:ahyp="http://schemas.microsoft.com/office/drawing/2018/hyperlinkcolor" showMasterPhAnim="0" showMasterSp="0">
+<p:notes xmlns:a="http://schemas.openxmlformats.org/drawingml/2006/main" xmlns:r="http://schemas.openxmlformats.org/officeDocument/2006/relationships" xmlns:p="http://schemas.openxmlformats.org/presentationml/2006/main" showMasterPhAnim="0" showMasterSp="0">
   <p:cSld>
     <p:spTree>
       <p:nvGrpSpPr>
@@ -1126,7 +1113,7 @@
           <p:cNvPr id="93" name="Google Shape;93;g277eda572c2_0_87:notes"/>
           <p:cNvSpPr/>
           <p:nvPr>
-            <p:ph idx="2" type="sldImg"/>
+            <p:ph type="sldImg" idx="2"/>
           </p:nvPr>
         </p:nvSpPr>
         <p:spPr>
@@ -1135,9 +1122,13 @@
             <a:ext cx="6096000" cy="3429000"/>
           </a:xfrm>
           <a:custGeom>
-            <a:rect b="b" l="l" r="r" t="t"/>
+            <a:avLst/>
+            <a:gdLst/>
+            <a:ahLst/>
+            <a:cxnLst/>
+            <a:rect l="l" t="t" r="r" b="b"/>
             <a:pathLst>
-              <a:path extrusionOk="0" h="120000" w="120000">
+              <a:path w="120000" h="120000" extrusionOk="0">
                 <a:moveTo>
                   <a:pt x="0" y="0"/>
                 </a:moveTo>
@@ -1161,7 +1152,7 @@
           <p:cNvPr id="94" name="Google Shape;94;g277eda572c2_0_87:notes"/>
           <p:cNvSpPr txBox="1"/>
           <p:nvPr>
-            <p:ph idx="1" type="body"/>
+            <p:ph type="body" idx="1"/>
           </p:nvPr>
         </p:nvSpPr>
         <p:spPr>
@@ -1174,12 +1165,12 @@
           </a:prstGeom>
         </p:spPr>
         <p:txBody>
-          <a:bodyPr anchorCtr="0" anchor="t" bIns="91425" lIns="91425" spcFirstLastPara="1" rIns="91425" wrap="square" tIns="91425">
+          <a:bodyPr spcFirstLastPara="1" wrap="square" lIns="91425" tIns="91425" rIns="91425" bIns="91425" anchor="t" anchorCtr="0">
             <a:noAutofit/>
           </a:bodyPr>
           <a:lstStyle/>
           <a:p>
-            <a:pPr indent="0" lvl="0" marL="0" rtl="0" algn="l">
+            <a:pPr marL="0" lvl="0" indent="0" algn="l" rtl="0">
               <a:spcBef>
                 <a:spcPts val="0"/>
               </a:spcBef>
@@ -1188,10 +1179,6 @@
               </a:spcAft>
               <a:buNone/>
             </a:pPr>
-            <a:r>
-              <a:t/>
-            </a:r>
-            <a:endParaRPr/>
           </a:p>
         </p:txBody>
       </p:sp>
@@ -1204,7 +1191,7 @@
 </file>
 
 <file path=ppt/notesSlides/notesSlide6.xml><?xml version="1.0" encoding="utf-8"?>
-<p:notes xmlns:a="http://schemas.openxmlformats.org/drawingml/2006/main" xmlns:r="http://schemas.openxmlformats.org/officeDocument/2006/relationships" xmlns:mc="http://schemas.openxmlformats.org/markup-compatibility/2006" xmlns:mv="urn:schemas-microsoft-com:mac:vml" xmlns:p="http://schemas.openxmlformats.org/presentationml/2006/main" xmlns:c="http://schemas.openxmlformats.org/drawingml/2006/chart" xmlns:dgm="http://schemas.openxmlformats.org/drawingml/2006/diagram" xmlns:o="urn:schemas-microsoft-com:office:office" xmlns:v="urn:schemas-microsoft-com:vml" xmlns:pvml="urn:schemas-microsoft-com:office:powerpoint" xmlns:com="http://schemas.openxmlformats.org/drawingml/2006/compatibility" xmlns:p14="http://schemas.microsoft.com/office/powerpoint/2010/main" xmlns:p15="http://schemas.microsoft.com/office/powerpoint/2012/main" xmlns:ahyp="http://schemas.microsoft.com/office/drawing/2018/hyperlinkcolor" showMasterPhAnim="0" showMasterSp="0">
+<p:notes xmlns:a="http://schemas.openxmlformats.org/drawingml/2006/main" xmlns:r="http://schemas.openxmlformats.org/officeDocument/2006/relationships" xmlns:p="http://schemas.openxmlformats.org/presentationml/2006/main" showMasterPhAnim="0" showMasterSp="0">
   <p:cSld>
     <p:spTree>
       <p:nvGrpSpPr>
@@ -1225,7 +1212,7 @@
           <p:cNvPr id="99" name="Google Shape;99;g277e8bf5842_0_0:notes"/>
           <p:cNvSpPr/>
           <p:nvPr>
-            <p:ph idx="2" type="sldImg"/>
+            <p:ph type="sldImg" idx="2"/>
           </p:nvPr>
         </p:nvSpPr>
         <p:spPr>
@@ -1234,9 +1221,13 @@
             <a:ext cx="6096000" cy="3429000"/>
           </a:xfrm>
           <a:custGeom>
-            <a:rect b="b" l="l" r="r" t="t"/>
+            <a:avLst/>
+            <a:gdLst/>
+            <a:ahLst/>
+            <a:cxnLst/>
+            <a:rect l="l" t="t" r="r" b="b"/>
             <a:pathLst>
-              <a:path extrusionOk="0" h="120000" w="120000">
+              <a:path w="120000" h="120000" extrusionOk="0">
                 <a:moveTo>
                   <a:pt x="0" y="0"/>
                 </a:moveTo>
@@ -1260,7 +1251,7 @@
           <p:cNvPr id="100" name="Google Shape;100;g277e8bf5842_0_0:notes"/>
           <p:cNvSpPr txBox="1"/>
           <p:nvPr>
-            <p:ph idx="1" type="body"/>
+            <p:ph type="body" idx="1"/>
           </p:nvPr>
         </p:nvSpPr>
         <p:spPr>
@@ -1273,12 +1264,12 @@
           </a:prstGeom>
         </p:spPr>
         <p:txBody>
-          <a:bodyPr anchorCtr="0" anchor="t" bIns="91425" lIns="91425" spcFirstLastPara="1" rIns="91425" wrap="square" tIns="91425">
+          <a:bodyPr spcFirstLastPara="1" wrap="square" lIns="91425" tIns="91425" rIns="91425" bIns="91425" anchor="t" anchorCtr="0">
             <a:noAutofit/>
           </a:bodyPr>
           <a:lstStyle/>
           <a:p>
-            <a:pPr indent="0" lvl="0" marL="0" rtl="0" algn="l">
+            <a:pPr marL="0" lvl="0" indent="0" algn="l" rtl="0">
               <a:spcBef>
                 <a:spcPts val="0"/>
               </a:spcBef>
@@ -1287,10 +1278,6 @@
               </a:spcAft>
               <a:buNone/>
             </a:pPr>
-            <a:r>
-              <a:t/>
-            </a:r>
-            <a:endParaRPr/>
           </a:p>
         </p:txBody>
       </p:sp>
@@ -1303,7 +1290,7 @@
 </file>
 
 <file path=ppt/notesSlides/notesSlide7.xml><?xml version="1.0" encoding="utf-8"?>
-<p:notes xmlns:a="http://schemas.openxmlformats.org/drawingml/2006/main" xmlns:r="http://schemas.openxmlformats.org/officeDocument/2006/relationships" xmlns:mc="http://schemas.openxmlformats.org/markup-compatibility/2006" xmlns:mv="urn:schemas-microsoft-com:mac:vml" xmlns:p="http://schemas.openxmlformats.org/presentationml/2006/main" xmlns:c="http://schemas.openxmlformats.org/drawingml/2006/chart" xmlns:dgm="http://schemas.openxmlformats.org/drawingml/2006/diagram" xmlns:o="urn:schemas-microsoft-com:office:office" xmlns:v="urn:schemas-microsoft-com:vml" xmlns:pvml="urn:schemas-microsoft-com:office:powerpoint" xmlns:com="http://schemas.openxmlformats.org/drawingml/2006/compatibility" xmlns:p14="http://schemas.microsoft.com/office/powerpoint/2010/main" xmlns:p15="http://schemas.microsoft.com/office/powerpoint/2012/main" xmlns:ahyp="http://schemas.microsoft.com/office/drawing/2018/hyperlinkcolor" showMasterPhAnim="0" showMasterSp="0">
+<p:notes xmlns:a="http://schemas.openxmlformats.org/drawingml/2006/main" xmlns:r="http://schemas.openxmlformats.org/officeDocument/2006/relationships" xmlns:p="http://schemas.openxmlformats.org/presentationml/2006/main" showMasterPhAnim="0" showMasterSp="0">
   <p:cSld>
     <p:spTree>
       <p:nvGrpSpPr>
@@ -1324,7 +1311,7 @@
           <p:cNvPr id="105" name="Google Shape;105;g277e8bf5842_0_5:notes"/>
           <p:cNvSpPr/>
           <p:nvPr>
-            <p:ph idx="2" type="sldImg"/>
+            <p:ph type="sldImg" idx="2"/>
           </p:nvPr>
         </p:nvSpPr>
         <p:spPr>
@@ -1333,9 +1320,13 @@
             <a:ext cx="6096000" cy="3429000"/>
           </a:xfrm>
           <a:custGeom>
-            <a:rect b="b" l="l" r="r" t="t"/>
+            <a:avLst/>
+            <a:gdLst/>
+            <a:ahLst/>
+            <a:cxnLst/>
+            <a:rect l="l" t="t" r="r" b="b"/>
             <a:pathLst>
-              <a:path extrusionOk="0" h="120000" w="120000">
+              <a:path w="120000" h="120000" extrusionOk="0">
                 <a:moveTo>
                   <a:pt x="0" y="0"/>
                 </a:moveTo>
@@ -1359,7 +1350,7 @@
           <p:cNvPr id="106" name="Google Shape;106;g277e8bf5842_0_5:notes"/>
           <p:cNvSpPr txBox="1"/>
           <p:nvPr>
-            <p:ph idx="1" type="body"/>
+            <p:ph type="body" idx="1"/>
           </p:nvPr>
         </p:nvSpPr>
         <p:spPr>
@@ -1372,12 +1363,12 @@
           </a:prstGeom>
         </p:spPr>
         <p:txBody>
-          <a:bodyPr anchorCtr="0" anchor="t" bIns="91425" lIns="91425" spcFirstLastPara="1" rIns="91425" wrap="square" tIns="91425">
+          <a:bodyPr spcFirstLastPara="1" wrap="square" lIns="91425" tIns="91425" rIns="91425" bIns="91425" anchor="t" anchorCtr="0">
             <a:noAutofit/>
           </a:bodyPr>
           <a:lstStyle/>
           <a:p>
-            <a:pPr indent="0" lvl="0" marL="0" rtl="0" algn="l">
+            <a:pPr marL="0" lvl="0" indent="0" algn="l" rtl="0">
               <a:spcBef>
                 <a:spcPts val="0"/>
               </a:spcBef>
@@ -1386,10 +1377,6 @@
               </a:spcAft>
               <a:buNone/>
             </a:pPr>
-            <a:r>
-              <a:t/>
-            </a:r>
-            <a:endParaRPr/>
           </a:p>
         </p:txBody>
       </p:sp>
@@ -1402,13 +1389,14 @@
 </file>
 
 <file path=ppt/slideLayouts/slideLayout1.xml><?xml version="1.0" encoding="utf-8"?>
-<p:sldLayout xmlns:a="http://schemas.openxmlformats.org/drawingml/2006/main" xmlns:r="http://schemas.openxmlformats.org/officeDocument/2006/relationships" xmlns:mc="http://schemas.openxmlformats.org/markup-compatibility/2006" xmlns:mv="urn:schemas-microsoft-com:mac:vml" xmlns:p="http://schemas.openxmlformats.org/presentationml/2006/main" xmlns:c="http://schemas.openxmlformats.org/drawingml/2006/chart" xmlns:dgm="http://schemas.openxmlformats.org/drawingml/2006/diagram" xmlns:o="urn:schemas-microsoft-com:office:office" xmlns:v="urn:schemas-microsoft-com:vml" xmlns:pvml="urn:schemas-microsoft-com:office:powerpoint" xmlns:com="http://schemas.openxmlformats.org/drawingml/2006/compatibility" xmlns:p14="http://schemas.microsoft.com/office/powerpoint/2010/main" xmlns:p15="http://schemas.microsoft.com/office/powerpoint/2012/main" xmlns:ahyp="http://schemas.microsoft.com/office/drawing/2018/hyperlinkcolor" matchingName="Title slide" type="title">
+<p:sldLayout xmlns:a="http://schemas.openxmlformats.org/drawingml/2006/main" xmlns:r="http://schemas.openxmlformats.org/officeDocument/2006/relationships" xmlns:p="http://schemas.openxmlformats.org/presentationml/2006/main" type="title" matchingName="Title slide">
   <p:cSld name="TITLE">
     <p:bg>
       <p:bgPr>
         <a:solidFill>
           <a:schemeClr val="dk1"/>
         </a:solidFill>
+        <a:effectLst/>
       </p:bgPr>
     </p:bg>
     <p:spTree>
@@ -1440,14 +1428,14 @@
             <a:avLst/>
           </a:prstGeom>
           <a:noFill/>
-          <a:ln cap="flat" cmpd="sng" w="38100">
+          <a:ln w="38100" cap="flat" cmpd="sng">
             <a:solidFill>
               <a:schemeClr val="lt1"/>
             </a:solidFill>
             <a:prstDash val="solid"/>
             <a:round/>
-            <a:headEnd len="sm" w="sm" type="none"/>
-            <a:tailEnd len="sm" w="sm" type="none"/>
+            <a:headEnd type="none" w="sm" len="sm"/>
+            <a:tailEnd type="none" w="sm" len="sm"/>
           </a:ln>
         </p:spPr>
       </p:cxnSp>
@@ -1466,14 +1454,14 @@
             <a:avLst/>
           </a:prstGeom>
           <a:noFill/>
-          <a:ln cap="flat" cmpd="sng" w="19050">
+          <a:ln w="19050" cap="flat" cmpd="sng">
             <a:solidFill>
               <a:schemeClr val="lt1"/>
             </a:solidFill>
             <a:prstDash val="solid"/>
             <a:round/>
-            <a:headEnd len="sm" w="sm" type="none"/>
-            <a:tailEnd len="sm" w="sm" type="none"/>
+            <a:headEnd type="none" w="sm" len="sm"/>
+            <a:tailEnd type="none" w="sm" len="sm"/>
           </a:ln>
         </p:spPr>
       </p:cxnSp>
@@ -1492,14 +1480,14 @@
             <a:avLst/>
           </a:prstGeom>
           <a:noFill/>
-          <a:ln cap="flat" cmpd="sng" w="19050">
+          <a:ln w="19050" cap="flat" cmpd="sng">
             <a:solidFill>
               <a:schemeClr val="lt1"/>
             </a:solidFill>
             <a:prstDash val="solid"/>
             <a:round/>
-            <a:headEnd len="sm" w="sm" type="none"/>
-            <a:tailEnd len="sm" w="sm" type="none"/>
+            <a:headEnd type="none" w="sm" len="sm"/>
+            <a:tailEnd type="none" w="sm" len="sm"/>
           </a:ln>
         </p:spPr>
       </p:cxnSp>
@@ -1521,7 +1509,7 @@
           </a:prstGeom>
         </p:spPr>
         <p:txBody>
-          <a:bodyPr anchorCtr="0" anchor="t" bIns="91425" lIns="91425" spcFirstLastPara="1" rIns="91425" wrap="square" tIns="91425">
+          <a:bodyPr spcFirstLastPara="1" wrap="square" lIns="91425" tIns="91425" rIns="91425" bIns="91425" anchor="t" anchorCtr="0">
             <a:normAutofit/>
           </a:bodyPr>
           <a:lstStyle>
@@ -1696,7 +1684,7 @@
           <p:cNvPr id="14" name="Google Shape;14;p2"/>
           <p:cNvSpPr txBox="1"/>
           <p:nvPr>
-            <p:ph idx="1" type="subTitle"/>
+            <p:ph type="subTitle" idx="1"/>
           </p:nvPr>
         </p:nvSpPr>
         <p:spPr>
@@ -1709,7 +1697,7 @@
           </a:prstGeom>
         </p:spPr>
         <p:txBody>
-          <a:bodyPr anchorCtr="0" anchor="b" bIns="91425" lIns="91425" spcFirstLastPara="1" rIns="91425" wrap="square" tIns="91425">
+          <a:bodyPr spcFirstLastPara="1" wrap="square" lIns="91425" tIns="91425" rIns="91425" bIns="91425" anchor="b" anchorCtr="0">
             <a:normAutofit/>
           </a:bodyPr>
           <a:lstStyle>
@@ -1911,7 +1899,7 @@
           <p:cNvPr id="15" name="Google Shape;15;p2"/>
           <p:cNvSpPr txBox="1"/>
           <p:nvPr>
-            <p:ph idx="12" type="sldNum"/>
+            <p:ph type="sldNum" idx="12"/>
           </p:nvPr>
         </p:nvSpPr>
         <p:spPr>
@@ -1924,7 +1912,7 @@
           </a:prstGeom>
         </p:spPr>
         <p:txBody>
-          <a:bodyPr anchorCtr="0" anchor="ctr" bIns="91425" lIns="91425" spcFirstLastPara="1" rIns="91425" wrap="square" tIns="91425">
+          <a:bodyPr spcFirstLastPara="1" wrap="square" lIns="91425" tIns="91425" rIns="91425" bIns="91425" anchor="ctr" anchorCtr="0">
             <a:normAutofit/>
           </a:bodyPr>
           <a:lstStyle>
@@ -2002,7 +1990,7 @@
             </a:lvl9pPr>
           </a:lstStyle>
           <a:p>
-            <a:pPr indent="0" lvl="0" marL="0" rtl="0" algn="r">
+            <a:pPr marL="0" lvl="0" indent="0" algn="r" rtl="0">
               <a:spcBef>
                 <a:spcPts val="0"/>
               </a:spcBef>
@@ -2012,10 +2000,9 @@
               <a:buNone/>
             </a:pPr>
             <a:fld id="{00000000-1234-1234-1234-123412341234}" type="slidenum">
-              <a:rPr lang="en"/>
-              <a:t>‹#›</a:t>
+              <a:rPr lang="en-GB"/>
             </a:fld>
-            <a:endParaRPr/>
+            <a:endParaRPr lang="en-GB"/>
           </a:p>
         </p:txBody>
       </p:sp>
@@ -2028,7 +2015,7 @@
 </file>
 
 <file path=ppt/slideLayouts/slideLayout10.xml><?xml version="1.0" encoding="utf-8"?>
-<p:sldLayout xmlns:a="http://schemas.openxmlformats.org/drawingml/2006/main" xmlns:r="http://schemas.openxmlformats.org/officeDocument/2006/relationships" xmlns:mc="http://schemas.openxmlformats.org/markup-compatibility/2006" xmlns:mv="urn:schemas-microsoft-com:mac:vml" xmlns:p="http://schemas.openxmlformats.org/presentationml/2006/main" xmlns:c="http://schemas.openxmlformats.org/drawingml/2006/chart" xmlns:dgm="http://schemas.openxmlformats.org/drawingml/2006/diagram" xmlns:o="urn:schemas-microsoft-com:office:office" xmlns:v="urn:schemas-microsoft-com:vml" xmlns:pvml="urn:schemas-microsoft-com:office:powerpoint" xmlns:com="http://schemas.openxmlformats.org/drawingml/2006/compatibility" xmlns:p14="http://schemas.microsoft.com/office/powerpoint/2010/main" xmlns:p15="http://schemas.microsoft.com/office/powerpoint/2012/main" xmlns:ahyp="http://schemas.microsoft.com/office/drawing/2018/hyperlinkcolor" matchingName="Big number">
+<p:sldLayout xmlns:a="http://schemas.openxmlformats.org/drawingml/2006/main" xmlns:r="http://schemas.openxmlformats.org/officeDocument/2006/relationships" xmlns:p="http://schemas.openxmlformats.org/presentationml/2006/main" matchingName="Big number">
   <p:cSld name="BIG_NUMBER">
     <p:spTree>
       <p:nvGrpSpPr>
@@ -2059,14 +2046,14 @@
             <a:avLst/>
           </a:prstGeom>
           <a:noFill/>
-          <a:ln cap="flat" cmpd="sng" w="19050">
+          <a:ln w="19050" cap="flat" cmpd="sng">
             <a:solidFill>
               <a:schemeClr val="dk2"/>
             </a:solidFill>
             <a:prstDash val="solid"/>
             <a:round/>
-            <a:headEnd len="sm" w="sm" type="none"/>
-            <a:tailEnd len="sm" w="sm" type="none"/>
+            <a:headEnd type="none" w="sm" len="sm"/>
+            <a:tailEnd type="none" w="sm" len="sm"/>
           </a:ln>
         </p:spPr>
       </p:cxnSp>
@@ -2085,14 +2072,14 @@
             <a:avLst/>
           </a:prstGeom>
           <a:noFill/>
-          <a:ln cap="flat" cmpd="sng" w="38100">
+          <a:ln w="38100" cap="flat" cmpd="sng">
             <a:solidFill>
               <a:schemeClr val="dk2"/>
             </a:solidFill>
             <a:prstDash val="solid"/>
             <a:round/>
-            <a:headEnd len="sm" w="sm" type="none"/>
-            <a:tailEnd len="sm" w="sm" type="none"/>
+            <a:headEnd type="none" w="sm" len="sm"/>
+            <a:tailEnd type="none" w="sm" len="sm"/>
           </a:ln>
         </p:spPr>
       </p:cxnSp>
@@ -2101,7 +2088,7 @@
           <p:cNvPr id="63" name="Google Shape;63;p11"/>
           <p:cNvSpPr txBox="1"/>
           <p:nvPr>
-            <p:ph hasCustomPrompt="1" type="title"/>
+            <p:ph type="title" hasCustomPrompt="1"/>
           </p:nvPr>
         </p:nvSpPr>
         <p:spPr>
@@ -2114,7 +2101,7 @@
           </a:prstGeom>
         </p:spPr>
         <p:txBody>
-          <a:bodyPr anchorCtr="0" anchor="ctr" bIns="91425" lIns="91425" spcFirstLastPara="1" rIns="91425" wrap="square" tIns="91425">
+          <a:bodyPr spcFirstLastPara="1" wrap="square" lIns="91425" tIns="91425" rIns="91425" bIns="91425" anchor="ctr" anchorCtr="0">
             <a:normAutofit/>
           </a:bodyPr>
           <a:lstStyle>
@@ -2129,16 +2116,16 @@
                 <a:schemeClr val="dk1"/>
               </a:buClr>
               <a:buSzPts val="9600"/>
-              <a:buFont typeface="Lato"/>
+              <a:buFont typeface="Lato" panose="020F0502020204030203"/>
               <a:buNone/>
               <a:defRPr sz="9600">
                 <a:solidFill>
                   <a:schemeClr val="dk1"/>
                 </a:solidFill>
-                <a:latin typeface="Lato"/>
-                <a:ea typeface="Lato"/>
-                <a:cs typeface="Lato"/>
-                <a:sym typeface="Lato"/>
+                <a:latin typeface="Lato" panose="020F0502020204030203"/>
+                <a:ea typeface="Lato" panose="020F0502020204030203"/>
+                <a:cs typeface="Lato" panose="020F0502020204030203"/>
+                <a:sym typeface="Lato" panose="020F0502020204030203"/>
               </a:defRPr>
             </a:lvl1pPr>
             <a:lvl2pPr lvl="1" algn="ctr">
@@ -2152,16 +2139,16 @@
                 <a:schemeClr val="dk1"/>
               </a:buClr>
               <a:buSzPts val="9600"/>
-              <a:buFont typeface="Lato"/>
+              <a:buFont typeface="Lato" panose="020F0502020204030203"/>
               <a:buNone/>
               <a:defRPr sz="9600">
                 <a:solidFill>
                   <a:schemeClr val="dk1"/>
                 </a:solidFill>
-                <a:latin typeface="Lato"/>
-                <a:ea typeface="Lato"/>
-                <a:cs typeface="Lato"/>
-                <a:sym typeface="Lato"/>
+                <a:latin typeface="Lato" panose="020F0502020204030203"/>
+                <a:ea typeface="Lato" panose="020F0502020204030203"/>
+                <a:cs typeface="Lato" panose="020F0502020204030203"/>
+                <a:sym typeface="Lato" panose="020F0502020204030203"/>
               </a:defRPr>
             </a:lvl2pPr>
             <a:lvl3pPr lvl="2" algn="ctr">
@@ -2175,16 +2162,16 @@
                 <a:schemeClr val="dk1"/>
               </a:buClr>
               <a:buSzPts val="9600"/>
-              <a:buFont typeface="Lato"/>
+              <a:buFont typeface="Lato" panose="020F0502020204030203"/>
               <a:buNone/>
               <a:defRPr sz="9600">
                 <a:solidFill>
                   <a:schemeClr val="dk1"/>
                 </a:solidFill>
-                <a:latin typeface="Lato"/>
-                <a:ea typeface="Lato"/>
-                <a:cs typeface="Lato"/>
-                <a:sym typeface="Lato"/>
+                <a:latin typeface="Lato" panose="020F0502020204030203"/>
+                <a:ea typeface="Lato" panose="020F0502020204030203"/>
+                <a:cs typeface="Lato" panose="020F0502020204030203"/>
+                <a:sym typeface="Lato" panose="020F0502020204030203"/>
               </a:defRPr>
             </a:lvl3pPr>
             <a:lvl4pPr lvl="3" algn="ctr">
@@ -2198,16 +2185,16 @@
                 <a:schemeClr val="dk1"/>
               </a:buClr>
               <a:buSzPts val="9600"/>
-              <a:buFont typeface="Lato"/>
+              <a:buFont typeface="Lato" panose="020F0502020204030203"/>
               <a:buNone/>
               <a:defRPr sz="9600">
                 <a:solidFill>
                   <a:schemeClr val="dk1"/>
                 </a:solidFill>
-                <a:latin typeface="Lato"/>
-                <a:ea typeface="Lato"/>
-                <a:cs typeface="Lato"/>
-                <a:sym typeface="Lato"/>
+                <a:latin typeface="Lato" panose="020F0502020204030203"/>
+                <a:ea typeface="Lato" panose="020F0502020204030203"/>
+                <a:cs typeface="Lato" panose="020F0502020204030203"/>
+                <a:sym typeface="Lato" panose="020F0502020204030203"/>
               </a:defRPr>
             </a:lvl4pPr>
             <a:lvl5pPr lvl="4" algn="ctr">
@@ -2221,16 +2208,16 @@
                 <a:schemeClr val="dk1"/>
               </a:buClr>
               <a:buSzPts val="9600"/>
-              <a:buFont typeface="Lato"/>
+              <a:buFont typeface="Lato" panose="020F0502020204030203"/>
               <a:buNone/>
               <a:defRPr sz="9600">
                 <a:solidFill>
                   <a:schemeClr val="dk1"/>
                 </a:solidFill>
-                <a:latin typeface="Lato"/>
-                <a:ea typeface="Lato"/>
-                <a:cs typeface="Lato"/>
-                <a:sym typeface="Lato"/>
+                <a:latin typeface="Lato" panose="020F0502020204030203"/>
+                <a:ea typeface="Lato" panose="020F0502020204030203"/>
+                <a:cs typeface="Lato" panose="020F0502020204030203"/>
+                <a:sym typeface="Lato" panose="020F0502020204030203"/>
               </a:defRPr>
             </a:lvl5pPr>
             <a:lvl6pPr lvl="5" algn="ctr">
@@ -2244,16 +2231,16 @@
                 <a:schemeClr val="dk1"/>
               </a:buClr>
               <a:buSzPts val="9600"/>
-              <a:buFont typeface="Lato"/>
+              <a:buFont typeface="Lato" panose="020F0502020204030203"/>
               <a:buNone/>
               <a:defRPr sz="9600">
                 <a:solidFill>
                   <a:schemeClr val="dk1"/>
                 </a:solidFill>
-                <a:latin typeface="Lato"/>
-                <a:ea typeface="Lato"/>
-                <a:cs typeface="Lato"/>
-                <a:sym typeface="Lato"/>
+                <a:latin typeface="Lato" panose="020F0502020204030203"/>
+                <a:ea typeface="Lato" panose="020F0502020204030203"/>
+                <a:cs typeface="Lato" panose="020F0502020204030203"/>
+                <a:sym typeface="Lato" panose="020F0502020204030203"/>
               </a:defRPr>
             </a:lvl6pPr>
             <a:lvl7pPr lvl="6" algn="ctr">
@@ -2267,16 +2254,16 @@
                 <a:schemeClr val="dk1"/>
               </a:buClr>
               <a:buSzPts val="9600"/>
-              <a:buFont typeface="Lato"/>
+              <a:buFont typeface="Lato" panose="020F0502020204030203"/>
               <a:buNone/>
               <a:defRPr sz="9600">
                 <a:solidFill>
                   <a:schemeClr val="dk1"/>
                 </a:solidFill>
-                <a:latin typeface="Lato"/>
-                <a:ea typeface="Lato"/>
-                <a:cs typeface="Lato"/>
-                <a:sym typeface="Lato"/>
+                <a:latin typeface="Lato" panose="020F0502020204030203"/>
+                <a:ea typeface="Lato" panose="020F0502020204030203"/>
+                <a:cs typeface="Lato" panose="020F0502020204030203"/>
+                <a:sym typeface="Lato" panose="020F0502020204030203"/>
               </a:defRPr>
             </a:lvl7pPr>
             <a:lvl8pPr lvl="7" algn="ctr">
@@ -2290,16 +2277,16 @@
                 <a:schemeClr val="dk1"/>
               </a:buClr>
               <a:buSzPts val="9600"/>
-              <a:buFont typeface="Lato"/>
+              <a:buFont typeface="Lato" panose="020F0502020204030203"/>
               <a:buNone/>
               <a:defRPr sz="9600">
                 <a:solidFill>
                   <a:schemeClr val="dk1"/>
                 </a:solidFill>
-                <a:latin typeface="Lato"/>
-                <a:ea typeface="Lato"/>
-                <a:cs typeface="Lato"/>
-                <a:sym typeface="Lato"/>
+                <a:latin typeface="Lato" panose="020F0502020204030203"/>
+                <a:ea typeface="Lato" panose="020F0502020204030203"/>
+                <a:cs typeface="Lato" panose="020F0502020204030203"/>
+                <a:sym typeface="Lato" panose="020F0502020204030203"/>
               </a:defRPr>
             </a:lvl8pPr>
             <a:lvl9pPr lvl="8" algn="ctr">
@@ -2313,16 +2300,16 @@
                 <a:schemeClr val="dk1"/>
               </a:buClr>
               <a:buSzPts val="9600"/>
-              <a:buFont typeface="Lato"/>
+              <a:buFont typeface="Lato" panose="020F0502020204030203"/>
               <a:buNone/>
               <a:defRPr sz="9600">
                 <a:solidFill>
                   <a:schemeClr val="dk1"/>
                 </a:solidFill>
-                <a:latin typeface="Lato"/>
-                <a:ea typeface="Lato"/>
-                <a:cs typeface="Lato"/>
-                <a:sym typeface="Lato"/>
+                <a:latin typeface="Lato" panose="020F0502020204030203"/>
+                <a:ea typeface="Lato" panose="020F0502020204030203"/>
+                <a:cs typeface="Lato" panose="020F0502020204030203"/>
+                <a:sym typeface="Lato" panose="020F0502020204030203"/>
               </a:defRPr>
             </a:lvl9pPr>
           </a:lstStyle>
@@ -2338,7 +2325,7 @@
           <p:cNvPr id="64" name="Google Shape;64;p11"/>
           <p:cNvSpPr txBox="1"/>
           <p:nvPr>
-            <p:ph idx="1" type="body"/>
+            <p:ph type="body" idx="1"/>
           </p:nvPr>
         </p:nvSpPr>
         <p:spPr>
@@ -2351,11 +2338,11 @@
           </a:prstGeom>
         </p:spPr>
         <p:txBody>
-          <a:bodyPr anchorCtr="0" anchor="t" bIns="91425" lIns="91425" spcFirstLastPara="1" rIns="91425" wrap="square" tIns="91425">
+          <a:bodyPr spcFirstLastPara="1" wrap="square" lIns="91425" tIns="91425" rIns="91425" bIns="91425" anchor="t" anchorCtr="0">
             <a:normAutofit/>
           </a:bodyPr>
           <a:lstStyle>
-            <a:lvl1pPr indent="-342900" lvl="0" marL="457200" algn="ctr">
+            <a:lvl1pPr marL="457200" lvl="0" indent="-342900" algn="ctr">
               <a:spcBef>
                 <a:spcPts val="0"/>
               </a:spcBef>
@@ -2366,7 +2353,7 @@
               <a:buChar char="●"/>
               <a:defRPr/>
             </a:lvl1pPr>
-            <a:lvl2pPr indent="-317500" lvl="1" marL="914400" algn="ctr">
+            <a:lvl2pPr marL="914400" lvl="1" indent="-317500" algn="ctr">
               <a:spcBef>
                 <a:spcPts val="0"/>
               </a:spcBef>
@@ -2377,7 +2364,7 @@
               <a:buChar char="○"/>
               <a:defRPr/>
             </a:lvl2pPr>
-            <a:lvl3pPr indent="-317500" lvl="2" marL="1371600" algn="ctr">
+            <a:lvl3pPr marL="1371600" lvl="2" indent="-317500" algn="ctr">
               <a:spcBef>
                 <a:spcPts val="0"/>
               </a:spcBef>
@@ -2388,7 +2375,7 @@
               <a:buChar char="■"/>
               <a:defRPr/>
             </a:lvl3pPr>
-            <a:lvl4pPr indent="-317500" lvl="3" marL="1828800" algn="ctr">
+            <a:lvl4pPr marL="1828800" lvl="3" indent="-317500" algn="ctr">
               <a:spcBef>
                 <a:spcPts val="0"/>
               </a:spcBef>
@@ -2399,7 +2386,7 @@
               <a:buChar char="●"/>
               <a:defRPr/>
             </a:lvl4pPr>
-            <a:lvl5pPr indent="-317500" lvl="4" marL="2286000" algn="ctr">
+            <a:lvl5pPr marL="2286000" lvl="4" indent="-317500" algn="ctr">
               <a:spcBef>
                 <a:spcPts val="0"/>
               </a:spcBef>
@@ -2410,7 +2397,7 @@
               <a:buChar char="○"/>
               <a:defRPr/>
             </a:lvl5pPr>
-            <a:lvl6pPr indent="-317500" lvl="5" marL="2743200" algn="ctr">
+            <a:lvl6pPr marL="2743200" lvl="5" indent="-317500" algn="ctr">
               <a:spcBef>
                 <a:spcPts val="0"/>
               </a:spcBef>
@@ -2421,7 +2408,7 @@
               <a:buChar char="■"/>
               <a:defRPr/>
             </a:lvl6pPr>
-            <a:lvl7pPr indent="-317500" lvl="6" marL="3200400" algn="ctr">
+            <a:lvl7pPr marL="3200400" lvl="6" indent="-317500" algn="ctr">
               <a:spcBef>
                 <a:spcPts val="0"/>
               </a:spcBef>
@@ -2432,7 +2419,7 @@
               <a:buChar char="●"/>
               <a:defRPr/>
             </a:lvl7pPr>
-            <a:lvl8pPr indent="-317500" lvl="7" marL="3657600" algn="ctr">
+            <a:lvl8pPr marL="3657600" lvl="7" indent="-317500" algn="ctr">
               <a:spcBef>
                 <a:spcPts val="0"/>
               </a:spcBef>
@@ -2443,7 +2430,7 @@
               <a:buChar char="○"/>
               <a:defRPr/>
             </a:lvl8pPr>
-            <a:lvl9pPr indent="-317500" lvl="8" marL="4114800" algn="ctr">
+            <a:lvl9pPr marL="4114800" lvl="8" indent="-317500" algn="ctr">
               <a:spcBef>
                 <a:spcPts val="0"/>
               </a:spcBef>
@@ -2463,7 +2450,7 @@
           <p:cNvPr id="65" name="Google Shape;65;p11"/>
           <p:cNvSpPr txBox="1"/>
           <p:nvPr>
-            <p:ph idx="12" type="sldNum"/>
+            <p:ph type="sldNum" idx="12"/>
           </p:nvPr>
         </p:nvSpPr>
         <p:spPr>
@@ -2476,7 +2463,7 @@
           </a:prstGeom>
         </p:spPr>
         <p:txBody>
-          <a:bodyPr anchorCtr="0" anchor="ctr" bIns="91425" lIns="91425" spcFirstLastPara="1" rIns="91425" wrap="square" tIns="91425">
+          <a:bodyPr spcFirstLastPara="1" wrap="square" lIns="91425" tIns="91425" rIns="91425" bIns="91425" anchor="ctr" anchorCtr="0">
             <a:normAutofit/>
           </a:bodyPr>
           <a:lstStyle>
@@ -2518,7 +2505,7 @@
             </a:lvl9pPr>
           </a:lstStyle>
           <a:p>
-            <a:pPr indent="0" lvl="0" marL="0" rtl="0" algn="r">
+            <a:pPr marL="0" lvl="0" indent="0" algn="r" rtl="0">
               <a:spcBef>
                 <a:spcPts val="0"/>
               </a:spcBef>
@@ -2528,10 +2515,9 @@
               <a:buNone/>
             </a:pPr>
             <a:fld id="{00000000-1234-1234-1234-123412341234}" type="slidenum">
-              <a:rPr lang="en"/>
-              <a:t>‹#›</a:t>
+              <a:rPr lang="en-GB"/>
             </a:fld>
-            <a:endParaRPr/>
+            <a:endParaRPr lang="en-GB"/>
           </a:p>
         </p:txBody>
       </p:sp>
@@ -2544,7 +2530,7 @@
 </file>
 
 <file path=ppt/slideLayouts/slideLayout11.xml><?xml version="1.0" encoding="utf-8"?>
-<p:sldLayout xmlns:a="http://schemas.openxmlformats.org/drawingml/2006/main" xmlns:r="http://schemas.openxmlformats.org/officeDocument/2006/relationships" xmlns:mc="http://schemas.openxmlformats.org/markup-compatibility/2006" xmlns:mv="urn:schemas-microsoft-com:mac:vml" xmlns:p="http://schemas.openxmlformats.org/presentationml/2006/main" xmlns:c="http://schemas.openxmlformats.org/drawingml/2006/chart" xmlns:dgm="http://schemas.openxmlformats.org/drawingml/2006/diagram" xmlns:o="urn:schemas-microsoft-com:office:office" xmlns:v="urn:schemas-microsoft-com:vml" xmlns:pvml="urn:schemas-microsoft-com:office:powerpoint" xmlns:com="http://schemas.openxmlformats.org/drawingml/2006/compatibility" xmlns:p14="http://schemas.microsoft.com/office/powerpoint/2010/main" xmlns:p15="http://schemas.microsoft.com/office/powerpoint/2012/main" xmlns:ahyp="http://schemas.microsoft.com/office/drawing/2018/hyperlinkcolor" matchingName="Blank" type="blank">
+<p:sldLayout xmlns:a="http://schemas.openxmlformats.org/drawingml/2006/main" xmlns:r="http://schemas.openxmlformats.org/officeDocument/2006/relationships" xmlns:p="http://schemas.openxmlformats.org/presentationml/2006/main" type="blank" matchingName="Blank">
   <p:cSld name="BLANK">
     <p:spTree>
       <p:nvGrpSpPr>
@@ -2565,7 +2551,7 @@
           <p:cNvPr id="67" name="Google Shape;67;p12"/>
           <p:cNvSpPr txBox="1"/>
           <p:nvPr>
-            <p:ph idx="12" type="sldNum"/>
+            <p:ph type="sldNum" idx="12"/>
           </p:nvPr>
         </p:nvSpPr>
         <p:spPr>
@@ -2578,7 +2564,7 @@
           </a:prstGeom>
         </p:spPr>
         <p:txBody>
-          <a:bodyPr anchorCtr="0" anchor="ctr" bIns="91425" lIns="91425" spcFirstLastPara="1" rIns="91425" wrap="square" tIns="91425">
+          <a:bodyPr spcFirstLastPara="1" wrap="square" lIns="91425" tIns="91425" rIns="91425" bIns="91425" anchor="ctr" anchorCtr="0">
             <a:normAutofit/>
           </a:bodyPr>
           <a:lstStyle>
@@ -2620,7 +2606,7 @@
             </a:lvl9pPr>
           </a:lstStyle>
           <a:p>
-            <a:pPr indent="0" lvl="0" marL="0" rtl="0" algn="r">
+            <a:pPr marL="0" lvl="0" indent="0" algn="r" rtl="0">
               <a:spcBef>
                 <a:spcPts val="0"/>
               </a:spcBef>
@@ -2630,10 +2616,9 @@
               <a:buNone/>
             </a:pPr>
             <a:fld id="{00000000-1234-1234-1234-123412341234}" type="slidenum">
-              <a:rPr lang="en"/>
-              <a:t>‹#›</a:t>
+              <a:rPr lang="en-GB"/>
             </a:fld>
-            <a:endParaRPr/>
+            <a:endParaRPr lang="en-GB"/>
           </a:p>
         </p:txBody>
       </p:sp>
@@ -2646,13 +2631,14 @@
 </file>
 
 <file path=ppt/slideLayouts/slideLayout2.xml><?xml version="1.0" encoding="utf-8"?>
-<p:sldLayout xmlns:a="http://schemas.openxmlformats.org/drawingml/2006/main" xmlns:r="http://schemas.openxmlformats.org/officeDocument/2006/relationships" xmlns:mc="http://schemas.openxmlformats.org/markup-compatibility/2006" xmlns:mv="urn:schemas-microsoft-com:mac:vml" xmlns:p="http://schemas.openxmlformats.org/presentationml/2006/main" xmlns:c="http://schemas.openxmlformats.org/drawingml/2006/chart" xmlns:dgm="http://schemas.openxmlformats.org/drawingml/2006/diagram" xmlns:o="urn:schemas-microsoft-com:office:office" xmlns:v="urn:schemas-microsoft-com:vml" xmlns:pvml="urn:schemas-microsoft-com:office:powerpoint" xmlns:com="http://schemas.openxmlformats.org/drawingml/2006/compatibility" xmlns:p14="http://schemas.microsoft.com/office/powerpoint/2010/main" xmlns:p15="http://schemas.microsoft.com/office/powerpoint/2012/main" xmlns:ahyp="http://schemas.microsoft.com/office/drawing/2018/hyperlinkcolor" matchingName="Section header" type="secHead">
+<p:sldLayout xmlns:a="http://schemas.openxmlformats.org/drawingml/2006/main" xmlns:r="http://schemas.openxmlformats.org/officeDocument/2006/relationships" xmlns:p="http://schemas.openxmlformats.org/presentationml/2006/main" type="secHead" matchingName="Section header">
   <p:cSld name="SECTION_HEADER">
     <p:bg>
       <p:bgPr>
         <a:solidFill>
           <a:schemeClr val="dk1"/>
         </a:solidFill>
+        <a:effectLst/>
       </p:bgPr>
     </p:bg>
     <p:spTree>
@@ -2684,14 +2670,14 @@
             <a:avLst/>
           </a:prstGeom>
           <a:noFill/>
-          <a:ln cap="flat" cmpd="sng" w="38100">
+          <a:ln w="38100" cap="flat" cmpd="sng">
             <a:solidFill>
               <a:schemeClr val="lt1"/>
             </a:solidFill>
             <a:prstDash val="solid"/>
             <a:round/>
-            <a:headEnd len="sm" w="sm" type="none"/>
-            <a:tailEnd len="sm" w="sm" type="none"/>
+            <a:headEnd type="none" w="sm" len="sm"/>
+            <a:tailEnd type="none" w="sm" len="sm"/>
           </a:ln>
         </p:spPr>
       </p:cxnSp>
@@ -2710,14 +2696,14 @@
             <a:avLst/>
           </a:prstGeom>
           <a:noFill/>
-          <a:ln cap="flat" cmpd="sng" w="19050">
+          <a:ln w="19050" cap="flat" cmpd="sng">
             <a:solidFill>
               <a:schemeClr val="lt1"/>
             </a:solidFill>
             <a:prstDash val="solid"/>
             <a:round/>
-            <a:headEnd len="sm" w="sm" type="none"/>
-            <a:tailEnd len="sm" w="sm" type="none"/>
+            <a:headEnd type="none" w="sm" len="sm"/>
+            <a:tailEnd type="none" w="sm" len="sm"/>
           </a:ln>
         </p:spPr>
       </p:cxnSp>
@@ -2739,7 +2725,7 @@
           </a:prstGeom>
         </p:spPr>
         <p:txBody>
-          <a:bodyPr anchorCtr="0" anchor="ctr" bIns="91425" lIns="91425" spcFirstLastPara="1" rIns="91425" wrap="square" tIns="91425">
+          <a:bodyPr spcFirstLastPara="1" wrap="square" lIns="91425" tIns="91425" rIns="91425" bIns="91425" anchor="ctr" anchorCtr="0">
             <a:normAutofit/>
           </a:bodyPr>
           <a:lstStyle>
@@ -2914,7 +2900,7 @@
           <p:cNvPr id="20" name="Google Shape;20;p3"/>
           <p:cNvSpPr txBox="1"/>
           <p:nvPr>
-            <p:ph idx="12" type="sldNum"/>
+            <p:ph type="sldNum" idx="12"/>
           </p:nvPr>
         </p:nvSpPr>
         <p:spPr>
@@ -2927,7 +2913,7 @@
           </a:prstGeom>
         </p:spPr>
         <p:txBody>
-          <a:bodyPr anchorCtr="0" anchor="ctr" bIns="91425" lIns="91425" spcFirstLastPara="1" rIns="91425" wrap="square" tIns="91425">
+          <a:bodyPr spcFirstLastPara="1" wrap="square" lIns="91425" tIns="91425" rIns="91425" bIns="91425" anchor="ctr" anchorCtr="0">
             <a:normAutofit/>
           </a:bodyPr>
           <a:lstStyle>
@@ -3005,7 +2991,7 @@
             </a:lvl9pPr>
           </a:lstStyle>
           <a:p>
-            <a:pPr indent="0" lvl="0" marL="0" rtl="0" algn="r">
+            <a:pPr marL="0" lvl="0" indent="0" algn="r" rtl="0">
               <a:spcBef>
                 <a:spcPts val="0"/>
               </a:spcBef>
@@ -3015,10 +3001,9 @@
               <a:buNone/>
             </a:pPr>
             <a:fld id="{00000000-1234-1234-1234-123412341234}" type="slidenum">
-              <a:rPr lang="en"/>
-              <a:t>‹#›</a:t>
+              <a:rPr lang="en-GB"/>
             </a:fld>
-            <a:endParaRPr/>
+            <a:endParaRPr lang="en-GB"/>
           </a:p>
         </p:txBody>
       </p:sp>
@@ -3031,7 +3016,7 @@
 </file>
 
 <file path=ppt/slideLayouts/slideLayout3.xml><?xml version="1.0" encoding="utf-8"?>
-<p:sldLayout xmlns:a="http://schemas.openxmlformats.org/drawingml/2006/main" xmlns:r="http://schemas.openxmlformats.org/officeDocument/2006/relationships" xmlns:mc="http://schemas.openxmlformats.org/markup-compatibility/2006" xmlns:mv="urn:schemas-microsoft-com:mac:vml" xmlns:p="http://schemas.openxmlformats.org/presentationml/2006/main" xmlns:c="http://schemas.openxmlformats.org/drawingml/2006/chart" xmlns:dgm="http://schemas.openxmlformats.org/drawingml/2006/diagram" xmlns:o="urn:schemas-microsoft-com:office:office" xmlns:v="urn:schemas-microsoft-com:vml" xmlns:pvml="urn:schemas-microsoft-com:office:powerpoint" xmlns:com="http://schemas.openxmlformats.org/drawingml/2006/compatibility" xmlns:p14="http://schemas.microsoft.com/office/powerpoint/2010/main" xmlns:p15="http://schemas.microsoft.com/office/powerpoint/2012/main" xmlns:ahyp="http://schemas.microsoft.com/office/drawing/2018/hyperlinkcolor" matchingName="Title and body" type="tx">
+<p:sldLayout xmlns:a="http://schemas.openxmlformats.org/drawingml/2006/main" xmlns:r="http://schemas.openxmlformats.org/officeDocument/2006/relationships" xmlns:p="http://schemas.openxmlformats.org/presentationml/2006/main" type="tx" matchingName="Title and body">
   <p:cSld name="TITLE_AND_BODY">
     <p:spTree>
       <p:nvGrpSpPr>
@@ -3062,14 +3047,14 @@
             <a:avLst/>
           </a:prstGeom>
           <a:noFill/>
-          <a:ln cap="flat" cmpd="sng" w="38100">
+          <a:ln w="38100" cap="flat" cmpd="sng">
             <a:solidFill>
               <a:schemeClr val="dk2"/>
             </a:solidFill>
             <a:prstDash val="solid"/>
             <a:round/>
-            <a:headEnd len="sm" w="sm" type="none"/>
-            <a:tailEnd len="sm" w="sm" type="none"/>
+            <a:headEnd type="none" w="sm" len="sm"/>
+            <a:tailEnd type="none" w="sm" len="sm"/>
           </a:ln>
         </p:spPr>
       </p:cxnSp>
@@ -3088,14 +3073,14 @@
             <a:avLst/>
           </a:prstGeom>
           <a:noFill/>
-          <a:ln cap="flat" cmpd="sng" w="19050">
+          <a:ln w="19050" cap="flat" cmpd="sng">
             <a:solidFill>
               <a:schemeClr val="dk2"/>
             </a:solidFill>
             <a:prstDash val="solid"/>
             <a:round/>
-            <a:headEnd len="sm" w="sm" type="none"/>
-            <a:tailEnd len="sm" w="sm" type="none"/>
+            <a:headEnd type="none" w="sm" len="sm"/>
+            <a:tailEnd type="none" w="sm" len="sm"/>
           </a:ln>
         </p:spPr>
       </p:cxnSp>
@@ -3114,14 +3099,14 @@
             <a:avLst/>
           </a:prstGeom>
           <a:noFill/>
-          <a:ln cap="flat" cmpd="sng" w="19050">
+          <a:ln w="19050" cap="flat" cmpd="sng">
             <a:solidFill>
               <a:schemeClr val="dk2"/>
             </a:solidFill>
             <a:prstDash val="solid"/>
             <a:round/>
-            <a:headEnd len="sm" w="sm" type="none"/>
-            <a:tailEnd len="sm" w="sm" type="none"/>
+            <a:headEnd type="none" w="sm" len="sm"/>
+            <a:tailEnd type="none" w="sm" len="sm"/>
           </a:ln>
         </p:spPr>
       </p:cxnSp>
@@ -3143,7 +3128,7 @@
           </a:prstGeom>
         </p:spPr>
         <p:txBody>
-          <a:bodyPr anchorCtr="0" anchor="t" bIns="91425" lIns="91425" spcFirstLastPara="1" rIns="91425" wrap="square" tIns="91425">
+          <a:bodyPr spcFirstLastPara="1" wrap="square" lIns="91425" tIns="91425" rIns="91425" bIns="91425" anchor="t" anchorCtr="0">
             <a:normAutofit/>
           </a:bodyPr>
           <a:lstStyle>
@@ -3255,7 +3240,7 @@
           <p:cNvPr id="26" name="Google Shape;26;p4"/>
           <p:cNvSpPr txBox="1"/>
           <p:nvPr>
-            <p:ph idx="1" type="body"/>
+            <p:ph type="body" idx="1"/>
           </p:nvPr>
         </p:nvSpPr>
         <p:spPr>
@@ -3268,11 +3253,11 @@
           </a:prstGeom>
         </p:spPr>
         <p:txBody>
-          <a:bodyPr anchorCtr="0" anchor="t" bIns="91425" lIns="91425" spcFirstLastPara="1" rIns="91425" wrap="square" tIns="91425">
+          <a:bodyPr spcFirstLastPara="1" wrap="square" lIns="91425" tIns="91425" rIns="91425" bIns="91425" anchor="t" anchorCtr="0">
             <a:normAutofit/>
           </a:bodyPr>
           <a:lstStyle>
-            <a:lvl1pPr indent="-342900" lvl="0" marL="457200">
+            <a:lvl1pPr marL="457200" lvl="0" indent="-342900">
               <a:spcBef>
                 <a:spcPts val="0"/>
               </a:spcBef>
@@ -3283,7 +3268,7 @@
               <a:buChar char="●"/>
               <a:defRPr/>
             </a:lvl1pPr>
-            <a:lvl2pPr indent="-317500" lvl="1" marL="914400">
+            <a:lvl2pPr marL="914400" lvl="1" indent="-317500">
               <a:spcBef>
                 <a:spcPts val="0"/>
               </a:spcBef>
@@ -3294,7 +3279,7 @@
               <a:buChar char="○"/>
               <a:defRPr/>
             </a:lvl2pPr>
-            <a:lvl3pPr indent="-317500" lvl="2" marL="1371600">
+            <a:lvl3pPr marL="1371600" lvl="2" indent="-317500">
               <a:spcBef>
                 <a:spcPts val="0"/>
               </a:spcBef>
@@ -3305,7 +3290,7 @@
               <a:buChar char="■"/>
               <a:defRPr/>
             </a:lvl3pPr>
-            <a:lvl4pPr indent="-317500" lvl="3" marL="1828800">
+            <a:lvl4pPr marL="1828800" lvl="3" indent="-317500">
               <a:spcBef>
                 <a:spcPts val="0"/>
               </a:spcBef>
@@ -3316,7 +3301,7 @@
               <a:buChar char="●"/>
               <a:defRPr/>
             </a:lvl4pPr>
-            <a:lvl5pPr indent="-317500" lvl="4" marL="2286000">
+            <a:lvl5pPr marL="2286000" lvl="4" indent="-317500">
               <a:spcBef>
                 <a:spcPts val="0"/>
               </a:spcBef>
@@ -3327,7 +3312,7 @@
               <a:buChar char="○"/>
               <a:defRPr/>
             </a:lvl5pPr>
-            <a:lvl6pPr indent="-317500" lvl="5" marL="2743200">
+            <a:lvl6pPr marL="2743200" lvl="5" indent="-317500">
               <a:spcBef>
                 <a:spcPts val="0"/>
               </a:spcBef>
@@ -3338,7 +3323,7 @@
               <a:buChar char="■"/>
               <a:defRPr/>
             </a:lvl6pPr>
-            <a:lvl7pPr indent="-317500" lvl="6" marL="3200400">
+            <a:lvl7pPr marL="3200400" lvl="6" indent="-317500">
               <a:spcBef>
                 <a:spcPts val="0"/>
               </a:spcBef>
@@ -3349,7 +3334,7 @@
               <a:buChar char="●"/>
               <a:defRPr/>
             </a:lvl7pPr>
-            <a:lvl8pPr indent="-317500" lvl="7" marL="3657600">
+            <a:lvl8pPr marL="3657600" lvl="7" indent="-317500">
               <a:spcBef>
                 <a:spcPts val="0"/>
               </a:spcBef>
@@ -3360,7 +3345,7 @@
               <a:buChar char="○"/>
               <a:defRPr/>
             </a:lvl8pPr>
-            <a:lvl9pPr indent="-317500" lvl="8" marL="4114800">
+            <a:lvl9pPr marL="4114800" lvl="8" indent="-317500">
               <a:spcBef>
                 <a:spcPts val="0"/>
               </a:spcBef>
@@ -3380,7 +3365,7 @@
           <p:cNvPr id="27" name="Google Shape;27;p4"/>
           <p:cNvSpPr txBox="1"/>
           <p:nvPr>
-            <p:ph idx="12" type="sldNum"/>
+            <p:ph type="sldNum" idx="12"/>
           </p:nvPr>
         </p:nvSpPr>
         <p:spPr>
@@ -3393,7 +3378,7 @@
           </a:prstGeom>
         </p:spPr>
         <p:txBody>
-          <a:bodyPr anchorCtr="0" anchor="ctr" bIns="91425" lIns="91425" spcFirstLastPara="1" rIns="91425" wrap="square" tIns="91425">
+          <a:bodyPr spcFirstLastPara="1" wrap="square" lIns="91425" tIns="91425" rIns="91425" bIns="91425" anchor="ctr" anchorCtr="0">
             <a:normAutofit/>
           </a:bodyPr>
           <a:lstStyle>
@@ -3435,7 +3420,7 @@
             </a:lvl9pPr>
           </a:lstStyle>
           <a:p>
-            <a:pPr indent="0" lvl="0" marL="0" rtl="0" algn="r">
+            <a:pPr marL="0" lvl="0" indent="0" algn="r" rtl="0">
               <a:spcBef>
                 <a:spcPts val="0"/>
               </a:spcBef>
@@ -3445,10 +3430,9 @@
               <a:buNone/>
             </a:pPr>
             <a:fld id="{00000000-1234-1234-1234-123412341234}" type="slidenum">
-              <a:rPr lang="en"/>
-              <a:t>‹#›</a:t>
+              <a:rPr lang="en-GB"/>
             </a:fld>
-            <a:endParaRPr/>
+            <a:endParaRPr lang="en-GB"/>
           </a:p>
         </p:txBody>
       </p:sp>
@@ -3461,7 +3445,7 @@
 </file>
 
 <file path=ppt/slideLayouts/slideLayout4.xml><?xml version="1.0" encoding="utf-8"?>
-<p:sldLayout xmlns:a="http://schemas.openxmlformats.org/drawingml/2006/main" xmlns:r="http://schemas.openxmlformats.org/officeDocument/2006/relationships" xmlns:mc="http://schemas.openxmlformats.org/markup-compatibility/2006" xmlns:mv="urn:schemas-microsoft-com:mac:vml" xmlns:p="http://schemas.openxmlformats.org/presentationml/2006/main" xmlns:c="http://schemas.openxmlformats.org/drawingml/2006/chart" xmlns:dgm="http://schemas.openxmlformats.org/drawingml/2006/diagram" xmlns:o="urn:schemas-microsoft-com:office:office" xmlns:v="urn:schemas-microsoft-com:vml" xmlns:pvml="urn:schemas-microsoft-com:office:powerpoint" xmlns:com="http://schemas.openxmlformats.org/drawingml/2006/compatibility" xmlns:p14="http://schemas.microsoft.com/office/powerpoint/2010/main" xmlns:p15="http://schemas.microsoft.com/office/powerpoint/2012/main" xmlns:ahyp="http://schemas.microsoft.com/office/drawing/2018/hyperlinkcolor" matchingName="Title and two columns" type="twoColTx">
+<p:sldLayout xmlns:a="http://schemas.openxmlformats.org/drawingml/2006/main" xmlns:r="http://schemas.openxmlformats.org/officeDocument/2006/relationships" xmlns:p="http://schemas.openxmlformats.org/presentationml/2006/main" type="twoColTx" matchingName="Title and two columns">
   <p:cSld name="TITLE_AND_TWO_COLUMNS">
     <p:spTree>
       <p:nvGrpSpPr>
@@ -3492,14 +3476,14 @@
             <a:avLst/>
           </a:prstGeom>
           <a:noFill/>
-          <a:ln cap="flat" cmpd="sng" w="38100">
+          <a:ln w="38100" cap="flat" cmpd="sng">
             <a:solidFill>
               <a:schemeClr val="dk2"/>
             </a:solidFill>
             <a:prstDash val="solid"/>
             <a:round/>
-            <a:headEnd len="sm" w="sm" type="none"/>
-            <a:tailEnd len="sm" w="sm" type="none"/>
+            <a:headEnd type="none" w="sm" len="sm"/>
+            <a:tailEnd type="none" w="sm" len="sm"/>
           </a:ln>
         </p:spPr>
       </p:cxnSp>
@@ -3518,14 +3502,14 @@
             <a:avLst/>
           </a:prstGeom>
           <a:noFill/>
-          <a:ln cap="flat" cmpd="sng" w="19050">
+          <a:ln w="19050" cap="flat" cmpd="sng">
             <a:solidFill>
               <a:schemeClr val="dk2"/>
             </a:solidFill>
             <a:prstDash val="solid"/>
             <a:round/>
-            <a:headEnd len="sm" w="sm" type="none"/>
-            <a:tailEnd len="sm" w="sm" type="none"/>
+            <a:headEnd type="none" w="sm" len="sm"/>
+            <a:tailEnd type="none" w="sm" len="sm"/>
           </a:ln>
         </p:spPr>
       </p:cxnSp>
@@ -3544,14 +3528,14 @@
             <a:avLst/>
           </a:prstGeom>
           <a:noFill/>
-          <a:ln cap="flat" cmpd="sng" w="19050">
+          <a:ln w="19050" cap="flat" cmpd="sng">
             <a:solidFill>
               <a:schemeClr val="dk2"/>
             </a:solidFill>
             <a:prstDash val="solid"/>
             <a:round/>
-            <a:headEnd len="sm" w="sm" type="none"/>
-            <a:tailEnd len="sm" w="sm" type="none"/>
+            <a:headEnd type="none" w="sm" len="sm"/>
+            <a:tailEnd type="none" w="sm" len="sm"/>
           </a:ln>
         </p:spPr>
       </p:cxnSp>
@@ -3573,7 +3557,7 @@
           </a:prstGeom>
         </p:spPr>
         <p:txBody>
-          <a:bodyPr anchorCtr="0" anchor="t" bIns="91425" lIns="91425" spcFirstLastPara="1" rIns="91425" wrap="square" tIns="91425">
+          <a:bodyPr spcFirstLastPara="1" wrap="square" lIns="91425" tIns="91425" rIns="91425" bIns="91425" anchor="t" anchorCtr="0">
             <a:normAutofit/>
           </a:bodyPr>
           <a:lstStyle>
@@ -3685,7 +3669,7 @@
           <p:cNvPr id="33" name="Google Shape;33;p5"/>
           <p:cNvSpPr txBox="1"/>
           <p:nvPr>
-            <p:ph idx="1" type="body"/>
+            <p:ph type="body" idx="1"/>
           </p:nvPr>
         </p:nvSpPr>
         <p:spPr>
@@ -3698,11 +3682,11 @@
           </a:prstGeom>
         </p:spPr>
         <p:txBody>
-          <a:bodyPr anchorCtr="0" anchor="t" bIns="91425" lIns="91425" spcFirstLastPara="1" rIns="91425" wrap="square" tIns="91425">
+          <a:bodyPr spcFirstLastPara="1" wrap="square" lIns="91425" tIns="91425" rIns="91425" bIns="91425" anchor="t" anchorCtr="0">
             <a:normAutofit/>
           </a:bodyPr>
           <a:lstStyle>
-            <a:lvl1pPr indent="-317500" lvl="0" marL="457200">
+            <a:lvl1pPr marL="457200" lvl="0" indent="-317500">
               <a:spcBef>
                 <a:spcPts val="0"/>
               </a:spcBef>
@@ -3713,7 +3697,7 @@
               <a:buChar char="●"/>
               <a:defRPr sz="1400"/>
             </a:lvl1pPr>
-            <a:lvl2pPr indent="-304800" lvl="1" marL="914400">
+            <a:lvl2pPr marL="914400" lvl="1" indent="-304800">
               <a:spcBef>
                 <a:spcPts val="0"/>
               </a:spcBef>
@@ -3724,7 +3708,7 @@
               <a:buChar char="○"/>
               <a:defRPr sz="1200"/>
             </a:lvl2pPr>
-            <a:lvl3pPr indent="-304800" lvl="2" marL="1371600">
+            <a:lvl3pPr marL="1371600" lvl="2" indent="-304800">
               <a:spcBef>
                 <a:spcPts val="0"/>
               </a:spcBef>
@@ -3735,7 +3719,7 @@
               <a:buChar char="■"/>
               <a:defRPr sz="1200"/>
             </a:lvl3pPr>
-            <a:lvl4pPr indent="-304800" lvl="3" marL="1828800">
+            <a:lvl4pPr marL="1828800" lvl="3" indent="-304800">
               <a:spcBef>
                 <a:spcPts val="0"/>
               </a:spcBef>
@@ -3746,7 +3730,7 @@
               <a:buChar char="●"/>
               <a:defRPr sz="1200"/>
             </a:lvl4pPr>
-            <a:lvl5pPr indent="-304800" lvl="4" marL="2286000">
+            <a:lvl5pPr marL="2286000" lvl="4" indent="-304800">
               <a:spcBef>
                 <a:spcPts val="0"/>
               </a:spcBef>
@@ -3757,7 +3741,7 @@
               <a:buChar char="○"/>
               <a:defRPr sz="1200"/>
             </a:lvl5pPr>
-            <a:lvl6pPr indent="-304800" lvl="5" marL="2743200">
+            <a:lvl6pPr marL="2743200" lvl="5" indent="-304800">
               <a:spcBef>
                 <a:spcPts val="0"/>
               </a:spcBef>
@@ -3768,7 +3752,7 @@
               <a:buChar char="■"/>
               <a:defRPr sz="1200"/>
             </a:lvl6pPr>
-            <a:lvl7pPr indent="-304800" lvl="6" marL="3200400">
+            <a:lvl7pPr marL="3200400" lvl="6" indent="-304800">
               <a:spcBef>
                 <a:spcPts val="0"/>
               </a:spcBef>
@@ -3779,7 +3763,7 @@
               <a:buChar char="●"/>
               <a:defRPr sz="1200"/>
             </a:lvl7pPr>
-            <a:lvl8pPr indent="-304800" lvl="7" marL="3657600">
+            <a:lvl8pPr marL="3657600" lvl="7" indent="-304800">
               <a:spcBef>
                 <a:spcPts val="0"/>
               </a:spcBef>
@@ -3790,7 +3774,7 @@
               <a:buChar char="○"/>
               <a:defRPr sz="1200"/>
             </a:lvl8pPr>
-            <a:lvl9pPr indent="-304800" lvl="8" marL="4114800">
+            <a:lvl9pPr marL="4114800" lvl="8" indent="-304800">
               <a:spcBef>
                 <a:spcPts val="0"/>
               </a:spcBef>
@@ -3810,7 +3794,7 @@
           <p:cNvPr id="34" name="Google Shape;34;p5"/>
           <p:cNvSpPr txBox="1"/>
           <p:nvPr>
-            <p:ph idx="2" type="body"/>
+            <p:ph type="body" idx="2"/>
           </p:nvPr>
         </p:nvSpPr>
         <p:spPr>
@@ -3823,11 +3807,11 @@
           </a:prstGeom>
         </p:spPr>
         <p:txBody>
-          <a:bodyPr anchorCtr="0" anchor="t" bIns="91425" lIns="91425" spcFirstLastPara="1" rIns="91425" wrap="square" tIns="91425">
+          <a:bodyPr spcFirstLastPara="1" wrap="square" lIns="91425" tIns="91425" rIns="91425" bIns="91425" anchor="t" anchorCtr="0">
             <a:normAutofit/>
           </a:bodyPr>
           <a:lstStyle>
-            <a:lvl1pPr indent="-317500" lvl="0" marL="457200">
+            <a:lvl1pPr marL="457200" lvl="0" indent="-317500">
               <a:spcBef>
                 <a:spcPts val="0"/>
               </a:spcBef>
@@ -3838,7 +3822,7 @@
               <a:buChar char="●"/>
               <a:defRPr sz="1400"/>
             </a:lvl1pPr>
-            <a:lvl2pPr indent="-304800" lvl="1" marL="914400">
+            <a:lvl2pPr marL="914400" lvl="1" indent="-304800">
               <a:spcBef>
                 <a:spcPts val="0"/>
               </a:spcBef>
@@ -3849,7 +3833,7 @@
               <a:buChar char="○"/>
               <a:defRPr sz="1200"/>
             </a:lvl2pPr>
-            <a:lvl3pPr indent="-304800" lvl="2" marL="1371600">
+            <a:lvl3pPr marL="1371600" lvl="2" indent="-304800">
               <a:spcBef>
                 <a:spcPts val="0"/>
               </a:spcBef>
@@ -3860,7 +3844,7 @@
               <a:buChar char="■"/>
               <a:defRPr sz="1200"/>
             </a:lvl3pPr>
-            <a:lvl4pPr indent="-304800" lvl="3" marL="1828800">
+            <a:lvl4pPr marL="1828800" lvl="3" indent="-304800">
               <a:spcBef>
                 <a:spcPts val="0"/>
               </a:spcBef>
@@ -3871,7 +3855,7 @@
               <a:buChar char="●"/>
               <a:defRPr sz="1200"/>
             </a:lvl4pPr>
-            <a:lvl5pPr indent="-304800" lvl="4" marL="2286000">
+            <a:lvl5pPr marL="2286000" lvl="4" indent="-304800">
               <a:spcBef>
                 <a:spcPts val="0"/>
               </a:spcBef>
@@ -3882,7 +3866,7 @@
               <a:buChar char="○"/>
               <a:defRPr sz="1200"/>
             </a:lvl5pPr>
-            <a:lvl6pPr indent="-304800" lvl="5" marL="2743200">
+            <a:lvl6pPr marL="2743200" lvl="5" indent="-304800">
               <a:spcBef>
                 <a:spcPts val="0"/>
               </a:spcBef>
@@ -3893,7 +3877,7 @@
               <a:buChar char="■"/>
               <a:defRPr sz="1200"/>
             </a:lvl6pPr>
-            <a:lvl7pPr indent="-304800" lvl="6" marL="3200400">
+            <a:lvl7pPr marL="3200400" lvl="6" indent="-304800">
               <a:spcBef>
                 <a:spcPts val="0"/>
               </a:spcBef>
@@ -3904,7 +3888,7 @@
               <a:buChar char="●"/>
               <a:defRPr sz="1200"/>
             </a:lvl7pPr>
-            <a:lvl8pPr indent="-304800" lvl="7" marL="3657600">
+            <a:lvl8pPr marL="3657600" lvl="7" indent="-304800">
               <a:spcBef>
                 <a:spcPts val="0"/>
               </a:spcBef>
@@ -3915,7 +3899,7 @@
               <a:buChar char="○"/>
               <a:defRPr sz="1200"/>
             </a:lvl8pPr>
-            <a:lvl9pPr indent="-304800" lvl="8" marL="4114800">
+            <a:lvl9pPr marL="4114800" lvl="8" indent="-304800">
               <a:spcBef>
                 <a:spcPts val="0"/>
               </a:spcBef>
@@ -3935,7 +3919,7 @@
           <p:cNvPr id="35" name="Google Shape;35;p5"/>
           <p:cNvSpPr txBox="1"/>
           <p:nvPr>
-            <p:ph idx="12" type="sldNum"/>
+            <p:ph type="sldNum" idx="12"/>
           </p:nvPr>
         </p:nvSpPr>
         <p:spPr>
@@ -3948,7 +3932,7 @@
           </a:prstGeom>
         </p:spPr>
         <p:txBody>
-          <a:bodyPr anchorCtr="0" anchor="ctr" bIns="91425" lIns="91425" spcFirstLastPara="1" rIns="91425" wrap="square" tIns="91425">
+          <a:bodyPr spcFirstLastPara="1" wrap="square" lIns="91425" tIns="91425" rIns="91425" bIns="91425" anchor="ctr" anchorCtr="0">
             <a:normAutofit/>
           </a:bodyPr>
           <a:lstStyle>
@@ -3990,7 +3974,7 @@
             </a:lvl9pPr>
           </a:lstStyle>
           <a:p>
-            <a:pPr indent="0" lvl="0" marL="0" rtl="0" algn="r">
+            <a:pPr marL="0" lvl="0" indent="0" algn="r" rtl="0">
               <a:spcBef>
                 <a:spcPts val="0"/>
               </a:spcBef>
@@ -4000,10 +3984,9 @@
               <a:buNone/>
             </a:pPr>
             <a:fld id="{00000000-1234-1234-1234-123412341234}" type="slidenum">
-              <a:rPr lang="en"/>
-              <a:t>‹#›</a:t>
+              <a:rPr lang="en-GB"/>
             </a:fld>
-            <a:endParaRPr/>
+            <a:endParaRPr lang="en-GB"/>
           </a:p>
         </p:txBody>
       </p:sp>
@@ -4016,7 +3999,7 @@
 </file>
 
 <file path=ppt/slideLayouts/slideLayout5.xml><?xml version="1.0" encoding="utf-8"?>
-<p:sldLayout xmlns:a="http://schemas.openxmlformats.org/drawingml/2006/main" xmlns:r="http://schemas.openxmlformats.org/officeDocument/2006/relationships" xmlns:mc="http://schemas.openxmlformats.org/markup-compatibility/2006" xmlns:mv="urn:schemas-microsoft-com:mac:vml" xmlns:p="http://schemas.openxmlformats.org/presentationml/2006/main" xmlns:c="http://schemas.openxmlformats.org/drawingml/2006/chart" xmlns:dgm="http://schemas.openxmlformats.org/drawingml/2006/diagram" xmlns:o="urn:schemas-microsoft-com:office:office" xmlns:v="urn:schemas-microsoft-com:vml" xmlns:pvml="urn:schemas-microsoft-com:office:powerpoint" xmlns:com="http://schemas.openxmlformats.org/drawingml/2006/compatibility" xmlns:p14="http://schemas.microsoft.com/office/powerpoint/2010/main" xmlns:p15="http://schemas.microsoft.com/office/powerpoint/2012/main" xmlns:ahyp="http://schemas.microsoft.com/office/drawing/2018/hyperlinkcolor" matchingName="Title only" type="titleOnly">
+<p:sldLayout xmlns:a="http://schemas.openxmlformats.org/drawingml/2006/main" xmlns:r="http://schemas.openxmlformats.org/officeDocument/2006/relationships" xmlns:p="http://schemas.openxmlformats.org/presentationml/2006/main" type="titleOnly" matchingName="Title only">
   <p:cSld name="TITLE_ONLY">
     <p:spTree>
       <p:nvGrpSpPr>
@@ -4050,7 +4033,7 @@
           </a:prstGeom>
         </p:spPr>
         <p:txBody>
-          <a:bodyPr anchorCtr="0" anchor="t" bIns="91425" lIns="91425" spcFirstLastPara="1" rIns="91425" wrap="square" tIns="91425">
+          <a:bodyPr spcFirstLastPara="1" wrap="square" lIns="91425" tIns="91425" rIns="91425" bIns="91425" anchor="t" anchorCtr="0">
             <a:normAutofit/>
           </a:bodyPr>
           <a:lstStyle>
@@ -4162,7 +4145,7 @@
           <p:cNvPr id="38" name="Google Shape;38;p6"/>
           <p:cNvSpPr txBox="1"/>
           <p:nvPr>
-            <p:ph idx="12" type="sldNum"/>
+            <p:ph type="sldNum" idx="12"/>
           </p:nvPr>
         </p:nvSpPr>
         <p:spPr>
@@ -4175,7 +4158,7 @@
           </a:prstGeom>
         </p:spPr>
         <p:txBody>
-          <a:bodyPr anchorCtr="0" anchor="ctr" bIns="91425" lIns="91425" spcFirstLastPara="1" rIns="91425" wrap="square" tIns="91425">
+          <a:bodyPr spcFirstLastPara="1" wrap="square" lIns="91425" tIns="91425" rIns="91425" bIns="91425" anchor="ctr" anchorCtr="0">
             <a:normAutofit/>
           </a:bodyPr>
           <a:lstStyle>
@@ -4217,7 +4200,7 @@
             </a:lvl9pPr>
           </a:lstStyle>
           <a:p>
-            <a:pPr indent="0" lvl="0" marL="0" rtl="0" algn="r">
+            <a:pPr marL="0" lvl="0" indent="0" algn="r" rtl="0">
               <a:spcBef>
                 <a:spcPts val="0"/>
               </a:spcBef>
@@ -4227,10 +4210,9 @@
               <a:buNone/>
             </a:pPr>
             <a:fld id="{00000000-1234-1234-1234-123412341234}" type="slidenum">
-              <a:rPr lang="en"/>
-              <a:t>‹#›</a:t>
+              <a:rPr lang="en-GB"/>
             </a:fld>
-            <a:endParaRPr/>
+            <a:endParaRPr lang="en-GB"/>
           </a:p>
         </p:txBody>
       </p:sp>
@@ -4243,7 +4225,7 @@
 </file>
 
 <file path=ppt/slideLayouts/slideLayout6.xml><?xml version="1.0" encoding="utf-8"?>
-<p:sldLayout xmlns:a="http://schemas.openxmlformats.org/drawingml/2006/main" xmlns:r="http://schemas.openxmlformats.org/officeDocument/2006/relationships" xmlns:mc="http://schemas.openxmlformats.org/markup-compatibility/2006" xmlns:mv="urn:schemas-microsoft-com:mac:vml" xmlns:p="http://schemas.openxmlformats.org/presentationml/2006/main" xmlns:c="http://schemas.openxmlformats.org/drawingml/2006/chart" xmlns:dgm="http://schemas.openxmlformats.org/drawingml/2006/diagram" xmlns:o="urn:schemas-microsoft-com:office:office" xmlns:v="urn:schemas-microsoft-com:vml" xmlns:pvml="urn:schemas-microsoft-com:office:powerpoint" xmlns:com="http://schemas.openxmlformats.org/drawingml/2006/compatibility" xmlns:p14="http://schemas.microsoft.com/office/powerpoint/2010/main" xmlns:p15="http://schemas.microsoft.com/office/powerpoint/2012/main" xmlns:ahyp="http://schemas.microsoft.com/office/drawing/2018/hyperlinkcolor" matchingName="One column text">
+<p:sldLayout xmlns:a="http://schemas.openxmlformats.org/drawingml/2006/main" xmlns:r="http://schemas.openxmlformats.org/officeDocument/2006/relationships" xmlns:p="http://schemas.openxmlformats.org/presentationml/2006/main" matchingName="One column text">
   <p:cSld name="ONE_COLUMN_TEXT">
     <p:spTree>
       <p:nvGrpSpPr>
@@ -4274,14 +4256,14 @@
             <a:avLst/>
           </a:prstGeom>
           <a:noFill/>
-          <a:ln cap="flat" cmpd="sng" w="19050">
+          <a:ln w="19050" cap="flat" cmpd="sng">
             <a:solidFill>
               <a:schemeClr val="dk2"/>
             </a:solidFill>
             <a:prstDash val="solid"/>
             <a:round/>
-            <a:headEnd len="sm" w="sm" type="none"/>
-            <a:tailEnd len="sm" w="sm" type="none"/>
+            <a:headEnd type="none" w="sm" len="sm"/>
+            <a:tailEnd type="none" w="sm" len="sm"/>
           </a:ln>
         </p:spPr>
       </p:cxnSp>
@@ -4303,7 +4285,7 @@
           </a:prstGeom>
         </p:spPr>
         <p:txBody>
-          <a:bodyPr anchorCtr="0" anchor="b" bIns="91425" lIns="91425" spcFirstLastPara="1" rIns="91425" wrap="square" tIns="91425">
+          <a:bodyPr spcFirstLastPara="1" wrap="square" lIns="91425" tIns="91425" rIns="91425" bIns="91425" anchor="b" anchorCtr="0">
             <a:normAutofit/>
           </a:bodyPr>
           <a:lstStyle>
@@ -4415,7 +4397,7 @@
           <p:cNvPr id="42" name="Google Shape;42;p7"/>
           <p:cNvSpPr txBox="1"/>
           <p:nvPr>
-            <p:ph idx="1" type="body"/>
+            <p:ph type="body" idx="1"/>
           </p:nvPr>
         </p:nvSpPr>
         <p:spPr>
@@ -4428,11 +4410,11 @@
           </a:prstGeom>
         </p:spPr>
         <p:txBody>
-          <a:bodyPr anchorCtr="0" anchor="t" bIns="91425" lIns="91425" spcFirstLastPara="1" rIns="91425" wrap="square" tIns="91425">
+          <a:bodyPr spcFirstLastPara="1" wrap="square" lIns="91425" tIns="91425" rIns="91425" bIns="91425" anchor="t" anchorCtr="0">
             <a:normAutofit/>
           </a:bodyPr>
           <a:lstStyle>
-            <a:lvl1pPr indent="-304800" lvl="0" marL="457200">
+            <a:lvl1pPr marL="457200" lvl="0" indent="-304800">
               <a:spcBef>
                 <a:spcPts val="0"/>
               </a:spcBef>
@@ -4443,7 +4425,7 @@
               <a:buChar char="●"/>
               <a:defRPr sz="1200"/>
             </a:lvl1pPr>
-            <a:lvl2pPr indent="-304800" lvl="1" marL="914400">
+            <a:lvl2pPr marL="914400" lvl="1" indent="-304800">
               <a:spcBef>
                 <a:spcPts val="0"/>
               </a:spcBef>
@@ -4454,7 +4436,7 @@
               <a:buChar char="○"/>
               <a:defRPr sz="1200"/>
             </a:lvl2pPr>
-            <a:lvl3pPr indent="-304800" lvl="2" marL="1371600">
+            <a:lvl3pPr marL="1371600" lvl="2" indent="-304800">
               <a:spcBef>
                 <a:spcPts val="0"/>
               </a:spcBef>
@@ -4465,7 +4447,7 @@
               <a:buChar char="■"/>
               <a:defRPr sz="1200"/>
             </a:lvl3pPr>
-            <a:lvl4pPr indent="-304800" lvl="3" marL="1828800">
+            <a:lvl4pPr marL="1828800" lvl="3" indent="-304800">
               <a:spcBef>
                 <a:spcPts val="0"/>
               </a:spcBef>
@@ -4476,7 +4458,7 @@
               <a:buChar char="●"/>
               <a:defRPr sz="1200"/>
             </a:lvl4pPr>
-            <a:lvl5pPr indent="-304800" lvl="4" marL="2286000">
+            <a:lvl5pPr marL="2286000" lvl="4" indent="-304800">
               <a:spcBef>
                 <a:spcPts val="0"/>
               </a:spcBef>
@@ -4487,7 +4469,7 @@
               <a:buChar char="○"/>
               <a:defRPr sz="1200"/>
             </a:lvl5pPr>
-            <a:lvl6pPr indent="-304800" lvl="5" marL="2743200">
+            <a:lvl6pPr marL="2743200" lvl="5" indent="-304800">
               <a:spcBef>
                 <a:spcPts val="0"/>
               </a:spcBef>
@@ -4498,7 +4480,7 @@
               <a:buChar char="■"/>
               <a:defRPr sz="1200"/>
             </a:lvl6pPr>
-            <a:lvl7pPr indent="-304800" lvl="6" marL="3200400">
+            <a:lvl7pPr marL="3200400" lvl="6" indent="-304800">
               <a:spcBef>
                 <a:spcPts val="0"/>
               </a:spcBef>
@@ -4509,7 +4491,7 @@
               <a:buChar char="●"/>
               <a:defRPr sz="1200"/>
             </a:lvl7pPr>
-            <a:lvl8pPr indent="-304800" lvl="7" marL="3657600">
+            <a:lvl8pPr marL="3657600" lvl="7" indent="-304800">
               <a:spcBef>
                 <a:spcPts val="0"/>
               </a:spcBef>
@@ -4520,7 +4502,7 @@
               <a:buChar char="○"/>
               <a:defRPr sz="1200"/>
             </a:lvl8pPr>
-            <a:lvl9pPr indent="-304800" lvl="8" marL="4114800">
+            <a:lvl9pPr marL="4114800" lvl="8" indent="-304800">
               <a:spcBef>
                 <a:spcPts val="0"/>
               </a:spcBef>
@@ -4540,7 +4522,7 @@
           <p:cNvPr id="43" name="Google Shape;43;p7"/>
           <p:cNvSpPr txBox="1"/>
           <p:nvPr>
-            <p:ph idx="12" type="sldNum"/>
+            <p:ph type="sldNum" idx="12"/>
           </p:nvPr>
         </p:nvSpPr>
         <p:spPr>
@@ -4553,7 +4535,7 @@
           </a:prstGeom>
         </p:spPr>
         <p:txBody>
-          <a:bodyPr anchorCtr="0" anchor="ctr" bIns="91425" lIns="91425" spcFirstLastPara="1" rIns="91425" wrap="square" tIns="91425">
+          <a:bodyPr spcFirstLastPara="1" wrap="square" lIns="91425" tIns="91425" rIns="91425" bIns="91425" anchor="ctr" anchorCtr="0">
             <a:normAutofit/>
           </a:bodyPr>
           <a:lstStyle>
@@ -4595,7 +4577,7 @@
             </a:lvl9pPr>
           </a:lstStyle>
           <a:p>
-            <a:pPr indent="0" lvl="0" marL="0" rtl="0" algn="r">
+            <a:pPr marL="0" lvl="0" indent="0" algn="r" rtl="0">
               <a:spcBef>
                 <a:spcPts val="0"/>
               </a:spcBef>
@@ -4605,10 +4587,9 @@
               <a:buNone/>
             </a:pPr>
             <a:fld id="{00000000-1234-1234-1234-123412341234}" type="slidenum">
-              <a:rPr lang="en"/>
-              <a:t>‹#›</a:t>
+              <a:rPr lang="en-GB"/>
             </a:fld>
-            <a:endParaRPr/>
+            <a:endParaRPr lang="en-GB"/>
           </a:p>
         </p:txBody>
       </p:sp>
@@ -4621,13 +4602,14 @@
 </file>
 
 <file path=ppt/slideLayouts/slideLayout7.xml><?xml version="1.0" encoding="utf-8"?>
-<p:sldLayout xmlns:a="http://schemas.openxmlformats.org/drawingml/2006/main" xmlns:r="http://schemas.openxmlformats.org/officeDocument/2006/relationships" xmlns:mc="http://schemas.openxmlformats.org/markup-compatibility/2006" xmlns:mv="urn:schemas-microsoft-com:mac:vml" xmlns:p="http://schemas.openxmlformats.org/presentationml/2006/main" xmlns:c="http://schemas.openxmlformats.org/drawingml/2006/chart" xmlns:dgm="http://schemas.openxmlformats.org/drawingml/2006/diagram" xmlns:o="urn:schemas-microsoft-com:office:office" xmlns:v="urn:schemas-microsoft-com:vml" xmlns:pvml="urn:schemas-microsoft-com:office:powerpoint" xmlns:com="http://schemas.openxmlformats.org/drawingml/2006/compatibility" xmlns:p14="http://schemas.microsoft.com/office/powerpoint/2010/main" xmlns:p15="http://schemas.microsoft.com/office/powerpoint/2012/main" xmlns:ahyp="http://schemas.microsoft.com/office/drawing/2018/hyperlinkcolor" matchingName="Main point">
+<p:sldLayout xmlns:a="http://schemas.openxmlformats.org/drawingml/2006/main" xmlns:r="http://schemas.openxmlformats.org/officeDocument/2006/relationships" xmlns:p="http://schemas.openxmlformats.org/presentationml/2006/main" matchingName="Main point">
   <p:cSld name="MAIN_POINT">
     <p:bg>
       <p:bgPr>
         <a:solidFill>
           <a:schemeClr val="lt2"/>
         </a:solidFill>
+        <a:effectLst/>
       </p:bgPr>
     </p:bg>
     <p:spTree>
@@ -4659,14 +4641,14 @@
             <a:avLst/>
           </a:prstGeom>
           <a:noFill/>
-          <a:ln cap="flat" cmpd="sng" w="19050">
+          <a:ln w="19050" cap="flat" cmpd="sng">
             <a:solidFill>
               <a:schemeClr val="lt1"/>
             </a:solidFill>
             <a:prstDash val="solid"/>
             <a:round/>
-            <a:headEnd len="sm" w="sm" type="none"/>
-            <a:tailEnd len="sm" w="sm" type="none"/>
+            <a:headEnd type="none" w="sm" len="sm"/>
+            <a:tailEnd type="none" w="sm" len="sm"/>
           </a:ln>
         </p:spPr>
       </p:cxnSp>
@@ -4688,7 +4670,7 @@
           </a:prstGeom>
         </p:spPr>
         <p:txBody>
-          <a:bodyPr anchorCtr="0" anchor="ctr" bIns="91425" lIns="91425" spcFirstLastPara="1" rIns="91425" wrap="square" tIns="91425">
+          <a:bodyPr spcFirstLastPara="1" wrap="square" lIns="91425" tIns="91425" rIns="91425" bIns="91425" anchor="ctr" anchorCtr="0">
             <a:normAutofit/>
           </a:bodyPr>
           <a:lstStyle>
@@ -4863,7 +4845,7 @@
           <p:cNvPr id="47" name="Google Shape;47;p8"/>
           <p:cNvSpPr txBox="1"/>
           <p:nvPr>
-            <p:ph idx="12" type="sldNum"/>
+            <p:ph type="sldNum" idx="12"/>
           </p:nvPr>
         </p:nvSpPr>
         <p:spPr>
@@ -4876,7 +4858,7 @@
           </a:prstGeom>
         </p:spPr>
         <p:txBody>
-          <a:bodyPr anchorCtr="0" anchor="ctr" bIns="91425" lIns="91425" spcFirstLastPara="1" rIns="91425" wrap="square" tIns="91425">
+          <a:bodyPr spcFirstLastPara="1" wrap="square" lIns="91425" tIns="91425" rIns="91425" bIns="91425" anchor="ctr" anchorCtr="0">
             <a:normAutofit/>
           </a:bodyPr>
           <a:lstStyle>
@@ -4954,7 +4936,7 @@
             </a:lvl9pPr>
           </a:lstStyle>
           <a:p>
-            <a:pPr indent="0" lvl="0" marL="0" rtl="0" algn="r">
+            <a:pPr marL="0" lvl="0" indent="0" algn="r" rtl="0">
               <a:spcBef>
                 <a:spcPts val="0"/>
               </a:spcBef>
@@ -4964,10 +4946,9 @@
               <a:buNone/>
             </a:pPr>
             <a:fld id="{00000000-1234-1234-1234-123412341234}" type="slidenum">
-              <a:rPr lang="en"/>
-              <a:t>‹#›</a:t>
+              <a:rPr lang="en-GB"/>
             </a:fld>
-            <a:endParaRPr/>
+            <a:endParaRPr lang="en-GB"/>
           </a:p>
         </p:txBody>
       </p:sp>
@@ -4980,7 +4961,7 @@
 </file>
 
 <file path=ppt/slideLayouts/slideLayout8.xml><?xml version="1.0" encoding="utf-8"?>
-<p:sldLayout xmlns:a="http://schemas.openxmlformats.org/drawingml/2006/main" xmlns:r="http://schemas.openxmlformats.org/officeDocument/2006/relationships" xmlns:mc="http://schemas.openxmlformats.org/markup-compatibility/2006" xmlns:mv="urn:schemas-microsoft-com:mac:vml" xmlns:p="http://schemas.openxmlformats.org/presentationml/2006/main" xmlns:c="http://schemas.openxmlformats.org/drawingml/2006/chart" xmlns:dgm="http://schemas.openxmlformats.org/drawingml/2006/diagram" xmlns:o="urn:schemas-microsoft-com:office:office" xmlns:v="urn:schemas-microsoft-com:vml" xmlns:pvml="urn:schemas-microsoft-com:office:powerpoint" xmlns:com="http://schemas.openxmlformats.org/drawingml/2006/compatibility" xmlns:p14="http://schemas.microsoft.com/office/powerpoint/2010/main" xmlns:p15="http://schemas.microsoft.com/office/powerpoint/2012/main" xmlns:ahyp="http://schemas.microsoft.com/office/drawing/2018/hyperlinkcolor" matchingName="Section title and description">
+<p:sldLayout xmlns:a="http://schemas.openxmlformats.org/drawingml/2006/main" xmlns:r="http://schemas.openxmlformats.org/officeDocument/2006/relationships" xmlns:p="http://schemas.openxmlformats.org/presentationml/2006/main" matchingName="Section title and description">
   <p:cSld name="SECTION_TITLE_AND_DESCRIPTION">
     <p:spTree>
       <p:nvGrpSpPr>
@@ -5018,12 +4999,12 @@
           </a:ln>
         </p:spPr>
         <p:txBody>
-          <a:bodyPr anchorCtr="0" anchor="ctr" bIns="91425" lIns="91425" spcFirstLastPara="1" rIns="91425" wrap="square" tIns="91425">
+          <a:bodyPr spcFirstLastPara="1" wrap="square" lIns="91425" tIns="91425" rIns="91425" bIns="91425" anchor="ctr" anchorCtr="0">
             <a:noAutofit/>
           </a:bodyPr>
           <a:lstStyle/>
           <a:p>
-            <a:pPr indent="0" lvl="0" marL="0" rtl="0" algn="l">
+            <a:pPr marL="0" lvl="0" indent="0" algn="l" rtl="0">
               <a:spcBef>
                 <a:spcPts val="0"/>
               </a:spcBef>
@@ -5032,10 +5013,6 @@
               </a:spcAft>
               <a:buNone/>
             </a:pPr>
-            <a:r>
-              <a:t/>
-            </a:r>
-            <a:endParaRPr/>
           </a:p>
         </p:txBody>
       </p:sp>
@@ -5054,14 +5031,14 @@
             <a:avLst/>
           </a:prstGeom>
           <a:noFill/>
-          <a:ln cap="flat" cmpd="sng" w="19050">
+          <a:ln w="19050" cap="flat" cmpd="sng">
             <a:solidFill>
               <a:schemeClr val="lt1"/>
             </a:solidFill>
             <a:prstDash val="solid"/>
             <a:round/>
-            <a:headEnd len="sm" w="sm" type="none"/>
-            <a:tailEnd len="sm" w="sm" type="none"/>
+            <a:headEnd type="none" w="sm" len="sm"/>
+            <a:tailEnd type="none" w="sm" len="sm"/>
           </a:ln>
         </p:spPr>
       </p:cxnSp>
@@ -5083,7 +5060,7 @@
           </a:prstGeom>
         </p:spPr>
         <p:txBody>
-          <a:bodyPr anchorCtr="0" anchor="b" bIns="91425" lIns="91425" spcFirstLastPara="1" rIns="91425" wrap="square" tIns="91425">
+          <a:bodyPr spcFirstLastPara="1" wrap="square" lIns="91425" tIns="91425" rIns="91425" bIns="91425" anchor="b" anchorCtr="0">
             <a:normAutofit/>
           </a:bodyPr>
           <a:lstStyle>
@@ -5258,7 +5235,7 @@
           <p:cNvPr id="52" name="Google Shape;52;p9"/>
           <p:cNvSpPr txBox="1"/>
           <p:nvPr>
-            <p:ph idx="1" type="subTitle"/>
+            <p:ph type="subTitle" idx="1"/>
           </p:nvPr>
         </p:nvSpPr>
         <p:spPr>
@@ -5271,7 +5248,7 @@
           </a:prstGeom>
         </p:spPr>
         <p:txBody>
-          <a:bodyPr anchorCtr="0" anchor="t" bIns="91425" lIns="91425" spcFirstLastPara="1" rIns="91425" wrap="square" tIns="91425">
+          <a:bodyPr spcFirstLastPara="1" wrap="square" lIns="91425" tIns="91425" rIns="91425" bIns="91425" anchor="t" anchorCtr="0">
             <a:normAutofit/>
           </a:bodyPr>
           <a:lstStyle>
@@ -5410,7 +5387,7 @@
           <p:cNvPr id="53" name="Google Shape;53;p9"/>
           <p:cNvSpPr txBox="1"/>
           <p:nvPr>
-            <p:ph idx="2" type="body"/>
+            <p:ph type="body" idx="2"/>
           </p:nvPr>
         </p:nvSpPr>
         <p:spPr>
@@ -5423,11 +5400,11 @@
           </a:prstGeom>
         </p:spPr>
         <p:txBody>
-          <a:bodyPr anchorCtr="0" anchor="ctr" bIns="91425" lIns="91425" spcFirstLastPara="1" rIns="91425" wrap="square" tIns="91425">
+          <a:bodyPr spcFirstLastPara="1" wrap="square" lIns="91425" tIns="91425" rIns="91425" bIns="91425" anchor="ctr" anchorCtr="0">
             <a:normAutofit/>
           </a:bodyPr>
           <a:lstStyle>
-            <a:lvl1pPr indent="-342900" lvl="0" marL="457200">
+            <a:lvl1pPr marL="457200" lvl="0" indent="-342900">
               <a:spcBef>
                 <a:spcPts val="0"/>
               </a:spcBef>
@@ -5445,7 +5422,7 @@
                 </a:solidFill>
               </a:defRPr>
             </a:lvl1pPr>
-            <a:lvl2pPr indent="-317500" lvl="1" marL="914400">
+            <a:lvl2pPr marL="914400" lvl="1" indent="-317500">
               <a:spcBef>
                 <a:spcPts val="0"/>
               </a:spcBef>
@@ -5463,7 +5440,7 @@
                 </a:solidFill>
               </a:defRPr>
             </a:lvl2pPr>
-            <a:lvl3pPr indent="-317500" lvl="2" marL="1371600">
+            <a:lvl3pPr marL="1371600" lvl="2" indent="-317500">
               <a:spcBef>
                 <a:spcPts val="0"/>
               </a:spcBef>
@@ -5481,7 +5458,7 @@
                 </a:solidFill>
               </a:defRPr>
             </a:lvl3pPr>
-            <a:lvl4pPr indent="-317500" lvl="3" marL="1828800">
+            <a:lvl4pPr marL="1828800" lvl="3" indent="-317500">
               <a:spcBef>
                 <a:spcPts val="0"/>
               </a:spcBef>
@@ -5499,7 +5476,7 @@
                 </a:solidFill>
               </a:defRPr>
             </a:lvl4pPr>
-            <a:lvl5pPr indent="-317500" lvl="4" marL="2286000">
+            <a:lvl5pPr marL="2286000" lvl="4" indent="-317500">
               <a:spcBef>
                 <a:spcPts val="0"/>
               </a:spcBef>
@@ -5517,7 +5494,7 @@
                 </a:solidFill>
               </a:defRPr>
             </a:lvl5pPr>
-            <a:lvl6pPr indent="-317500" lvl="5" marL="2743200">
+            <a:lvl6pPr marL="2743200" lvl="5" indent="-317500">
               <a:spcBef>
                 <a:spcPts val="0"/>
               </a:spcBef>
@@ -5535,7 +5512,7 @@
                 </a:solidFill>
               </a:defRPr>
             </a:lvl6pPr>
-            <a:lvl7pPr indent="-317500" lvl="6" marL="3200400">
+            <a:lvl7pPr marL="3200400" lvl="6" indent="-317500">
               <a:spcBef>
                 <a:spcPts val="0"/>
               </a:spcBef>
@@ -5553,7 +5530,7 @@
                 </a:solidFill>
               </a:defRPr>
             </a:lvl7pPr>
-            <a:lvl8pPr indent="-317500" lvl="7" marL="3657600">
+            <a:lvl8pPr marL="3657600" lvl="7" indent="-317500">
               <a:spcBef>
                 <a:spcPts val="0"/>
               </a:spcBef>
@@ -5571,7 +5548,7 @@
                 </a:solidFill>
               </a:defRPr>
             </a:lvl8pPr>
-            <a:lvl9pPr indent="-317500" lvl="8" marL="4114800">
+            <a:lvl9pPr marL="4114800" lvl="8" indent="-317500">
               <a:spcBef>
                 <a:spcPts val="0"/>
               </a:spcBef>
@@ -5598,7 +5575,7 @@
           <p:cNvPr id="54" name="Google Shape;54;p9"/>
           <p:cNvSpPr txBox="1"/>
           <p:nvPr>
-            <p:ph idx="12" type="sldNum"/>
+            <p:ph type="sldNum" idx="12"/>
           </p:nvPr>
         </p:nvSpPr>
         <p:spPr>
@@ -5611,7 +5588,7 @@
           </a:prstGeom>
         </p:spPr>
         <p:txBody>
-          <a:bodyPr anchorCtr="0" anchor="ctr" bIns="91425" lIns="91425" spcFirstLastPara="1" rIns="91425" wrap="square" tIns="91425">
+          <a:bodyPr spcFirstLastPara="1" wrap="square" lIns="91425" tIns="91425" rIns="91425" bIns="91425" anchor="ctr" anchorCtr="0">
             <a:normAutofit/>
           </a:bodyPr>
           <a:lstStyle>
@@ -5689,7 +5666,7 @@
             </a:lvl9pPr>
           </a:lstStyle>
           <a:p>
-            <a:pPr indent="0" lvl="0" marL="0" rtl="0" algn="r">
+            <a:pPr marL="0" lvl="0" indent="0" algn="r" rtl="0">
               <a:spcBef>
                 <a:spcPts val="0"/>
               </a:spcBef>
@@ -5699,10 +5676,9 @@
               <a:buNone/>
             </a:pPr>
             <a:fld id="{00000000-1234-1234-1234-123412341234}" type="slidenum">
-              <a:rPr lang="en"/>
-              <a:t>‹#›</a:t>
+              <a:rPr lang="en-GB"/>
             </a:fld>
-            <a:endParaRPr/>
+            <a:endParaRPr lang="en-GB"/>
           </a:p>
         </p:txBody>
       </p:sp>
@@ -5715,7 +5691,7 @@
 </file>
 
 <file path=ppt/slideLayouts/slideLayout9.xml><?xml version="1.0" encoding="utf-8"?>
-<p:sldLayout xmlns:a="http://schemas.openxmlformats.org/drawingml/2006/main" xmlns:r="http://schemas.openxmlformats.org/officeDocument/2006/relationships" xmlns:mc="http://schemas.openxmlformats.org/markup-compatibility/2006" xmlns:mv="urn:schemas-microsoft-com:mac:vml" xmlns:p="http://schemas.openxmlformats.org/presentationml/2006/main" xmlns:c="http://schemas.openxmlformats.org/drawingml/2006/chart" xmlns:dgm="http://schemas.openxmlformats.org/drawingml/2006/diagram" xmlns:o="urn:schemas-microsoft-com:office:office" xmlns:v="urn:schemas-microsoft-com:vml" xmlns:pvml="urn:schemas-microsoft-com:office:powerpoint" xmlns:com="http://schemas.openxmlformats.org/drawingml/2006/compatibility" xmlns:p14="http://schemas.microsoft.com/office/powerpoint/2010/main" xmlns:p15="http://schemas.microsoft.com/office/powerpoint/2012/main" xmlns:ahyp="http://schemas.microsoft.com/office/drawing/2018/hyperlinkcolor" matchingName="Caption">
+<p:sldLayout xmlns:a="http://schemas.openxmlformats.org/drawingml/2006/main" xmlns:r="http://schemas.openxmlformats.org/officeDocument/2006/relationships" xmlns:p="http://schemas.openxmlformats.org/presentationml/2006/main" matchingName="Caption">
   <p:cSld name="CAPTION_ONLY">
     <p:spTree>
       <p:nvGrpSpPr>
@@ -5746,14 +5722,14 @@
             <a:avLst/>
           </a:prstGeom>
           <a:noFill/>
-          <a:ln cap="flat" cmpd="sng" w="19050">
+          <a:ln w="19050" cap="flat" cmpd="sng">
             <a:solidFill>
               <a:schemeClr val="dk2"/>
             </a:solidFill>
             <a:prstDash val="solid"/>
             <a:round/>
-            <a:headEnd len="sm" w="sm" type="none"/>
-            <a:tailEnd len="sm" w="sm" type="none"/>
+            <a:headEnd type="none" w="sm" len="sm"/>
+            <a:tailEnd type="none" w="sm" len="sm"/>
           </a:ln>
         </p:spPr>
       </p:cxnSp>
@@ -5772,14 +5748,14 @@
             <a:avLst/>
           </a:prstGeom>
           <a:noFill/>
-          <a:ln cap="flat" cmpd="sng" w="19050">
+          <a:ln w="19050" cap="flat" cmpd="sng">
             <a:solidFill>
               <a:schemeClr val="dk2"/>
             </a:solidFill>
             <a:prstDash val="solid"/>
             <a:round/>
-            <a:headEnd len="sm" w="sm" type="none"/>
-            <a:tailEnd len="sm" w="sm" type="none"/>
+            <a:headEnd type="none" w="sm" len="sm"/>
+            <a:tailEnd type="none" w="sm" len="sm"/>
           </a:ln>
         </p:spPr>
       </p:cxnSp>
@@ -5788,7 +5764,7 @@
           <p:cNvPr id="58" name="Google Shape;58;p10"/>
           <p:cNvSpPr txBox="1"/>
           <p:nvPr>
-            <p:ph idx="1" type="body"/>
+            <p:ph type="body" idx="1"/>
           </p:nvPr>
         </p:nvSpPr>
         <p:spPr>
@@ -5801,11 +5777,11 @@
           </a:prstGeom>
         </p:spPr>
         <p:txBody>
-          <a:bodyPr anchorCtr="0" anchor="ctr" bIns="91425" lIns="91425" spcFirstLastPara="1" rIns="91425" wrap="square" tIns="91425">
+          <a:bodyPr spcFirstLastPara="1" wrap="square" lIns="91425" tIns="91425" rIns="91425" bIns="91425" anchor="ctr" anchorCtr="0">
             <a:normAutofit/>
           </a:bodyPr>
           <a:lstStyle>
-            <a:lvl1pPr indent="-228600" lvl="0" marL="457200">
+            <a:lvl1pPr marL="457200" lvl="0" indent="-228600">
               <a:lnSpc>
                 <a:spcPct val="100000"/>
               </a:lnSpc>
@@ -5828,7 +5804,7 @@
           <p:cNvPr id="59" name="Google Shape;59;p10"/>
           <p:cNvSpPr txBox="1"/>
           <p:nvPr>
-            <p:ph idx="12" type="sldNum"/>
+            <p:ph type="sldNum" idx="12"/>
           </p:nvPr>
         </p:nvSpPr>
         <p:spPr>
@@ -5841,7 +5817,7 @@
           </a:prstGeom>
         </p:spPr>
         <p:txBody>
-          <a:bodyPr anchorCtr="0" anchor="ctr" bIns="91425" lIns="91425" spcFirstLastPara="1" rIns="91425" wrap="square" tIns="91425">
+          <a:bodyPr spcFirstLastPara="1" wrap="square" lIns="91425" tIns="91425" rIns="91425" bIns="91425" anchor="ctr" anchorCtr="0">
             <a:normAutofit/>
           </a:bodyPr>
           <a:lstStyle>
@@ -5883,7 +5859,7 @@
             </a:lvl9pPr>
           </a:lstStyle>
           <a:p>
-            <a:pPr indent="0" lvl="0" marL="0" rtl="0" algn="r">
+            <a:pPr marL="0" lvl="0" indent="0" algn="r" rtl="0">
               <a:spcBef>
                 <a:spcPts val="0"/>
               </a:spcBef>
@@ -5893,10 +5869,9 @@
               <a:buNone/>
             </a:pPr>
             <a:fld id="{00000000-1234-1234-1234-123412341234}" type="slidenum">
-              <a:rPr lang="en"/>
-              <a:t>‹#›</a:t>
+              <a:rPr lang="en-GB"/>
             </a:fld>
-            <a:endParaRPr/>
+            <a:endParaRPr lang="en-GB"/>
           </a:p>
         </p:txBody>
       </p:sp>
@@ -5909,13 +5884,14 @@
 </file>
 
 <file path=ppt/slideMasters/slideMaster1.xml><?xml version="1.0" encoding="utf-8"?>
-<p:sldMaster xmlns:a="http://schemas.openxmlformats.org/drawingml/2006/main" xmlns:r="http://schemas.openxmlformats.org/officeDocument/2006/relationships" xmlns:mc="http://schemas.openxmlformats.org/markup-compatibility/2006" xmlns:mv="urn:schemas-microsoft-com:mac:vml" xmlns:p="http://schemas.openxmlformats.org/presentationml/2006/main" xmlns:c="http://schemas.openxmlformats.org/drawingml/2006/chart" xmlns:dgm="http://schemas.openxmlformats.org/drawingml/2006/diagram" xmlns:o="urn:schemas-microsoft-com:office:office" xmlns:v="urn:schemas-microsoft-com:vml" xmlns:pvml="urn:schemas-microsoft-com:office:powerpoint" xmlns:com="http://schemas.openxmlformats.org/drawingml/2006/compatibility" xmlns:p14="http://schemas.microsoft.com/office/powerpoint/2010/main" xmlns:p15="http://schemas.microsoft.com/office/powerpoint/2012/main" xmlns:ahyp="http://schemas.microsoft.com/office/drawing/2018/hyperlinkcolor">
-  <p:cSld name="swiss-2">
+<p:sldMaster xmlns:a="http://schemas.openxmlformats.org/drawingml/2006/main" xmlns:r="http://schemas.openxmlformats.org/officeDocument/2006/relationships" xmlns:p="http://schemas.openxmlformats.org/presentationml/2006/main">
+  <p:cSld>
     <p:bg>
       <p:bgPr>
         <a:solidFill>
           <a:schemeClr val="lt1"/>
         </a:solidFill>
+        <a:effectLst/>
       </p:bgPr>
     </p:bg>
     <p:spTree>
@@ -5954,7 +5930,7 @@
           </a:ln>
         </p:spPr>
         <p:txBody>
-          <a:bodyPr anchorCtr="0" anchor="t" bIns="91425" lIns="91425" spcFirstLastPara="1" rIns="91425" wrap="square" tIns="91425">
+          <a:bodyPr spcFirstLastPara="1" wrap="square" lIns="91425" tIns="91425" rIns="91425" bIns="91425" anchor="t" anchorCtr="0">
             <a:normAutofit/>
           </a:bodyPr>
           <a:lstStyle>
@@ -5971,7 +5947,7 @@
               <a:buSzPts val="3000"/>
               <a:buFont typeface="Raleway"/>
               <a:buNone/>
-              <a:defRPr b="1" sz="3000">
+              <a:defRPr sz="3000" b="1">
                 <a:solidFill>
                   <a:schemeClr val="dk2"/>
                 </a:solidFill>
@@ -5994,7 +5970,7 @@
               <a:buSzPts val="3000"/>
               <a:buFont typeface="Raleway"/>
               <a:buNone/>
-              <a:defRPr b="1" sz="3000">
+              <a:defRPr sz="3000" b="1">
                 <a:solidFill>
                   <a:schemeClr val="dk2"/>
                 </a:solidFill>
@@ -6017,7 +5993,7 @@
               <a:buSzPts val="3000"/>
               <a:buFont typeface="Raleway"/>
               <a:buNone/>
-              <a:defRPr b="1" sz="3000">
+              <a:defRPr sz="3000" b="1">
                 <a:solidFill>
                   <a:schemeClr val="dk2"/>
                 </a:solidFill>
@@ -6040,7 +6016,7 @@
               <a:buSzPts val="3000"/>
               <a:buFont typeface="Raleway"/>
               <a:buNone/>
-              <a:defRPr b="1" sz="3000">
+              <a:defRPr sz="3000" b="1">
                 <a:solidFill>
                   <a:schemeClr val="dk2"/>
                 </a:solidFill>
@@ -6063,7 +6039,7 @@
               <a:buSzPts val="3000"/>
               <a:buFont typeface="Raleway"/>
               <a:buNone/>
-              <a:defRPr b="1" sz="3000">
+              <a:defRPr sz="3000" b="1">
                 <a:solidFill>
                   <a:schemeClr val="dk2"/>
                 </a:solidFill>
@@ -6086,7 +6062,7 @@
               <a:buSzPts val="3000"/>
               <a:buFont typeface="Raleway"/>
               <a:buNone/>
-              <a:defRPr b="1" sz="3000">
+              <a:defRPr sz="3000" b="1">
                 <a:solidFill>
                   <a:schemeClr val="dk2"/>
                 </a:solidFill>
@@ -6109,7 +6085,7 @@
               <a:buSzPts val="3000"/>
               <a:buFont typeface="Raleway"/>
               <a:buNone/>
-              <a:defRPr b="1" sz="3000">
+              <a:defRPr sz="3000" b="1">
                 <a:solidFill>
                   <a:schemeClr val="dk2"/>
                 </a:solidFill>
@@ -6132,7 +6108,7 @@
               <a:buSzPts val="3000"/>
               <a:buFont typeface="Raleway"/>
               <a:buNone/>
-              <a:defRPr b="1" sz="3000">
+              <a:defRPr sz="3000" b="1">
                 <a:solidFill>
                   <a:schemeClr val="dk2"/>
                 </a:solidFill>
@@ -6155,7 +6131,7 @@
               <a:buSzPts val="3000"/>
               <a:buFont typeface="Raleway"/>
               <a:buNone/>
-              <a:defRPr b="1" sz="3000">
+              <a:defRPr sz="3000" b="1">
                 <a:solidFill>
                   <a:schemeClr val="dk2"/>
                 </a:solidFill>
@@ -6174,7 +6150,7 @@
           <p:cNvPr id="7" name="Google Shape;7;p1"/>
           <p:cNvSpPr txBox="1"/>
           <p:nvPr>
-            <p:ph idx="1" type="body"/>
+            <p:ph type="body" idx="1"/>
           </p:nvPr>
         </p:nvSpPr>
         <p:spPr>
@@ -6191,11 +6167,11 @@
           </a:ln>
         </p:spPr>
         <p:txBody>
-          <a:bodyPr anchorCtr="0" anchor="t" bIns="91425" lIns="91425" spcFirstLastPara="1" rIns="91425" wrap="square" tIns="91425">
+          <a:bodyPr spcFirstLastPara="1" wrap="square" lIns="91425" tIns="91425" rIns="91425" bIns="91425" anchor="t" anchorCtr="0">
             <a:normAutofit/>
           </a:bodyPr>
           <a:lstStyle>
-            <a:lvl1pPr indent="-342900" lvl="0" marL="457200">
+            <a:lvl1pPr marL="457200" lvl="0" indent="-342900">
               <a:lnSpc>
                 <a:spcPct val="115000"/>
               </a:lnSpc>
@@ -6209,19 +6185,19 @@
                 <a:schemeClr val="dk2"/>
               </a:buClr>
               <a:buSzPts val="1800"/>
-              <a:buFont typeface="Lato"/>
+              <a:buFont typeface="Lato" panose="020F0502020204030203"/>
               <a:buChar char="●"/>
               <a:defRPr sz="1800">
                 <a:solidFill>
                   <a:schemeClr val="dk2"/>
                 </a:solidFill>
-                <a:latin typeface="Lato"/>
-                <a:ea typeface="Lato"/>
-                <a:cs typeface="Lato"/>
-                <a:sym typeface="Lato"/>
+                <a:latin typeface="Lato" panose="020F0502020204030203"/>
+                <a:ea typeface="Lato" panose="020F0502020204030203"/>
+                <a:cs typeface="Lato" panose="020F0502020204030203"/>
+                <a:sym typeface="Lato" panose="020F0502020204030203"/>
               </a:defRPr>
             </a:lvl1pPr>
-            <a:lvl2pPr indent="-317500" lvl="1" marL="914400">
+            <a:lvl2pPr marL="914400" lvl="1" indent="-317500">
               <a:lnSpc>
                 <a:spcPct val="115000"/>
               </a:lnSpc>
@@ -6235,19 +6211,19 @@
                 <a:schemeClr val="dk2"/>
               </a:buClr>
               <a:buSzPts val="1400"/>
-              <a:buFont typeface="Lato"/>
+              <a:buFont typeface="Lato" panose="020F0502020204030203"/>
               <a:buChar char="○"/>
               <a:defRPr>
                 <a:solidFill>
                   <a:schemeClr val="dk2"/>
                 </a:solidFill>
-                <a:latin typeface="Lato"/>
-                <a:ea typeface="Lato"/>
-                <a:cs typeface="Lato"/>
-                <a:sym typeface="Lato"/>
+                <a:latin typeface="Lato" panose="020F0502020204030203"/>
+                <a:ea typeface="Lato" panose="020F0502020204030203"/>
+                <a:cs typeface="Lato" panose="020F0502020204030203"/>
+                <a:sym typeface="Lato" panose="020F0502020204030203"/>
               </a:defRPr>
             </a:lvl2pPr>
-            <a:lvl3pPr indent="-317500" lvl="2" marL="1371600">
+            <a:lvl3pPr marL="1371600" lvl="2" indent="-317500">
               <a:lnSpc>
                 <a:spcPct val="115000"/>
               </a:lnSpc>
@@ -6261,19 +6237,19 @@
                 <a:schemeClr val="dk2"/>
               </a:buClr>
               <a:buSzPts val="1400"/>
-              <a:buFont typeface="Lato"/>
+              <a:buFont typeface="Lato" panose="020F0502020204030203"/>
               <a:buChar char="■"/>
               <a:defRPr>
                 <a:solidFill>
                   <a:schemeClr val="dk2"/>
                 </a:solidFill>
-                <a:latin typeface="Lato"/>
-                <a:ea typeface="Lato"/>
-                <a:cs typeface="Lato"/>
-                <a:sym typeface="Lato"/>
+                <a:latin typeface="Lato" panose="020F0502020204030203"/>
+                <a:ea typeface="Lato" panose="020F0502020204030203"/>
+                <a:cs typeface="Lato" panose="020F0502020204030203"/>
+                <a:sym typeface="Lato" panose="020F0502020204030203"/>
               </a:defRPr>
             </a:lvl3pPr>
-            <a:lvl4pPr indent="-317500" lvl="3" marL="1828800">
+            <a:lvl4pPr marL="1828800" lvl="3" indent="-317500">
               <a:lnSpc>
                 <a:spcPct val="115000"/>
               </a:lnSpc>
@@ -6287,19 +6263,19 @@
                 <a:schemeClr val="dk2"/>
               </a:buClr>
               <a:buSzPts val="1400"/>
-              <a:buFont typeface="Lato"/>
+              <a:buFont typeface="Lato" panose="020F0502020204030203"/>
               <a:buChar char="●"/>
               <a:defRPr>
                 <a:solidFill>
                   <a:schemeClr val="dk2"/>
                 </a:solidFill>
-                <a:latin typeface="Lato"/>
-                <a:ea typeface="Lato"/>
-                <a:cs typeface="Lato"/>
-                <a:sym typeface="Lato"/>
+                <a:latin typeface="Lato" panose="020F0502020204030203"/>
+                <a:ea typeface="Lato" panose="020F0502020204030203"/>
+                <a:cs typeface="Lato" panose="020F0502020204030203"/>
+                <a:sym typeface="Lato" panose="020F0502020204030203"/>
               </a:defRPr>
             </a:lvl4pPr>
-            <a:lvl5pPr indent="-317500" lvl="4" marL="2286000">
+            <a:lvl5pPr marL="2286000" lvl="4" indent="-317500">
               <a:lnSpc>
                 <a:spcPct val="115000"/>
               </a:lnSpc>
@@ -6313,19 +6289,19 @@
                 <a:schemeClr val="dk2"/>
               </a:buClr>
               <a:buSzPts val="1400"/>
-              <a:buFont typeface="Lato"/>
+              <a:buFont typeface="Lato" panose="020F0502020204030203"/>
               <a:buChar char="○"/>
               <a:defRPr>
                 <a:solidFill>
                   <a:schemeClr val="dk2"/>
                 </a:solidFill>
-                <a:latin typeface="Lato"/>
-                <a:ea typeface="Lato"/>
-                <a:cs typeface="Lato"/>
-                <a:sym typeface="Lato"/>
+                <a:latin typeface="Lato" panose="020F0502020204030203"/>
+                <a:ea typeface="Lato" panose="020F0502020204030203"/>
+                <a:cs typeface="Lato" panose="020F0502020204030203"/>
+                <a:sym typeface="Lato" panose="020F0502020204030203"/>
               </a:defRPr>
             </a:lvl5pPr>
-            <a:lvl6pPr indent="-317500" lvl="5" marL="2743200">
+            <a:lvl6pPr marL="2743200" lvl="5" indent="-317500">
               <a:lnSpc>
                 <a:spcPct val="115000"/>
               </a:lnSpc>
@@ -6339,19 +6315,19 @@
                 <a:schemeClr val="dk2"/>
               </a:buClr>
               <a:buSzPts val="1400"/>
-              <a:buFont typeface="Lato"/>
+              <a:buFont typeface="Lato" panose="020F0502020204030203"/>
               <a:buChar char="■"/>
               <a:defRPr>
                 <a:solidFill>
                   <a:schemeClr val="dk2"/>
                 </a:solidFill>
-                <a:latin typeface="Lato"/>
-                <a:ea typeface="Lato"/>
-                <a:cs typeface="Lato"/>
-                <a:sym typeface="Lato"/>
+                <a:latin typeface="Lato" panose="020F0502020204030203"/>
+                <a:ea typeface="Lato" panose="020F0502020204030203"/>
+                <a:cs typeface="Lato" panose="020F0502020204030203"/>
+                <a:sym typeface="Lato" panose="020F0502020204030203"/>
               </a:defRPr>
             </a:lvl6pPr>
-            <a:lvl7pPr indent="-317500" lvl="6" marL="3200400">
+            <a:lvl7pPr marL="3200400" lvl="6" indent="-317500">
               <a:lnSpc>
                 <a:spcPct val="115000"/>
               </a:lnSpc>
@@ -6365,19 +6341,19 @@
                 <a:schemeClr val="dk2"/>
               </a:buClr>
               <a:buSzPts val="1400"/>
-              <a:buFont typeface="Lato"/>
+              <a:buFont typeface="Lato" panose="020F0502020204030203"/>
               <a:buChar char="●"/>
               <a:defRPr>
                 <a:solidFill>
                   <a:schemeClr val="dk2"/>
                 </a:solidFill>
-                <a:latin typeface="Lato"/>
-                <a:ea typeface="Lato"/>
-                <a:cs typeface="Lato"/>
-                <a:sym typeface="Lato"/>
+                <a:latin typeface="Lato" panose="020F0502020204030203"/>
+                <a:ea typeface="Lato" panose="020F0502020204030203"/>
+                <a:cs typeface="Lato" panose="020F0502020204030203"/>
+                <a:sym typeface="Lato" panose="020F0502020204030203"/>
               </a:defRPr>
             </a:lvl7pPr>
-            <a:lvl8pPr indent="-317500" lvl="7" marL="3657600">
+            <a:lvl8pPr marL="3657600" lvl="7" indent="-317500">
               <a:lnSpc>
                 <a:spcPct val="115000"/>
               </a:lnSpc>
@@ -6391,19 +6367,19 @@
                 <a:schemeClr val="dk2"/>
               </a:buClr>
               <a:buSzPts val="1400"/>
-              <a:buFont typeface="Lato"/>
+              <a:buFont typeface="Lato" panose="020F0502020204030203"/>
               <a:buChar char="○"/>
               <a:defRPr>
                 <a:solidFill>
                   <a:schemeClr val="dk2"/>
                 </a:solidFill>
-                <a:latin typeface="Lato"/>
-                <a:ea typeface="Lato"/>
-                <a:cs typeface="Lato"/>
-                <a:sym typeface="Lato"/>
+                <a:latin typeface="Lato" panose="020F0502020204030203"/>
+                <a:ea typeface="Lato" panose="020F0502020204030203"/>
+                <a:cs typeface="Lato" panose="020F0502020204030203"/>
+                <a:sym typeface="Lato" panose="020F0502020204030203"/>
               </a:defRPr>
             </a:lvl8pPr>
-            <a:lvl9pPr indent="-317500" lvl="8" marL="4114800">
+            <a:lvl9pPr marL="4114800" lvl="8" indent="-317500">
               <a:lnSpc>
                 <a:spcPct val="115000"/>
               </a:lnSpc>
@@ -6417,16 +6393,16 @@
                 <a:schemeClr val="dk2"/>
               </a:buClr>
               <a:buSzPts val="1400"/>
-              <a:buFont typeface="Lato"/>
+              <a:buFont typeface="Lato" panose="020F0502020204030203"/>
               <a:buChar char="■"/>
               <a:defRPr>
                 <a:solidFill>
                   <a:schemeClr val="dk2"/>
                 </a:solidFill>
-                <a:latin typeface="Lato"/>
-                <a:ea typeface="Lato"/>
-                <a:cs typeface="Lato"/>
-                <a:sym typeface="Lato"/>
+                <a:latin typeface="Lato" panose="020F0502020204030203"/>
+                <a:ea typeface="Lato" panose="020F0502020204030203"/>
+                <a:cs typeface="Lato" panose="020F0502020204030203"/>
+                <a:sym typeface="Lato" panose="020F0502020204030203"/>
               </a:defRPr>
             </a:lvl9pPr>
           </a:lstStyle>
@@ -6438,7 +6414,7 @@
           <p:cNvPr id="8" name="Google Shape;8;p1"/>
           <p:cNvSpPr txBox="1"/>
           <p:nvPr>
-            <p:ph idx="12" type="sldNum"/>
+            <p:ph type="sldNum" idx="12"/>
           </p:nvPr>
         </p:nvSpPr>
         <p:spPr>
@@ -6455,7 +6431,7 @@
           </a:ln>
         </p:spPr>
         <p:txBody>
-          <a:bodyPr anchorCtr="0" anchor="ctr" bIns="91425" lIns="91425" spcFirstLastPara="1" rIns="91425" wrap="square" tIns="91425">
+          <a:bodyPr spcFirstLastPara="1" wrap="square" lIns="91425" tIns="91425" rIns="91425" bIns="91425" anchor="ctr" anchorCtr="0">
             <a:normAutofit/>
           </a:bodyPr>
           <a:lstStyle>
@@ -6465,10 +6441,10 @@
                 <a:solidFill>
                   <a:schemeClr val="dk2"/>
                 </a:solidFill>
-                <a:latin typeface="Lato"/>
-                <a:ea typeface="Lato"/>
-                <a:cs typeface="Lato"/>
-                <a:sym typeface="Lato"/>
+                <a:latin typeface="Lato" panose="020F0502020204030203"/>
+                <a:ea typeface="Lato" panose="020F0502020204030203"/>
+                <a:cs typeface="Lato" panose="020F0502020204030203"/>
+                <a:sym typeface="Lato" panose="020F0502020204030203"/>
               </a:defRPr>
             </a:lvl1pPr>
             <a:lvl2pPr lvl="1" algn="r">
@@ -6477,10 +6453,10 @@
                 <a:solidFill>
                   <a:schemeClr val="dk2"/>
                 </a:solidFill>
-                <a:latin typeface="Lato"/>
-                <a:ea typeface="Lato"/>
-                <a:cs typeface="Lato"/>
-                <a:sym typeface="Lato"/>
+                <a:latin typeface="Lato" panose="020F0502020204030203"/>
+                <a:ea typeface="Lato" panose="020F0502020204030203"/>
+                <a:cs typeface="Lato" panose="020F0502020204030203"/>
+                <a:sym typeface="Lato" panose="020F0502020204030203"/>
               </a:defRPr>
             </a:lvl2pPr>
             <a:lvl3pPr lvl="2" algn="r">
@@ -6489,10 +6465,10 @@
                 <a:solidFill>
                   <a:schemeClr val="dk2"/>
                 </a:solidFill>
-                <a:latin typeface="Lato"/>
-                <a:ea typeface="Lato"/>
-                <a:cs typeface="Lato"/>
-                <a:sym typeface="Lato"/>
+                <a:latin typeface="Lato" panose="020F0502020204030203"/>
+                <a:ea typeface="Lato" panose="020F0502020204030203"/>
+                <a:cs typeface="Lato" panose="020F0502020204030203"/>
+                <a:sym typeface="Lato" panose="020F0502020204030203"/>
               </a:defRPr>
             </a:lvl3pPr>
             <a:lvl4pPr lvl="3" algn="r">
@@ -6501,10 +6477,10 @@
                 <a:solidFill>
                   <a:schemeClr val="dk2"/>
                 </a:solidFill>
-                <a:latin typeface="Lato"/>
-                <a:ea typeface="Lato"/>
-                <a:cs typeface="Lato"/>
-                <a:sym typeface="Lato"/>
+                <a:latin typeface="Lato" panose="020F0502020204030203"/>
+                <a:ea typeface="Lato" panose="020F0502020204030203"/>
+                <a:cs typeface="Lato" panose="020F0502020204030203"/>
+                <a:sym typeface="Lato" panose="020F0502020204030203"/>
               </a:defRPr>
             </a:lvl4pPr>
             <a:lvl5pPr lvl="4" algn="r">
@@ -6513,10 +6489,10 @@
                 <a:solidFill>
                   <a:schemeClr val="dk2"/>
                 </a:solidFill>
-                <a:latin typeface="Lato"/>
-                <a:ea typeface="Lato"/>
-                <a:cs typeface="Lato"/>
-                <a:sym typeface="Lato"/>
+                <a:latin typeface="Lato" panose="020F0502020204030203"/>
+                <a:ea typeface="Lato" panose="020F0502020204030203"/>
+                <a:cs typeface="Lato" panose="020F0502020204030203"/>
+                <a:sym typeface="Lato" panose="020F0502020204030203"/>
               </a:defRPr>
             </a:lvl5pPr>
             <a:lvl6pPr lvl="5" algn="r">
@@ -6525,10 +6501,10 @@
                 <a:solidFill>
                   <a:schemeClr val="dk2"/>
                 </a:solidFill>
-                <a:latin typeface="Lato"/>
-                <a:ea typeface="Lato"/>
-                <a:cs typeface="Lato"/>
-                <a:sym typeface="Lato"/>
+                <a:latin typeface="Lato" panose="020F0502020204030203"/>
+                <a:ea typeface="Lato" panose="020F0502020204030203"/>
+                <a:cs typeface="Lato" panose="020F0502020204030203"/>
+                <a:sym typeface="Lato" panose="020F0502020204030203"/>
               </a:defRPr>
             </a:lvl6pPr>
             <a:lvl7pPr lvl="6" algn="r">
@@ -6537,10 +6513,10 @@
                 <a:solidFill>
                   <a:schemeClr val="dk2"/>
                 </a:solidFill>
-                <a:latin typeface="Lato"/>
-                <a:ea typeface="Lato"/>
-                <a:cs typeface="Lato"/>
-                <a:sym typeface="Lato"/>
+                <a:latin typeface="Lato" panose="020F0502020204030203"/>
+                <a:ea typeface="Lato" panose="020F0502020204030203"/>
+                <a:cs typeface="Lato" panose="020F0502020204030203"/>
+                <a:sym typeface="Lato" panose="020F0502020204030203"/>
               </a:defRPr>
             </a:lvl7pPr>
             <a:lvl8pPr lvl="7" algn="r">
@@ -6549,10 +6525,10 @@
                 <a:solidFill>
                   <a:schemeClr val="dk2"/>
                 </a:solidFill>
-                <a:latin typeface="Lato"/>
-                <a:ea typeface="Lato"/>
-                <a:cs typeface="Lato"/>
-                <a:sym typeface="Lato"/>
+                <a:latin typeface="Lato" panose="020F0502020204030203"/>
+                <a:ea typeface="Lato" panose="020F0502020204030203"/>
+                <a:cs typeface="Lato" panose="020F0502020204030203"/>
+                <a:sym typeface="Lato" panose="020F0502020204030203"/>
               </a:defRPr>
             </a:lvl8pPr>
             <a:lvl9pPr lvl="8" algn="r">
@@ -6561,15 +6537,15 @@
                 <a:solidFill>
                   <a:schemeClr val="dk2"/>
                 </a:solidFill>
-                <a:latin typeface="Lato"/>
-                <a:ea typeface="Lato"/>
-                <a:cs typeface="Lato"/>
-                <a:sym typeface="Lato"/>
+                <a:latin typeface="Lato" panose="020F0502020204030203"/>
+                <a:ea typeface="Lato" panose="020F0502020204030203"/>
+                <a:cs typeface="Lato" panose="020F0502020204030203"/>
+                <a:sym typeface="Lato" panose="020F0502020204030203"/>
               </a:defRPr>
             </a:lvl9pPr>
           </a:lstStyle>
           <a:p>
-            <a:pPr indent="0" lvl="0" marL="0" rtl="0" algn="r">
+            <a:pPr marL="0" lvl="0" indent="0" algn="r" rtl="0">
               <a:spcBef>
                 <a:spcPts val="0"/>
               </a:spcBef>
@@ -6579,33 +6555,32 @@
               <a:buNone/>
             </a:pPr>
             <a:fld id="{00000000-1234-1234-1234-123412341234}" type="slidenum">
-              <a:rPr lang="en"/>
-              <a:t>‹#›</a:t>
+              <a:rPr lang="en-GB"/>
             </a:fld>
-            <a:endParaRPr/>
+            <a:endParaRPr lang="en-GB"/>
           </a:p>
         </p:txBody>
       </p:sp>
     </p:spTree>
   </p:cSld>
-  <p:clrMap accent1="accent1" accent2="accent2" accent3="accent3" accent4="accent4" accent5="accent5" accent6="accent6" bg1="lt1" bg2="dk2" tx1="dk1" tx2="lt2" folHlink="folHlink" hlink="hlink"/>
+  <p:clrMap bg1="lt1" tx1="dk1" bg2="dk2" tx2="lt2" accent1="accent1" accent2="accent2" accent3="accent3" accent4="accent4" accent5="accent5" accent6="accent6" hlink="hlink" folHlink="folHlink"/>
   <p:sldLayoutIdLst>
-    <p:sldLayoutId id="2147483648" r:id="rId1"/>
-    <p:sldLayoutId id="2147483649" r:id="rId2"/>
-    <p:sldLayoutId id="2147483650" r:id="rId3"/>
-    <p:sldLayoutId id="2147483651" r:id="rId4"/>
-    <p:sldLayoutId id="2147483652" r:id="rId5"/>
-    <p:sldLayoutId id="2147483653" r:id="rId6"/>
-    <p:sldLayoutId id="2147483654" r:id="rId7"/>
-    <p:sldLayoutId id="2147483655" r:id="rId8"/>
-    <p:sldLayoutId id="2147483656" r:id="rId9"/>
-    <p:sldLayoutId id="2147483657" r:id="rId10"/>
-    <p:sldLayoutId id="2147483658" r:id="rId11"/>
+    <p:sldLayoutId id="2147483649" r:id="rId1"/>
+    <p:sldLayoutId id="2147483650" r:id="rId2"/>
+    <p:sldLayoutId id="2147483651" r:id="rId3"/>
+    <p:sldLayoutId id="2147483652" r:id="rId4"/>
+    <p:sldLayoutId id="2147483653" r:id="rId5"/>
+    <p:sldLayoutId id="2147483654" r:id="rId6"/>
+    <p:sldLayoutId id="2147483655" r:id="rId7"/>
+    <p:sldLayoutId id="2147483656" r:id="rId8"/>
+    <p:sldLayoutId id="2147483657" r:id="rId9"/>
+    <p:sldLayoutId id="2147483658" r:id="rId10"/>
+    <p:sldLayoutId id="2147483659" r:id="rId11"/>
   </p:sldLayoutIdLst>
-  <p:hf dt="0" ftr="0" hdr="0" sldNum="0"/>
+  <p:hf sldNum="0" hdr="0" ftr="0" dt="0"/>
   <p:txStyles>
     <p:titleStyle>
-      <a:defPPr lvl="0" marR="0" rtl="0" algn="l">
+      <a:defPPr marR="0" lvl="0" algn="l" rtl="0">
         <a:lnSpc>
           <a:spcPct val="100000"/>
         </a:lnSpc>
@@ -6616,7 +6591,7 @@
           <a:spcPts val="0"/>
         </a:spcAft>
       </a:defPPr>
-      <a:lvl1pPr lvl="0" marR="0" rtl="0" algn="l">
+      <a:lvl1pPr marR="0" lvl="0" algn="l" rtl="0">
         <a:lnSpc>
           <a:spcPct val="100000"/>
         </a:lnSpc>
@@ -6629,18 +6604,18 @@
         <a:buClr>
           <a:srgbClr val="000000"/>
         </a:buClr>
-        <a:buFont typeface="Arial"/>
-        <a:defRPr b="0" i="0" sz="1400" u="none" cap="none" strike="noStrike">
+        <a:buFont typeface="Arial" panose="020B0604020202020204"/>
+        <a:defRPr sz="1400" b="0" i="0" u="none" strike="noStrike" cap="none">
           <a:solidFill>
             <a:srgbClr val="000000"/>
           </a:solidFill>
-          <a:latin typeface="Arial"/>
-          <a:ea typeface="Arial"/>
-          <a:cs typeface="Arial"/>
-          <a:sym typeface="Arial"/>
+          <a:latin typeface="Arial" panose="020B0604020202020204"/>
+          <a:ea typeface="Arial" panose="020B0604020202020204"/>
+          <a:cs typeface="Arial" panose="020B0604020202020204"/>
+          <a:sym typeface="Arial" panose="020B0604020202020204"/>
         </a:defRPr>
       </a:lvl1pPr>
-      <a:lvl2pPr lvl="1" marR="0" rtl="0" algn="l">
+      <a:lvl2pPr marR="0" lvl="1" algn="l" rtl="0">
         <a:lnSpc>
           <a:spcPct val="100000"/>
         </a:lnSpc>
@@ -6653,18 +6628,18 @@
         <a:buClr>
           <a:srgbClr val="000000"/>
         </a:buClr>
-        <a:buFont typeface="Arial"/>
-        <a:defRPr b="0" i="0" sz="1400" u="none" cap="none" strike="noStrike">
+        <a:buFont typeface="Arial" panose="020B0604020202020204"/>
+        <a:defRPr sz="1400" b="0" i="0" u="none" strike="noStrike" cap="none">
           <a:solidFill>
             <a:srgbClr val="000000"/>
           </a:solidFill>
-          <a:latin typeface="Arial"/>
-          <a:ea typeface="Arial"/>
-          <a:cs typeface="Arial"/>
-          <a:sym typeface="Arial"/>
+          <a:latin typeface="Arial" panose="020B0604020202020204"/>
+          <a:ea typeface="Arial" panose="020B0604020202020204"/>
+          <a:cs typeface="Arial" panose="020B0604020202020204"/>
+          <a:sym typeface="Arial" panose="020B0604020202020204"/>
         </a:defRPr>
       </a:lvl2pPr>
-      <a:lvl3pPr lvl="2" marR="0" rtl="0" algn="l">
+      <a:lvl3pPr marR="0" lvl="2" algn="l" rtl="0">
         <a:lnSpc>
           <a:spcPct val="100000"/>
         </a:lnSpc>
@@ -6677,18 +6652,18 @@
         <a:buClr>
           <a:srgbClr val="000000"/>
         </a:buClr>
-        <a:buFont typeface="Arial"/>
-        <a:defRPr b="0" i="0" sz="1400" u="none" cap="none" strike="noStrike">
+        <a:buFont typeface="Arial" panose="020B0604020202020204"/>
+        <a:defRPr sz="1400" b="0" i="0" u="none" strike="noStrike" cap="none">
           <a:solidFill>
             <a:srgbClr val="000000"/>
           </a:solidFill>
-          <a:latin typeface="Arial"/>
-          <a:ea typeface="Arial"/>
-          <a:cs typeface="Arial"/>
-          <a:sym typeface="Arial"/>
+          <a:latin typeface="Arial" panose="020B0604020202020204"/>
+          <a:ea typeface="Arial" panose="020B0604020202020204"/>
+          <a:cs typeface="Arial" panose="020B0604020202020204"/>
+          <a:sym typeface="Arial" panose="020B0604020202020204"/>
         </a:defRPr>
       </a:lvl3pPr>
-      <a:lvl4pPr lvl="3" marR="0" rtl="0" algn="l">
+      <a:lvl4pPr marR="0" lvl="3" algn="l" rtl="0">
         <a:lnSpc>
           <a:spcPct val="100000"/>
         </a:lnSpc>
@@ -6701,18 +6676,18 @@
         <a:buClr>
           <a:srgbClr val="000000"/>
         </a:buClr>
-        <a:buFont typeface="Arial"/>
-        <a:defRPr b="0" i="0" sz="1400" u="none" cap="none" strike="noStrike">
+        <a:buFont typeface="Arial" panose="020B0604020202020204"/>
+        <a:defRPr sz="1400" b="0" i="0" u="none" strike="noStrike" cap="none">
           <a:solidFill>
             <a:srgbClr val="000000"/>
           </a:solidFill>
-          <a:latin typeface="Arial"/>
-          <a:ea typeface="Arial"/>
-          <a:cs typeface="Arial"/>
-          <a:sym typeface="Arial"/>
+          <a:latin typeface="Arial" panose="020B0604020202020204"/>
+          <a:ea typeface="Arial" panose="020B0604020202020204"/>
+          <a:cs typeface="Arial" panose="020B0604020202020204"/>
+          <a:sym typeface="Arial" panose="020B0604020202020204"/>
         </a:defRPr>
       </a:lvl4pPr>
-      <a:lvl5pPr lvl="4" marR="0" rtl="0" algn="l">
+      <a:lvl5pPr marR="0" lvl="4" algn="l" rtl="0">
         <a:lnSpc>
           <a:spcPct val="100000"/>
         </a:lnSpc>
@@ -6725,18 +6700,18 @@
         <a:buClr>
           <a:srgbClr val="000000"/>
         </a:buClr>
-        <a:buFont typeface="Arial"/>
-        <a:defRPr b="0" i="0" sz="1400" u="none" cap="none" strike="noStrike">
+        <a:buFont typeface="Arial" panose="020B0604020202020204"/>
+        <a:defRPr sz="1400" b="0" i="0" u="none" strike="noStrike" cap="none">
           <a:solidFill>
             <a:srgbClr val="000000"/>
           </a:solidFill>
-          <a:latin typeface="Arial"/>
-          <a:ea typeface="Arial"/>
-          <a:cs typeface="Arial"/>
-          <a:sym typeface="Arial"/>
+          <a:latin typeface="Arial" panose="020B0604020202020204"/>
+          <a:ea typeface="Arial" panose="020B0604020202020204"/>
+          <a:cs typeface="Arial" panose="020B0604020202020204"/>
+          <a:sym typeface="Arial" panose="020B0604020202020204"/>
         </a:defRPr>
       </a:lvl5pPr>
-      <a:lvl6pPr lvl="5" marR="0" rtl="0" algn="l">
+      <a:lvl6pPr marR="0" lvl="5" algn="l" rtl="0">
         <a:lnSpc>
           <a:spcPct val="100000"/>
         </a:lnSpc>
@@ -6749,18 +6724,18 @@
         <a:buClr>
           <a:srgbClr val="000000"/>
         </a:buClr>
-        <a:buFont typeface="Arial"/>
-        <a:defRPr b="0" i="0" sz="1400" u="none" cap="none" strike="noStrike">
+        <a:buFont typeface="Arial" panose="020B0604020202020204"/>
+        <a:defRPr sz="1400" b="0" i="0" u="none" strike="noStrike" cap="none">
           <a:solidFill>
             <a:srgbClr val="000000"/>
           </a:solidFill>
-          <a:latin typeface="Arial"/>
-          <a:ea typeface="Arial"/>
-          <a:cs typeface="Arial"/>
-          <a:sym typeface="Arial"/>
+          <a:latin typeface="Arial" panose="020B0604020202020204"/>
+          <a:ea typeface="Arial" panose="020B0604020202020204"/>
+          <a:cs typeface="Arial" panose="020B0604020202020204"/>
+          <a:sym typeface="Arial" panose="020B0604020202020204"/>
         </a:defRPr>
       </a:lvl6pPr>
-      <a:lvl7pPr lvl="6" marR="0" rtl="0" algn="l">
+      <a:lvl7pPr marR="0" lvl="6" algn="l" rtl="0">
         <a:lnSpc>
           <a:spcPct val="100000"/>
         </a:lnSpc>
@@ -6773,18 +6748,18 @@
         <a:buClr>
           <a:srgbClr val="000000"/>
         </a:buClr>
-        <a:buFont typeface="Arial"/>
-        <a:defRPr b="0" i="0" sz="1400" u="none" cap="none" strike="noStrike">
+        <a:buFont typeface="Arial" panose="020B0604020202020204"/>
+        <a:defRPr sz="1400" b="0" i="0" u="none" strike="noStrike" cap="none">
           <a:solidFill>
             <a:srgbClr val="000000"/>
           </a:solidFill>
-          <a:latin typeface="Arial"/>
-          <a:ea typeface="Arial"/>
-          <a:cs typeface="Arial"/>
-          <a:sym typeface="Arial"/>
+          <a:latin typeface="Arial" panose="020B0604020202020204"/>
+          <a:ea typeface="Arial" panose="020B0604020202020204"/>
+          <a:cs typeface="Arial" panose="020B0604020202020204"/>
+          <a:sym typeface="Arial" panose="020B0604020202020204"/>
         </a:defRPr>
       </a:lvl7pPr>
-      <a:lvl8pPr lvl="7" marR="0" rtl="0" algn="l">
+      <a:lvl8pPr marR="0" lvl="7" algn="l" rtl="0">
         <a:lnSpc>
           <a:spcPct val="100000"/>
         </a:lnSpc>
@@ -6797,18 +6772,18 @@
         <a:buClr>
           <a:srgbClr val="000000"/>
         </a:buClr>
-        <a:buFont typeface="Arial"/>
-        <a:defRPr b="0" i="0" sz="1400" u="none" cap="none" strike="noStrike">
+        <a:buFont typeface="Arial" panose="020B0604020202020204"/>
+        <a:defRPr sz="1400" b="0" i="0" u="none" strike="noStrike" cap="none">
           <a:solidFill>
             <a:srgbClr val="000000"/>
           </a:solidFill>
-          <a:latin typeface="Arial"/>
-          <a:ea typeface="Arial"/>
-          <a:cs typeface="Arial"/>
-          <a:sym typeface="Arial"/>
+          <a:latin typeface="Arial" panose="020B0604020202020204"/>
+          <a:ea typeface="Arial" panose="020B0604020202020204"/>
+          <a:cs typeface="Arial" panose="020B0604020202020204"/>
+          <a:sym typeface="Arial" panose="020B0604020202020204"/>
         </a:defRPr>
       </a:lvl8pPr>
-      <a:lvl9pPr lvl="8" marR="0" rtl="0" algn="l">
+      <a:lvl9pPr marR="0" lvl="8" algn="l" rtl="0">
         <a:lnSpc>
           <a:spcPct val="100000"/>
         </a:lnSpc>
@@ -6821,20 +6796,20 @@
         <a:buClr>
           <a:srgbClr val="000000"/>
         </a:buClr>
-        <a:buFont typeface="Arial"/>
-        <a:defRPr b="0" i="0" sz="1400" u="none" cap="none" strike="noStrike">
+        <a:buFont typeface="Arial" panose="020B0604020202020204"/>
+        <a:defRPr sz="1400" b="0" i="0" u="none" strike="noStrike" cap="none">
           <a:solidFill>
             <a:srgbClr val="000000"/>
           </a:solidFill>
-          <a:latin typeface="Arial"/>
-          <a:ea typeface="Arial"/>
-          <a:cs typeface="Arial"/>
-          <a:sym typeface="Arial"/>
+          <a:latin typeface="Arial" panose="020B0604020202020204"/>
+          <a:ea typeface="Arial" panose="020B0604020202020204"/>
+          <a:cs typeface="Arial" panose="020B0604020202020204"/>
+          <a:sym typeface="Arial" panose="020B0604020202020204"/>
         </a:defRPr>
       </a:lvl9pPr>
     </p:titleStyle>
     <p:bodyStyle>
-      <a:defPPr lvl="0" marR="0" rtl="0" algn="l">
+      <a:defPPr marR="0" lvl="0" algn="l" rtl="0">
         <a:lnSpc>
           <a:spcPct val="100000"/>
         </a:lnSpc>
@@ -6845,7 +6820,7 @@
           <a:spcPts val="0"/>
         </a:spcAft>
       </a:defPPr>
-      <a:lvl1pPr lvl="0" marR="0" rtl="0" algn="l">
+      <a:lvl1pPr marR="0" lvl="0" algn="l" rtl="0">
         <a:lnSpc>
           <a:spcPct val="100000"/>
         </a:lnSpc>
@@ -6858,18 +6833,18 @@
         <a:buClr>
           <a:srgbClr val="000000"/>
         </a:buClr>
-        <a:buFont typeface="Arial"/>
-        <a:defRPr b="0" i="0" sz="1400" u="none" cap="none" strike="noStrike">
+        <a:buFont typeface="Arial" panose="020B0604020202020204"/>
+        <a:defRPr sz="1400" b="0" i="0" u="none" strike="noStrike" cap="none">
           <a:solidFill>
             <a:srgbClr val="000000"/>
           </a:solidFill>
-          <a:latin typeface="Arial"/>
-          <a:ea typeface="Arial"/>
-          <a:cs typeface="Arial"/>
-          <a:sym typeface="Arial"/>
+          <a:latin typeface="Arial" panose="020B0604020202020204"/>
+          <a:ea typeface="Arial" panose="020B0604020202020204"/>
+          <a:cs typeface="Arial" panose="020B0604020202020204"/>
+          <a:sym typeface="Arial" panose="020B0604020202020204"/>
         </a:defRPr>
       </a:lvl1pPr>
-      <a:lvl2pPr lvl="1" marR="0" rtl="0" algn="l">
+      <a:lvl2pPr marR="0" lvl="1" algn="l" rtl="0">
         <a:lnSpc>
           <a:spcPct val="100000"/>
         </a:lnSpc>
@@ -6882,18 +6857,18 @@
         <a:buClr>
           <a:srgbClr val="000000"/>
         </a:buClr>
-        <a:buFont typeface="Arial"/>
-        <a:defRPr b="0" i="0" sz="1400" u="none" cap="none" strike="noStrike">
+        <a:buFont typeface="Arial" panose="020B0604020202020204"/>
+        <a:defRPr sz="1400" b="0" i="0" u="none" strike="noStrike" cap="none">
           <a:solidFill>
             <a:srgbClr val="000000"/>
           </a:solidFill>
-          <a:latin typeface="Arial"/>
-          <a:ea typeface="Arial"/>
-          <a:cs typeface="Arial"/>
-          <a:sym typeface="Arial"/>
+          <a:latin typeface="Arial" panose="020B0604020202020204"/>
+          <a:ea typeface="Arial" panose="020B0604020202020204"/>
+          <a:cs typeface="Arial" panose="020B0604020202020204"/>
+          <a:sym typeface="Arial" panose="020B0604020202020204"/>
         </a:defRPr>
       </a:lvl2pPr>
-      <a:lvl3pPr lvl="2" marR="0" rtl="0" algn="l">
+      <a:lvl3pPr marR="0" lvl="2" algn="l" rtl="0">
         <a:lnSpc>
           <a:spcPct val="100000"/>
         </a:lnSpc>
@@ -6906,18 +6881,18 @@
         <a:buClr>
           <a:srgbClr val="000000"/>
         </a:buClr>
-        <a:buFont typeface="Arial"/>
-        <a:defRPr b="0" i="0" sz="1400" u="none" cap="none" strike="noStrike">
+        <a:buFont typeface="Arial" panose="020B0604020202020204"/>
+        <a:defRPr sz="1400" b="0" i="0" u="none" strike="noStrike" cap="none">
           <a:solidFill>
             <a:srgbClr val="000000"/>
           </a:solidFill>
-          <a:latin typeface="Arial"/>
-          <a:ea typeface="Arial"/>
-          <a:cs typeface="Arial"/>
-          <a:sym typeface="Arial"/>
+          <a:latin typeface="Arial" panose="020B0604020202020204"/>
+          <a:ea typeface="Arial" panose="020B0604020202020204"/>
+          <a:cs typeface="Arial" panose="020B0604020202020204"/>
+          <a:sym typeface="Arial" panose="020B0604020202020204"/>
         </a:defRPr>
       </a:lvl3pPr>
-      <a:lvl4pPr lvl="3" marR="0" rtl="0" algn="l">
+      <a:lvl4pPr marR="0" lvl="3" algn="l" rtl="0">
         <a:lnSpc>
           <a:spcPct val="100000"/>
         </a:lnSpc>
@@ -6930,18 +6905,18 @@
         <a:buClr>
           <a:srgbClr val="000000"/>
         </a:buClr>
-        <a:buFont typeface="Arial"/>
-        <a:defRPr b="0" i="0" sz="1400" u="none" cap="none" strike="noStrike">
+        <a:buFont typeface="Arial" panose="020B0604020202020204"/>
+        <a:defRPr sz="1400" b="0" i="0" u="none" strike="noStrike" cap="none">
           <a:solidFill>
             <a:srgbClr val="000000"/>
           </a:solidFill>
-          <a:latin typeface="Arial"/>
-          <a:ea typeface="Arial"/>
-          <a:cs typeface="Arial"/>
-          <a:sym typeface="Arial"/>
+          <a:latin typeface="Arial" panose="020B0604020202020204"/>
+          <a:ea typeface="Arial" panose="020B0604020202020204"/>
+          <a:cs typeface="Arial" panose="020B0604020202020204"/>
+          <a:sym typeface="Arial" panose="020B0604020202020204"/>
         </a:defRPr>
       </a:lvl4pPr>
-      <a:lvl5pPr lvl="4" marR="0" rtl="0" algn="l">
+      <a:lvl5pPr marR="0" lvl="4" algn="l" rtl="0">
         <a:lnSpc>
           <a:spcPct val="100000"/>
         </a:lnSpc>
@@ -6954,18 +6929,18 @@
         <a:buClr>
           <a:srgbClr val="000000"/>
         </a:buClr>
-        <a:buFont typeface="Arial"/>
-        <a:defRPr b="0" i="0" sz="1400" u="none" cap="none" strike="noStrike">
+        <a:buFont typeface="Arial" panose="020B0604020202020204"/>
+        <a:defRPr sz="1400" b="0" i="0" u="none" strike="noStrike" cap="none">
           <a:solidFill>
             <a:srgbClr val="000000"/>
           </a:solidFill>
-          <a:latin typeface="Arial"/>
-          <a:ea typeface="Arial"/>
-          <a:cs typeface="Arial"/>
-          <a:sym typeface="Arial"/>
+          <a:latin typeface="Arial" panose="020B0604020202020204"/>
+          <a:ea typeface="Arial" panose="020B0604020202020204"/>
+          <a:cs typeface="Arial" panose="020B0604020202020204"/>
+          <a:sym typeface="Arial" panose="020B0604020202020204"/>
         </a:defRPr>
       </a:lvl5pPr>
-      <a:lvl6pPr lvl="5" marR="0" rtl="0" algn="l">
+      <a:lvl6pPr marR="0" lvl="5" algn="l" rtl="0">
         <a:lnSpc>
           <a:spcPct val="100000"/>
         </a:lnSpc>
@@ -6978,18 +6953,18 @@
         <a:buClr>
           <a:srgbClr val="000000"/>
         </a:buClr>
-        <a:buFont typeface="Arial"/>
-        <a:defRPr b="0" i="0" sz="1400" u="none" cap="none" strike="noStrike">
+        <a:buFont typeface="Arial" panose="020B0604020202020204"/>
+        <a:defRPr sz="1400" b="0" i="0" u="none" strike="noStrike" cap="none">
           <a:solidFill>
             <a:srgbClr val="000000"/>
           </a:solidFill>
-          <a:latin typeface="Arial"/>
-          <a:ea typeface="Arial"/>
-          <a:cs typeface="Arial"/>
-          <a:sym typeface="Arial"/>
+          <a:latin typeface="Arial" panose="020B0604020202020204"/>
+          <a:ea typeface="Arial" panose="020B0604020202020204"/>
+          <a:cs typeface="Arial" panose="020B0604020202020204"/>
+          <a:sym typeface="Arial" panose="020B0604020202020204"/>
         </a:defRPr>
       </a:lvl6pPr>
-      <a:lvl7pPr lvl="6" marR="0" rtl="0" algn="l">
+      <a:lvl7pPr marR="0" lvl="6" algn="l" rtl="0">
         <a:lnSpc>
           <a:spcPct val="100000"/>
         </a:lnSpc>
@@ -7002,18 +6977,18 @@
         <a:buClr>
           <a:srgbClr val="000000"/>
         </a:buClr>
-        <a:buFont typeface="Arial"/>
-        <a:defRPr b="0" i="0" sz="1400" u="none" cap="none" strike="noStrike">
+        <a:buFont typeface="Arial" panose="020B0604020202020204"/>
+        <a:defRPr sz="1400" b="0" i="0" u="none" strike="noStrike" cap="none">
           <a:solidFill>
             <a:srgbClr val="000000"/>
           </a:solidFill>
-          <a:latin typeface="Arial"/>
-          <a:ea typeface="Arial"/>
-          <a:cs typeface="Arial"/>
-          <a:sym typeface="Arial"/>
+          <a:latin typeface="Arial" panose="020B0604020202020204"/>
+          <a:ea typeface="Arial" panose="020B0604020202020204"/>
+          <a:cs typeface="Arial" panose="020B0604020202020204"/>
+          <a:sym typeface="Arial" panose="020B0604020202020204"/>
         </a:defRPr>
       </a:lvl7pPr>
-      <a:lvl8pPr lvl="7" marR="0" rtl="0" algn="l">
+      <a:lvl8pPr marR="0" lvl="7" algn="l" rtl="0">
         <a:lnSpc>
           <a:spcPct val="100000"/>
         </a:lnSpc>
@@ -7026,18 +7001,18 @@
         <a:buClr>
           <a:srgbClr val="000000"/>
         </a:buClr>
-        <a:buFont typeface="Arial"/>
-        <a:defRPr b="0" i="0" sz="1400" u="none" cap="none" strike="noStrike">
+        <a:buFont typeface="Arial" panose="020B0604020202020204"/>
+        <a:defRPr sz="1400" b="0" i="0" u="none" strike="noStrike" cap="none">
           <a:solidFill>
             <a:srgbClr val="000000"/>
           </a:solidFill>
-          <a:latin typeface="Arial"/>
-          <a:ea typeface="Arial"/>
-          <a:cs typeface="Arial"/>
-          <a:sym typeface="Arial"/>
+          <a:latin typeface="Arial" panose="020B0604020202020204"/>
+          <a:ea typeface="Arial" panose="020B0604020202020204"/>
+          <a:cs typeface="Arial" panose="020B0604020202020204"/>
+          <a:sym typeface="Arial" panose="020B0604020202020204"/>
         </a:defRPr>
       </a:lvl8pPr>
-      <a:lvl9pPr lvl="8" marR="0" rtl="0" algn="l">
+      <a:lvl9pPr marR="0" lvl="8" algn="l" rtl="0">
         <a:lnSpc>
           <a:spcPct val="100000"/>
         </a:lnSpc>
@@ -7050,20 +7025,20 @@
         <a:buClr>
           <a:srgbClr val="000000"/>
         </a:buClr>
-        <a:buFont typeface="Arial"/>
-        <a:defRPr b="0" i="0" sz="1400" u="none" cap="none" strike="noStrike">
+        <a:buFont typeface="Arial" panose="020B0604020202020204"/>
+        <a:defRPr sz="1400" b="0" i="0" u="none" strike="noStrike" cap="none">
           <a:solidFill>
             <a:srgbClr val="000000"/>
           </a:solidFill>
-          <a:latin typeface="Arial"/>
-          <a:ea typeface="Arial"/>
-          <a:cs typeface="Arial"/>
-          <a:sym typeface="Arial"/>
+          <a:latin typeface="Arial" panose="020B0604020202020204"/>
+          <a:ea typeface="Arial" panose="020B0604020202020204"/>
+          <a:cs typeface="Arial" panose="020B0604020202020204"/>
+          <a:sym typeface="Arial" panose="020B0604020202020204"/>
         </a:defRPr>
       </a:lvl9pPr>
     </p:bodyStyle>
     <p:otherStyle>
-      <a:defPPr lvl="0" marR="0" rtl="0" algn="l">
+      <a:defPPr marR="0" lvl="0" algn="l" rtl="0">
         <a:lnSpc>
           <a:spcPct val="100000"/>
         </a:lnSpc>
@@ -7074,7 +7049,7 @@
           <a:spcPts val="0"/>
         </a:spcAft>
       </a:defPPr>
-      <a:lvl1pPr lvl="0" marR="0" rtl="0" algn="l">
+      <a:lvl1pPr marR="0" lvl="0" algn="l" rtl="0">
         <a:lnSpc>
           <a:spcPct val="100000"/>
         </a:lnSpc>
@@ -7087,18 +7062,18 @@
         <a:buClr>
           <a:srgbClr val="000000"/>
         </a:buClr>
-        <a:buFont typeface="Arial"/>
-        <a:defRPr b="0" i="0" sz="1400" u="none" cap="none" strike="noStrike">
+        <a:buFont typeface="Arial" panose="020B0604020202020204"/>
+        <a:defRPr sz="1400" b="0" i="0" u="none" strike="noStrike" cap="none">
           <a:solidFill>
             <a:srgbClr val="000000"/>
           </a:solidFill>
-          <a:latin typeface="Arial"/>
-          <a:ea typeface="Arial"/>
-          <a:cs typeface="Arial"/>
-          <a:sym typeface="Arial"/>
+          <a:latin typeface="Arial" panose="020B0604020202020204"/>
+          <a:ea typeface="Arial" panose="020B0604020202020204"/>
+          <a:cs typeface="Arial" panose="020B0604020202020204"/>
+          <a:sym typeface="Arial" panose="020B0604020202020204"/>
         </a:defRPr>
       </a:lvl1pPr>
-      <a:lvl2pPr lvl="1" marR="0" rtl="0" algn="l">
+      <a:lvl2pPr marR="0" lvl="1" algn="l" rtl="0">
         <a:lnSpc>
           <a:spcPct val="100000"/>
         </a:lnSpc>
@@ -7111,18 +7086,18 @@
         <a:buClr>
           <a:srgbClr val="000000"/>
         </a:buClr>
-        <a:buFont typeface="Arial"/>
-        <a:defRPr b="0" i="0" sz="1400" u="none" cap="none" strike="noStrike">
+        <a:buFont typeface="Arial" panose="020B0604020202020204"/>
+        <a:defRPr sz="1400" b="0" i="0" u="none" strike="noStrike" cap="none">
           <a:solidFill>
             <a:srgbClr val="000000"/>
           </a:solidFill>
-          <a:latin typeface="Arial"/>
-          <a:ea typeface="Arial"/>
-          <a:cs typeface="Arial"/>
-          <a:sym typeface="Arial"/>
+          <a:latin typeface="Arial" panose="020B0604020202020204"/>
+          <a:ea typeface="Arial" panose="020B0604020202020204"/>
+          <a:cs typeface="Arial" panose="020B0604020202020204"/>
+          <a:sym typeface="Arial" panose="020B0604020202020204"/>
         </a:defRPr>
       </a:lvl2pPr>
-      <a:lvl3pPr lvl="2" marR="0" rtl="0" algn="l">
+      <a:lvl3pPr marR="0" lvl="2" algn="l" rtl="0">
         <a:lnSpc>
           <a:spcPct val="100000"/>
         </a:lnSpc>
@@ -7135,18 +7110,18 @@
         <a:buClr>
           <a:srgbClr val="000000"/>
         </a:buClr>
-        <a:buFont typeface="Arial"/>
-        <a:defRPr b="0" i="0" sz="1400" u="none" cap="none" strike="noStrike">
+        <a:buFont typeface="Arial" panose="020B0604020202020204"/>
+        <a:defRPr sz="1400" b="0" i="0" u="none" strike="noStrike" cap="none">
           <a:solidFill>
             <a:srgbClr val="000000"/>
           </a:solidFill>
-          <a:latin typeface="Arial"/>
-          <a:ea typeface="Arial"/>
-          <a:cs typeface="Arial"/>
-          <a:sym typeface="Arial"/>
+          <a:latin typeface="Arial" panose="020B0604020202020204"/>
+          <a:ea typeface="Arial" panose="020B0604020202020204"/>
+          <a:cs typeface="Arial" panose="020B0604020202020204"/>
+          <a:sym typeface="Arial" panose="020B0604020202020204"/>
         </a:defRPr>
       </a:lvl3pPr>
-      <a:lvl4pPr lvl="3" marR="0" rtl="0" algn="l">
+      <a:lvl4pPr marR="0" lvl="3" algn="l" rtl="0">
         <a:lnSpc>
           <a:spcPct val="100000"/>
         </a:lnSpc>
@@ -7159,18 +7134,18 @@
         <a:buClr>
           <a:srgbClr val="000000"/>
         </a:buClr>
-        <a:buFont typeface="Arial"/>
-        <a:defRPr b="0" i="0" sz="1400" u="none" cap="none" strike="noStrike">
+        <a:buFont typeface="Arial" panose="020B0604020202020204"/>
+        <a:defRPr sz="1400" b="0" i="0" u="none" strike="noStrike" cap="none">
           <a:solidFill>
             <a:srgbClr val="000000"/>
           </a:solidFill>
-          <a:latin typeface="Arial"/>
-          <a:ea typeface="Arial"/>
-          <a:cs typeface="Arial"/>
-          <a:sym typeface="Arial"/>
+          <a:latin typeface="Arial" panose="020B0604020202020204"/>
+          <a:ea typeface="Arial" panose="020B0604020202020204"/>
+          <a:cs typeface="Arial" panose="020B0604020202020204"/>
+          <a:sym typeface="Arial" panose="020B0604020202020204"/>
         </a:defRPr>
       </a:lvl4pPr>
-      <a:lvl5pPr lvl="4" marR="0" rtl="0" algn="l">
+      <a:lvl5pPr marR="0" lvl="4" algn="l" rtl="0">
         <a:lnSpc>
           <a:spcPct val="100000"/>
         </a:lnSpc>
@@ -7183,18 +7158,18 @@
         <a:buClr>
           <a:srgbClr val="000000"/>
         </a:buClr>
-        <a:buFont typeface="Arial"/>
-        <a:defRPr b="0" i="0" sz="1400" u="none" cap="none" strike="noStrike">
+        <a:buFont typeface="Arial" panose="020B0604020202020204"/>
+        <a:defRPr sz="1400" b="0" i="0" u="none" strike="noStrike" cap="none">
           <a:solidFill>
             <a:srgbClr val="000000"/>
           </a:solidFill>
-          <a:latin typeface="Arial"/>
-          <a:ea typeface="Arial"/>
-          <a:cs typeface="Arial"/>
-          <a:sym typeface="Arial"/>
+          <a:latin typeface="Arial" panose="020B0604020202020204"/>
+          <a:ea typeface="Arial" panose="020B0604020202020204"/>
+          <a:cs typeface="Arial" panose="020B0604020202020204"/>
+          <a:sym typeface="Arial" panose="020B0604020202020204"/>
         </a:defRPr>
       </a:lvl5pPr>
-      <a:lvl6pPr lvl="5" marR="0" rtl="0" algn="l">
+      <a:lvl6pPr marR="0" lvl="5" algn="l" rtl="0">
         <a:lnSpc>
           <a:spcPct val="100000"/>
         </a:lnSpc>
@@ -7207,18 +7182,18 @@
         <a:buClr>
           <a:srgbClr val="000000"/>
         </a:buClr>
-        <a:buFont typeface="Arial"/>
-        <a:defRPr b="0" i="0" sz="1400" u="none" cap="none" strike="noStrike">
+        <a:buFont typeface="Arial" panose="020B0604020202020204"/>
+        <a:defRPr sz="1400" b="0" i="0" u="none" strike="noStrike" cap="none">
           <a:solidFill>
             <a:srgbClr val="000000"/>
           </a:solidFill>
-          <a:latin typeface="Arial"/>
-          <a:ea typeface="Arial"/>
-          <a:cs typeface="Arial"/>
-          <a:sym typeface="Arial"/>
+          <a:latin typeface="Arial" panose="020B0604020202020204"/>
+          <a:ea typeface="Arial" panose="020B0604020202020204"/>
+          <a:cs typeface="Arial" panose="020B0604020202020204"/>
+          <a:sym typeface="Arial" panose="020B0604020202020204"/>
         </a:defRPr>
       </a:lvl6pPr>
-      <a:lvl7pPr lvl="6" marR="0" rtl="0" algn="l">
+      <a:lvl7pPr marR="0" lvl="6" algn="l" rtl="0">
         <a:lnSpc>
           <a:spcPct val="100000"/>
         </a:lnSpc>
@@ -7231,18 +7206,18 @@
         <a:buClr>
           <a:srgbClr val="000000"/>
         </a:buClr>
-        <a:buFont typeface="Arial"/>
-        <a:defRPr b="0" i="0" sz="1400" u="none" cap="none" strike="noStrike">
+        <a:buFont typeface="Arial" panose="020B0604020202020204"/>
+        <a:defRPr sz="1400" b="0" i="0" u="none" strike="noStrike" cap="none">
           <a:solidFill>
             <a:srgbClr val="000000"/>
           </a:solidFill>
-          <a:latin typeface="Arial"/>
-          <a:ea typeface="Arial"/>
-          <a:cs typeface="Arial"/>
-          <a:sym typeface="Arial"/>
+          <a:latin typeface="Arial" panose="020B0604020202020204"/>
+          <a:ea typeface="Arial" panose="020B0604020202020204"/>
+          <a:cs typeface="Arial" panose="020B0604020202020204"/>
+          <a:sym typeface="Arial" panose="020B0604020202020204"/>
         </a:defRPr>
       </a:lvl7pPr>
-      <a:lvl8pPr lvl="7" marR="0" rtl="0" algn="l">
+      <a:lvl8pPr marR="0" lvl="7" algn="l" rtl="0">
         <a:lnSpc>
           <a:spcPct val="100000"/>
         </a:lnSpc>
@@ -7255,18 +7230,18 @@
         <a:buClr>
           <a:srgbClr val="000000"/>
         </a:buClr>
-        <a:buFont typeface="Arial"/>
-        <a:defRPr b="0" i="0" sz="1400" u="none" cap="none" strike="noStrike">
+        <a:buFont typeface="Arial" panose="020B0604020202020204"/>
+        <a:defRPr sz="1400" b="0" i="0" u="none" strike="noStrike" cap="none">
           <a:solidFill>
             <a:srgbClr val="000000"/>
           </a:solidFill>
-          <a:latin typeface="Arial"/>
-          <a:ea typeface="Arial"/>
-          <a:cs typeface="Arial"/>
-          <a:sym typeface="Arial"/>
+          <a:latin typeface="Arial" panose="020B0604020202020204"/>
+          <a:ea typeface="Arial" panose="020B0604020202020204"/>
+          <a:cs typeface="Arial" panose="020B0604020202020204"/>
+          <a:sym typeface="Arial" panose="020B0604020202020204"/>
         </a:defRPr>
       </a:lvl8pPr>
-      <a:lvl9pPr lvl="8" marR="0" rtl="0" algn="l">
+      <a:lvl9pPr marR="0" lvl="8" algn="l" rtl="0">
         <a:lnSpc>
           <a:spcPct val="100000"/>
         </a:lnSpc>
@@ -7279,15 +7254,15 @@
         <a:buClr>
           <a:srgbClr val="000000"/>
         </a:buClr>
-        <a:buFont typeface="Arial"/>
-        <a:defRPr b="0" i="0" sz="1400" u="none" cap="none" strike="noStrike">
+        <a:buFont typeface="Arial" panose="020B0604020202020204"/>
+        <a:defRPr sz="1400" b="0" i="0" u="none" strike="noStrike" cap="none">
           <a:solidFill>
             <a:srgbClr val="000000"/>
           </a:solidFill>
-          <a:latin typeface="Arial"/>
-          <a:ea typeface="Arial"/>
-          <a:cs typeface="Arial"/>
-          <a:sym typeface="Arial"/>
+          <a:latin typeface="Arial" panose="020B0604020202020204"/>
+          <a:ea typeface="Arial" panose="020B0604020202020204"/>
+          <a:cs typeface="Arial" panose="020B0604020202020204"/>
+          <a:sym typeface="Arial" panose="020B0604020202020204"/>
         </a:defRPr>
       </a:lvl9pPr>
     </p:otherStyle>
@@ -7296,7 +7271,7 @@
 </file>
 
 <file path=ppt/slides/slide1.xml><?xml version="1.0" encoding="utf-8"?>
-<p:sld xmlns:a="http://schemas.openxmlformats.org/drawingml/2006/main" xmlns:r="http://schemas.openxmlformats.org/officeDocument/2006/relationships" xmlns:mc="http://schemas.openxmlformats.org/markup-compatibility/2006" xmlns:mv="urn:schemas-microsoft-com:mac:vml" xmlns:p="http://schemas.openxmlformats.org/presentationml/2006/main" xmlns:c="http://schemas.openxmlformats.org/drawingml/2006/chart" xmlns:dgm="http://schemas.openxmlformats.org/drawingml/2006/diagram" xmlns:o="urn:schemas-microsoft-com:office:office" xmlns:v="urn:schemas-microsoft-com:vml" xmlns:pvml="urn:schemas-microsoft-com:office:powerpoint" xmlns:com="http://schemas.openxmlformats.org/drawingml/2006/compatibility" xmlns:p14="http://schemas.microsoft.com/office/powerpoint/2010/main" xmlns:p15="http://schemas.microsoft.com/office/powerpoint/2012/main" xmlns:ahyp="http://schemas.microsoft.com/office/drawing/2018/hyperlinkcolor">
+<p:sld xmlns:a="http://schemas.openxmlformats.org/drawingml/2006/main" xmlns:r="http://schemas.openxmlformats.org/officeDocument/2006/relationships" xmlns:p="http://schemas.openxmlformats.org/presentationml/2006/main">
   <p:cSld>
     <p:spTree>
       <p:nvGrpSpPr>
@@ -7330,12 +7305,12 @@
           </a:prstGeom>
         </p:spPr>
         <p:txBody>
-          <a:bodyPr anchorCtr="0" anchor="t" bIns="91425" lIns="91425" spcFirstLastPara="1" rIns="91425" wrap="square" tIns="91425">
+          <a:bodyPr spcFirstLastPara="1" wrap="square" lIns="91425" tIns="91425" rIns="91425" bIns="91425" anchor="t" anchorCtr="0">
             <a:normAutofit/>
           </a:bodyPr>
           <a:lstStyle/>
           <a:p>
-            <a:pPr indent="0" lvl="0" marL="0" rtl="0" algn="l">
+            <a:pPr marL="0" lvl="0" indent="0" algn="l" rtl="0">
               <a:spcBef>
                 <a:spcPts val="0"/>
               </a:spcBef>
@@ -7345,10 +7320,10 @@
               <a:buNone/>
             </a:pPr>
             <a:r>
-              <a:rPr lang="en"/>
+              <a:rPr lang="en-GB"/>
               <a:t>NEPLOY </a:t>
             </a:r>
-            <a:endParaRPr/>
+            <a:endParaRPr lang="en-GB"/>
           </a:p>
         </p:txBody>
       </p:sp>
@@ -7357,7 +7332,7 @@
           <p:cNvPr id="73" name="Google Shape;73;p13"/>
           <p:cNvSpPr txBox="1"/>
           <p:nvPr>
-            <p:ph idx="1" type="subTitle"/>
+            <p:ph type="subTitle" idx="1"/>
           </p:nvPr>
         </p:nvSpPr>
         <p:spPr>
@@ -7370,12 +7345,12 @@
           </a:prstGeom>
         </p:spPr>
         <p:txBody>
-          <a:bodyPr anchorCtr="0" anchor="b" bIns="91425" lIns="91425" spcFirstLastPara="1" rIns="91425" wrap="square" tIns="91425">
+          <a:bodyPr spcFirstLastPara="1" wrap="square" lIns="91425" tIns="91425" rIns="91425" bIns="91425" anchor="b" anchorCtr="0">
             <a:normAutofit lnSpcReduction="20000"/>
           </a:bodyPr>
           <a:lstStyle/>
           <a:p>
-            <a:pPr indent="0" lvl="0" marL="0" rtl="0" algn="l">
+            <a:pPr marL="0" lvl="0" indent="0" algn="l" rtl="0">
               <a:spcBef>
                 <a:spcPts val="0"/>
               </a:spcBef>
@@ -7385,13 +7360,24 @@
               <a:buNone/>
             </a:pPr>
             <a:r>
-              <a:rPr lang="en"/>
+              <a:rPr lang="en-GB"/>
               <a:t>                                                               Designed and Developed By</a:t>
             </a:r>
-            <a:endParaRPr/>
+            <a:endParaRPr lang="en-GB"/>
           </a:p>
           <a:p>
-            <a:pPr indent="0" lvl="0" marL="0" rtl="0" algn="l">
+            <a:pPr marL="0" lvl="0" indent="0" algn="l" rtl="0">
+              <a:spcBef>
+                <a:spcPts val="0"/>
+              </a:spcBef>
+              <a:spcAft>
+                <a:spcPts val="0"/>
+              </a:spcAft>
+              <a:buNone/>
+            </a:pPr>
+          </a:p>
+          <a:p>
+            <a:pPr marL="0" lvl="0" indent="0" algn="l" rtl="0">
               <a:spcBef>
                 <a:spcPts val="0"/>
               </a:spcBef>
@@ -7401,12 +7387,13 @@
               <a:buNone/>
             </a:pPr>
             <a:r>
-              <a:t/>
+              <a:rPr lang="en-GB"/>
+              <a:t>                                                                Lokesh  </a:t>
             </a:r>
-            <a:endParaRPr/>
+            <a:endParaRPr lang="en-GB"/>
           </a:p>
           <a:p>
-            <a:pPr indent="0" lvl="0" marL="0" rtl="0" algn="l">
+            <a:pPr marL="0" lvl="0" indent="0" algn="l" rtl="0">
               <a:spcBef>
                 <a:spcPts val="0"/>
               </a:spcBef>
@@ -7416,13 +7403,13 @@
               <a:buNone/>
             </a:pPr>
             <a:r>
-              <a:rPr lang="en"/>
-              <a:t>                                                                Lokesh  </a:t>
+              <a:rPr lang="en-GB"/>
+              <a:t>                                                                Kaushik</a:t>
             </a:r>
-            <a:endParaRPr/>
+            <a:endParaRPr lang="en-GB"/>
           </a:p>
           <a:p>
-            <a:pPr indent="0" lvl="0" marL="0" rtl="0" algn="l">
+            <a:pPr marL="0" lvl="0" indent="0" algn="l" rtl="0">
               <a:spcBef>
                 <a:spcPts val="0"/>
               </a:spcBef>
@@ -7432,13 +7419,13 @@
               <a:buNone/>
             </a:pPr>
             <a:r>
-              <a:rPr lang="en"/>
-              <a:t>                                                                Kaushik</a:t>
+              <a:rPr lang="en-GB"/>
+              <a:t>                                                                Akshat Sachan</a:t>
             </a:r>
-            <a:endParaRPr/>
+            <a:endParaRPr lang="en-GB"/>
           </a:p>
           <a:p>
-            <a:pPr indent="0" lvl="0" marL="0" rtl="0" algn="l">
+            <a:pPr marL="0" lvl="0" indent="0" algn="l" rtl="0">
               <a:spcBef>
                 <a:spcPts val="0"/>
               </a:spcBef>
@@ -7448,13 +7435,13 @@
               <a:buNone/>
             </a:pPr>
             <a:r>
-              <a:rPr lang="en"/>
-              <a:t>                                                                Akshat Sachan</a:t>
+              <a:rPr lang="en-GB"/>
+              <a:t>                                                                Raghavendra K</a:t>
             </a:r>
-            <a:endParaRPr/>
+            <a:endParaRPr lang="en-GB"/>
           </a:p>
           <a:p>
-            <a:pPr indent="0" lvl="0" marL="0" rtl="0" algn="l">
+            <a:pPr marL="0" lvl="0" indent="0" algn="l" rtl="0">
               <a:spcBef>
                 <a:spcPts val="0"/>
               </a:spcBef>
@@ -7463,14 +7450,9 @@
               </a:spcAft>
               <a:buNone/>
             </a:pPr>
-            <a:r>
-              <a:rPr lang="en"/>
-              <a:t>                                                                Raghavendra K</a:t>
-            </a:r>
-            <a:endParaRPr/>
           </a:p>
           <a:p>
-            <a:pPr indent="0" lvl="0" marL="0" rtl="0" algn="l">
+            <a:pPr marL="0" lvl="0" indent="0" algn="l" rtl="0">
               <a:spcBef>
                 <a:spcPts val="0"/>
               </a:spcBef>
@@ -7479,25 +7461,6 @@
               </a:spcAft>
               <a:buNone/>
             </a:pPr>
-            <a:r>
-              <a:t/>
-            </a:r>
-            <a:endParaRPr/>
-          </a:p>
-          <a:p>
-            <a:pPr indent="0" lvl="0" marL="0" rtl="0" algn="l">
-              <a:spcBef>
-                <a:spcPts val="0"/>
-              </a:spcBef>
-              <a:spcAft>
-                <a:spcPts val="0"/>
-              </a:spcAft>
-              <a:buNone/>
-            </a:pPr>
-            <a:r>
-              <a:t/>
-            </a:r>
-            <a:endParaRPr/>
           </a:p>
         </p:txBody>
       </p:sp>
@@ -7510,7 +7473,7 @@
 </file>
 
 <file path=ppt/slides/slide2.xml><?xml version="1.0" encoding="utf-8"?>
-<p:sld xmlns:a="http://schemas.openxmlformats.org/drawingml/2006/main" xmlns:r="http://schemas.openxmlformats.org/officeDocument/2006/relationships" xmlns:mc="http://schemas.openxmlformats.org/markup-compatibility/2006" xmlns:mv="urn:schemas-microsoft-com:mac:vml" xmlns:p="http://schemas.openxmlformats.org/presentationml/2006/main" xmlns:c="http://schemas.openxmlformats.org/drawingml/2006/chart" xmlns:dgm="http://schemas.openxmlformats.org/drawingml/2006/diagram" xmlns:o="urn:schemas-microsoft-com:office:office" xmlns:v="urn:schemas-microsoft-com:vml" xmlns:pvml="urn:schemas-microsoft-com:office:powerpoint" xmlns:com="http://schemas.openxmlformats.org/drawingml/2006/compatibility" xmlns:p14="http://schemas.microsoft.com/office/powerpoint/2010/main" xmlns:p15="http://schemas.microsoft.com/office/powerpoint/2012/main" xmlns:ahyp="http://schemas.microsoft.com/office/drawing/2018/hyperlinkcolor">
+<p:sld xmlns:a="http://schemas.openxmlformats.org/drawingml/2006/main" xmlns:r="http://schemas.openxmlformats.org/officeDocument/2006/relationships" xmlns:p="http://schemas.openxmlformats.org/presentationml/2006/main">
   <p:cSld>
     <p:spTree>
       <p:nvGrpSpPr>
@@ -7544,12 +7507,12 @@
           </a:prstGeom>
         </p:spPr>
         <p:txBody>
-          <a:bodyPr anchorCtr="0" anchor="t" bIns="91425" lIns="91425" spcFirstLastPara="1" rIns="91425" wrap="square" tIns="91425">
+          <a:bodyPr spcFirstLastPara="1" wrap="square" lIns="91425" tIns="91425" rIns="91425" bIns="91425" anchor="t" anchorCtr="0">
             <a:normAutofit fontScale="90000"/>
           </a:bodyPr>
           <a:lstStyle/>
           <a:p>
-            <a:pPr indent="0" lvl="0" marL="0" rtl="0" algn="l">
+            <a:pPr marL="0" lvl="0" indent="0" algn="l" rtl="0">
               <a:spcBef>
                 <a:spcPts val="0"/>
               </a:spcBef>
@@ -7559,10 +7522,10 @@
               <a:buNone/>
             </a:pPr>
             <a:r>
-              <a:rPr lang="en"/>
+              <a:rPr lang="en-GB"/>
               <a:t>Project Objective</a:t>
             </a:r>
-            <a:endParaRPr/>
+            <a:endParaRPr lang="en-GB"/>
           </a:p>
         </p:txBody>
       </p:sp>
@@ -7571,7 +7534,7 @@
           <p:cNvPr id="79" name="Google Shape;79;p14"/>
           <p:cNvSpPr txBox="1"/>
           <p:nvPr>
-            <p:ph idx="1" type="body"/>
+            <p:ph type="body" idx="1"/>
           </p:nvPr>
         </p:nvSpPr>
         <p:spPr>
@@ -7584,12 +7547,12 @@
           </a:prstGeom>
         </p:spPr>
         <p:txBody>
-          <a:bodyPr anchorCtr="0" anchor="t" bIns="91425" lIns="91425" spcFirstLastPara="1" rIns="91425" wrap="square" tIns="91425">
+          <a:bodyPr spcFirstLastPara="1" wrap="square" lIns="91425" tIns="91425" rIns="91425" bIns="91425" anchor="t" anchorCtr="0">
             <a:normAutofit/>
           </a:bodyPr>
           <a:lstStyle/>
           <a:p>
-            <a:pPr indent="0" lvl="0" marL="114300" rtl="0" algn="l">
+            <a:pPr marL="114300" lvl="0" indent="0" algn="l" rtl="0">
               <a:spcBef>
                 <a:spcPts val="1800"/>
               </a:spcBef>
@@ -7599,29 +7562,41 @@
               <a:buNone/>
             </a:pPr>
             <a:r>
-              <a:rPr lang="en" sz="1700">
+              <a:rPr lang="en-GB" sz="1700">
                 <a:solidFill>
                   <a:srgbClr val="000000"/>
                 </a:solidFill>
-                <a:latin typeface="Arial"/>
-                <a:ea typeface="Arial"/>
-                <a:cs typeface="Arial"/>
-                <a:sym typeface="Arial"/>
+                <a:latin typeface="Arial" panose="020B0604020202020204"/>
+                <a:ea typeface="Arial" panose="020B0604020202020204"/>
+                <a:cs typeface="Arial" panose="020B0604020202020204"/>
+                <a:sym typeface="Arial" panose="020B0604020202020204"/>
               </a:rPr>
               <a:t>The intent and motive of the project is to develop the smart contract with DApp without hassle of build, depoly and test of smart contracts using kuberntes to containerize the environments and so that app expose endpoint to the user which user can run in the user interface and Code optimization ML model that suggest code improvement in the smart contract using python</a:t>
+            </a:r>
+            <a:r>
+              <a:rPr lang="en-US" altLang="en-GB" sz="1700">
+                <a:solidFill>
+                  <a:srgbClr val="000000"/>
+                </a:solidFill>
+                <a:latin typeface="Arial" panose="020B0604020202020204"/>
+                <a:ea typeface="Arial" panose="020B0604020202020204"/>
+                <a:cs typeface="Arial" panose="020B0604020202020204"/>
+                <a:sym typeface="Arial" panose="020B0604020202020204"/>
+              </a:rPr>
+              <a:t>.</a:t>
             </a:r>
             <a:endParaRPr sz="1700">
               <a:solidFill>
                 <a:srgbClr val="000000"/>
               </a:solidFill>
-              <a:latin typeface="Arial"/>
-              <a:ea typeface="Arial"/>
-              <a:cs typeface="Arial"/>
-              <a:sym typeface="Arial"/>
+              <a:latin typeface="Arial" panose="020B0604020202020204"/>
+              <a:ea typeface="Arial" panose="020B0604020202020204"/>
+              <a:cs typeface="Arial" panose="020B0604020202020204"/>
+              <a:sym typeface="Arial" panose="020B0604020202020204"/>
             </a:endParaRPr>
           </a:p>
           <a:p>
-            <a:pPr indent="0" lvl="0" marL="0" rtl="0" algn="l">
+            <a:pPr marL="0" lvl="0" indent="0" algn="l" rtl="0">
               <a:spcBef>
                 <a:spcPts val="400"/>
               </a:spcBef>
@@ -7630,13 +7605,34 @@
               </a:spcAft>
               <a:buNone/>
             </a:pPr>
-            <a:r>
-              <a:t/>
-            </a:r>
-            <a:endParaRPr/>
           </a:p>
         </p:txBody>
       </p:sp>
+      <p:pic>
+        <p:nvPicPr>
+          <p:cNvPr id="1" name="Picture 0"/>
+          <p:cNvPicPr>
+            <a:picLocks noChangeAspect="1"/>
+          </p:cNvPicPr>
+          <p:nvPr/>
+        </p:nvPicPr>
+        <p:blipFill>
+          <a:blip r:embed="rId1"/>
+          <a:srcRect l="13510"/>
+          <a:stretch>
+            <a:fillRect/>
+          </a:stretch>
+        </p:blipFill>
+        <p:spPr>
+          <a:xfrm>
+            <a:off x="487680" y="1599565"/>
+            <a:ext cx="1912620" cy="1945005"/>
+          </a:xfrm>
+          <a:prstGeom prst="rect">
+            <a:avLst/>
+          </a:prstGeom>
+        </p:spPr>
+      </p:pic>
     </p:spTree>
   </p:cSld>
   <p:clrMapOvr>
@@ -7646,13 +7642,14 @@
 </file>
 
 <file path=ppt/slides/slide3.xml><?xml version="1.0" encoding="utf-8"?>
-<p:sld xmlns:a="http://schemas.openxmlformats.org/drawingml/2006/main" xmlns:r="http://schemas.openxmlformats.org/officeDocument/2006/relationships" xmlns:mc="http://schemas.openxmlformats.org/markup-compatibility/2006" xmlns:mv="urn:schemas-microsoft-com:mac:vml" xmlns:p="http://schemas.openxmlformats.org/presentationml/2006/main" xmlns:c="http://schemas.openxmlformats.org/drawingml/2006/chart" xmlns:dgm="http://schemas.openxmlformats.org/drawingml/2006/diagram" xmlns:o="urn:schemas-microsoft-com:office:office" xmlns:v="urn:schemas-microsoft-com:vml" xmlns:pvml="urn:schemas-microsoft-com:office:powerpoint" xmlns:com="http://schemas.openxmlformats.org/drawingml/2006/compatibility" xmlns:p14="http://schemas.microsoft.com/office/powerpoint/2010/main" xmlns:p15="http://schemas.microsoft.com/office/powerpoint/2012/main" xmlns:ahyp="http://schemas.microsoft.com/office/drawing/2018/hyperlinkcolor">
+<p:sld xmlns:a="http://schemas.openxmlformats.org/drawingml/2006/main" xmlns:r="http://schemas.openxmlformats.org/officeDocument/2006/relationships" xmlns:p="http://schemas.openxmlformats.org/presentationml/2006/main">
   <p:cSld>
     <p:bg>
       <p:bgPr>
         <a:solidFill>
           <a:schemeClr val="lt1"/>
         </a:solidFill>
+        <a:effectLst/>
       </p:bgPr>
     </p:bg>
     <p:spTree>
@@ -7679,7 +7676,7 @@
         </p:nvSpPr>
         <p:spPr>
           <a:xfrm>
-            <a:off x="2400250" y="575950"/>
+            <a:off x="2242770" y="434980"/>
             <a:ext cx="6321600" cy="635400"/>
           </a:xfrm>
           <a:prstGeom prst="rect">
@@ -7687,12 +7684,12 @@
           </a:prstGeom>
         </p:spPr>
         <p:txBody>
-          <a:bodyPr anchorCtr="0" anchor="t" bIns="91425" lIns="91425" spcFirstLastPara="1" rIns="91425" wrap="square" tIns="91425">
+          <a:bodyPr spcFirstLastPara="1" wrap="square" lIns="91425" tIns="91425" rIns="91425" bIns="91425" anchor="t" anchorCtr="0">
             <a:normAutofit fontScale="90000"/>
           </a:bodyPr>
           <a:lstStyle/>
           <a:p>
-            <a:pPr indent="0" lvl="0" marL="0" rtl="0" algn="l">
+            <a:pPr marL="0" lvl="0" indent="0" algn="l" rtl="0">
               <a:spcBef>
                 <a:spcPts val="0"/>
               </a:spcBef>
@@ -7702,10 +7699,10 @@
               <a:buNone/>
             </a:pPr>
             <a:r>
-              <a:rPr lang="en"/>
+              <a:rPr lang="en-GB"/>
               <a:t>Solution Approach</a:t>
             </a:r>
-            <a:endParaRPr/>
+            <a:endParaRPr lang="en-GB"/>
           </a:p>
         </p:txBody>
       </p:sp>
@@ -7714,25 +7711,25 @@
           <p:cNvPr id="85" name="Google Shape;85;p15"/>
           <p:cNvSpPr txBox="1"/>
           <p:nvPr>
-            <p:ph idx="1" type="body"/>
+            <p:ph type="body" idx="1"/>
           </p:nvPr>
         </p:nvSpPr>
         <p:spPr>
           <a:xfrm>
-            <a:off x="2410112" y="1595776"/>
-            <a:ext cx="6321600" cy="3002400"/>
+            <a:off x="2242820" y="1005205"/>
+            <a:ext cx="6636385" cy="3002280"/>
           </a:xfrm>
           <a:prstGeom prst="rect">
             <a:avLst/>
           </a:prstGeom>
         </p:spPr>
         <p:txBody>
-          <a:bodyPr anchorCtr="0" anchor="t" bIns="91425" lIns="91425" spcFirstLastPara="1" rIns="91425" wrap="square" tIns="91425">
+          <a:bodyPr spcFirstLastPara="1" wrap="square" lIns="91425" tIns="91425" rIns="91425" bIns="91425" anchor="t" anchorCtr="0">
             <a:noAutofit/>
           </a:bodyPr>
           <a:lstStyle/>
           <a:p>
-            <a:pPr indent="0" lvl="0" marL="0" rtl="0" algn="l">
+            <a:pPr marL="0" lvl="0" indent="0" algn="l" rtl="0">
               <a:spcBef>
                 <a:spcPts val="0"/>
               </a:spcBef>
@@ -7742,19 +7739,34 @@
               <a:buNone/>
             </a:pPr>
             <a:r>
-              <a:rPr lang="en" sz="1200">
+              <a:rPr lang="en-GB" sz="1200">
                 <a:solidFill>
                   <a:srgbClr val="1F1F1F"/>
                 </a:solidFill>
                 <a:highlight>
                   <a:srgbClr val="FFFFFF"/>
                 </a:highlight>
-                <a:latin typeface="Arial"/>
-                <a:ea typeface="Arial"/>
-                <a:cs typeface="Arial"/>
-                <a:sym typeface="Arial"/>
+                <a:latin typeface="Arial" panose="020B0604020202020204"/>
+                <a:ea typeface="Arial" panose="020B0604020202020204"/>
+                <a:cs typeface="Arial" panose="020B0604020202020204"/>
+                <a:sym typeface="Arial" panose="020B0604020202020204"/>
               </a:rPr>
-              <a:t>Here are the steps involved in developing a smart contract with DApp without the hassle of build, deploy, and test of smart contracts using Kubernetes to containerize the environments and so that the app exposes an endpoint to the user which the user can run in the user interface, and a code optimization ML model that suggests code improvement in the smart contract using Python:</a:t>
+              <a:t>Here are the steps involved in developing a smart contract with DApp without the hassle of build, deploy, and test of smart contracts using Kubernetes to containerize the environments and so that the app exposes an endpoint to the user which the user can run in the user interface, and a code optimization ML model that suggests code improvement in the smart contract using Python</a:t>
+            </a:r>
+            <a:r>
+              <a:rPr lang="en-US" altLang="en-GB" sz="1200">
+                <a:solidFill>
+                  <a:srgbClr val="1F1F1F"/>
+                </a:solidFill>
+                <a:highlight>
+                  <a:srgbClr val="FFFFFF"/>
+                </a:highlight>
+                <a:latin typeface="Arial" panose="020B0604020202020204"/>
+                <a:ea typeface="Arial" panose="020B0604020202020204"/>
+                <a:cs typeface="Arial" panose="020B0604020202020204"/>
+                <a:sym typeface="Arial" panose="020B0604020202020204"/>
+              </a:rPr>
+              <a:t>:</a:t>
             </a:r>
             <a:endParaRPr sz="1200">
               <a:solidFill>
@@ -7763,14 +7775,14 @@
               <a:highlight>
                 <a:srgbClr val="FFFFFF"/>
               </a:highlight>
-              <a:latin typeface="Arial"/>
-              <a:ea typeface="Arial"/>
-              <a:cs typeface="Arial"/>
-              <a:sym typeface="Arial"/>
+              <a:latin typeface="Arial" panose="020B0604020202020204"/>
+              <a:ea typeface="Arial" panose="020B0604020202020204"/>
+              <a:cs typeface="Arial" panose="020B0604020202020204"/>
+              <a:sym typeface="Arial" panose="020B0604020202020204"/>
             </a:endParaRPr>
           </a:p>
           <a:p>
-            <a:pPr indent="-304800" lvl="0" marL="457200" rtl="0" algn="l">
+            <a:pPr marL="457200" lvl="0" indent="-304800" algn="l" rtl="0">
               <a:spcBef>
                 <a:spcPts val="1800"/>
               </a:spcBef>
@@ -7781,23 +7793,53 @@
                 <a:srgbClr val="1F1F1F"/>
               </a:buClr>
               <a:buSzPts val="1200"/>
-              <a:buFont typeface="Arial"/>
+              <a:buFont typeface="Arial" panose="020B0604020202020204"/>
               <a:buAutoNum type="arabicPeriod"/>
             </a:pPr>
             <a:r>
-              <a:rPr lang="en" sz="1200">
+              <a:rPr lang="en-GB" sz="1200">
                 <a:solidFill>
                   <a:srgbClr val="1F1F1F"/>
                 </a:solidFill>
                 <a:highlight>
                   <a:srgbClr val="FFFFFF"/>
                 </a:highlight>
-                <a:latin typeface="Arial"/>
-                <a:ea typeface="Arial"/>
-                <a:cs typeface="Arial"/>
-                <a:sym typeface="Arial"/>
+                <a:latin typeface="Arial" panose="020B0604020202020204"/>
+                <a:ea typeface="Arial" panose="020B0604020202020204"/>
+                <a:cs typeface="Arial" panose="020B0604020202020204"/>
+                <a:sym typeface="Arial" panose="020B0604020202020204"/>
               </a:rPr>
-              <a:t>Choose a blockchain platform. The first step is a Neo n3 blockchain platform on which to develop smart contract. There are many different blockchain platforms available, each with its own strengths and weaknesses. Some popular options include Ethereum, Hyperledger Fabric, and Corda.</a:t>
+              <a:t>Choose a blockchain platform. The first step is a Neo </a:t>
+            </a:r>
+            <a:r>
+              <a:rPr lang="en-US" altLang="en-GB" sz="1200">
+                <a:solidFill>
+                  <a:srgbClr val="1F1F1F"/>
+                </a:solidFill>
+                <a:highlight>
+                  <a:srgbClr val="FFFFFF"/>
+                </a:highlight>
+                <a:latin typeface="Arial" panose="020B0604020202020204"/>
+                <a:ea typeface="Arial" panose="020B0604020202020204"/>
+                <a:cs typeface="Arial" panose="020B0604020202020204"/>
+                <a:sym typeface="Arial" panose="020B0604020202020204"/>
+              </a:rPr>
+              <a:t>N</a:t>
+            </a:r>
+            <a:r>
+              <a:rPr lang="en-GB" sz="1200">
+                <a:solidFill>
+                  <a:srgbClr val="1F1F1F"/>
+                </a:solidFill>
+                <a:highlight>
+                  <a:srgbClr val="FFFFFF"/>
+                </a:highlight>
+                <a:latin typeface="Arial" panose="020B0604020202020204"/>
+                <a:ea typeface="Arial" panose="020B0604020202020204"/>
+                <a:cs typeface="Arial" panose="020B0604020202020204"/>
+                <a:sym typeface="Arial" panose="020B0604020202020204"/>
+              </a:rPr>
+              <a:t>3 blockchain platform on which to develop smart contract. There are many different blockchain platforms available, each with its own strengths and weaknesses. Some popular options include Ethereum, Hyperledger Fabric, and Corda.</a:t>
             </a:r>
             <a:endParaRPr sz="1200">
               <a:solidFill>
@@ -7806,14 +7848,14 @@
               <a:highlight>
                 <a:srgbClr val="FFFFFF"/>
               </a:highlight>
-              <a:latin typeface="Arial"/>
-              <a:ea typeface="Arial"/>
-              <a:cs typeface="Arial"/>
-              <a:sym typeface="Arial"/>
+              <a:latin typeface="Arial" panose="020B0604020202020204"/>
+              <a:ea typeface="Arial" panose="020B0604020202020204"/>
+              <a:cs typeface="Arial" panose="020B0604020202020204"/>
+              <a:sym typeface="Arial" panose="020B0604020202020204"/>
             </a:endParaRPr>
           </a:p>
           <a:p>
-            <a:pPr indent="-304800" lvl="0" marL="457200" rtl="0" algn="l">
+            <a:pPr marL="457200" lvl="0" indent="-304800" algn="l" rtl="0">
               <a:spcBef>
                 <a:spcPts val="0"/>
               </a:spcBef>
@@ -7824,21 +7866,21 @@
                 <a:srgbClr val="1F1F1F"/>
               </a:buClr>
               <a:buSzPts val="1200"/>
-              <a:buFont typeface="Arial"/>
+              <a:buFont typeface="Arial" panose="020B0604020202020204"/>
               <a:buAutoNum type="arabicPeriod"/>
             </a:pPr>
             <a:r>
-              <a:rPr lang="en" sz="1200">
+              <a:rPr lang="en-GB" sz="1200">
                 <a:solidFill>
                   <a:srgbClr val="1F1F1F"/>
                 </a:solidFill>
                 <a:highlight>
                   <a:srgbClr val="FFFFFF"/>
                 </a:highlight>
-                <a:latin typeface="Arial"/>
-                <a:ea typeface="Arial"/>
-                <a:cs typeface="Arial"/>
-                <a:sym typeface="Arial"/>
+                <a:latin typeface="Arial" panose="020B0604020202020204"/>
+                <a:ea typeface="Arial" panose="020B0604020202020204"/>
+                <a:cs typeface="Arial" panose="020B0604020202020204"/>
+                <a:sym typeface="Arial" panose="020B0604020202020204"/>
               </a:rPr>
               <a:t>Create a smart contract. Once you have chosen a blockchain platform, you can create your smart contract. A smart contract is a piece of code that is stored on the blockchain and can be executed by anyone. Smart contracts can be used to automate a wide variety of tasks, such as transferring funds, exchanging assets, or managing contracts.</a:t>
             </a:r>
@@ -7849,14 +7891,14 @@
               <a:highlight>
                 <a:srgbClr val="FFFFFF"/>
               </a:highlight>
-              <a:latin typeface="Arial"/>
-              <a:ea typeface="Arial"/>
-              <a:cs typeface="Arial"/>
-              <a:sym typeface="Arial"/>
+              <a:latin typeface="Arial" panose="020B0604020202020204"/>
+              <a:ea typeface="Arial" panose="020B0604020202020204"/>
+              <a:cs typeface="Arial" panose="020B0604020202020204"/>
+              <a:sym typeface="Arial" panose="020B0604020202020204"/>
             </a:endParaRPr>
           </a:p>
           <a:p>
-            <a:pPr indent="-304800" lvl="0" marL="457200" rtl="0" algn="l">
+            <a:pPr marL="457200" lvl="0" indent="-304800" algn="l" rtl="0">
               <a:spcBef>
                 <a:spcPts val="0"/>
               </a:spcBef>
@@ -7867,21 +7909,21 @@
                 <a:srgbClr val="1F1F1F"/>
               </a:buClr>
               <a:buSzPts val="1200"/>
-              <a:buFont typeface="Arial"/>
+              <a:buFont typeface="Arial" panose="020B0604020202020204"/>
               <a:buAutoNum type="arabicPeriod"/>
             </a:pPr>
             <a:r>
-              <a:rPr lang="en" sz="1200">
+              <a:rPr lang="en-GB" sz="1200">
                 <a:solidFill>
                   <a:srgbClr val="1F1F1F"/>
                 </a:solidFill>
                 <a:highlight>
                   <a:srgbClr val="FFFFFF"/>
                 </a:highlight>
-                <a:latin typeface="Arial"/>
-                <a:ea typeface="Arial"/>
-                <a:cs typeface="Arial"/>
-                <a:sym typeface="Arial"/>
+                <a:latin typeface="Arial" panose="020B0604020202020204"/>
+                <a:ea typeface="Arial" panose="020B0604020202020204"/>
+                <a:cs typeface="Arial" panose="020B0604020202020204"/>
+                <a:sym typeface="Arial" panose="020B0604020202020204"/>
               </a:rPr>
               <a:t>Deploy the smart contract. Once you have created your smart contract, you need to deploy it to the blockchain. This process varies depending on the blockchain platform you are using.</a:t>
             </a:r>
@@ -7892,14 +7934,14 @@
               <a:highlight>
                 <a:srgbClr val="FFFFFF"/>
               </a:highlight>
-              <a:latin typeface="Arial"/>
-              <a:ea typeface="Arial"/>
-              <a:cs typeface="Arial"/>
-              <a:sym typeface="Arial"/>
+              <a:latin typeface="Arial" panose="020B0604020202020204"/>
+              <a:ea typeface="Arial" panose="020B0604020202020204"/>
+              <a:cs typeface="Arial" panose="020B0604020202020204"/>
+              <a:sym typeface="Arial" panose="020B0604020202020204"/>
             </a:endParaRPr>
           </a:p>
           <a:p>
-            <a:pPr indent="0" lvl="0" marL="0" rtl="0" algn="l">
+            <a:pPr marL="0" lvl="0" indent="0" algn="l" rtl="0">
               <a:spcBef>
                 <a:spcPts val="1100"/>
               </a:spcBef>
@@ -7908,13 +7950,34 @@
               </a:spcAft>
               <a:buNone/>
             </a:pPr>
-            <a:r>
-              <a:t/>
-            </a:r>
             <a:endParaRPr sz="1000"/>
           </a:p>
         </p:txBody>
       </p:sp>
+      <p:pic>
+        <p:nvPicPr>
+          <p:cNvPr id="1" name="Picture 0"/>
+          <p:cNvPicPr>
+            <a:picLocks noChangeAspect="1"/>
+          </p:cNvPicPr>
+          <p:nvPr/>
+        </p:nvPicPr>
+        <p:blipFill>
+          <a:blip r:embed="rId1"/>
+          <a:stretch>
+            <a:fillRect/>
+          </a:stretch>
+        </p:blipFill>
+        <p:spPr>
+          <a:xfrm>
+            <a:off x="201930" y="2142490"/>
+            <a:ext cx="2040890" cy="1363980"/>
+          </a:xfrm>
+          <a:prstGeom prst="rect">
+            <a:avLst/>
+          </a:prstGeom>
+        </p:spPr>
+      </p:pic>
     </p:spTree>
   </p:cSld>
   <p:clrMapOvr>
@@ -7924,7 +7987,7 @@
 </file>
 
 <file path=ppt/slides/slide4.xml><?xml version="1.0" encoding="utf-8"?>
-<p:sld xmlns:a="http://schemas.openxmlformats.org/drawingml/2006/main" xmlns:r="http://schemas.openxmlformats.org/officeDocument/2006/relationships" xmlns:mc="http://schemas.openxmlformats.org/markup-compatibility/2006" xmlns:mv="urn:schemas-microsoft-com:mac:vml" xmlns:p="http://schemas.openxmlformats.org/presentationml/2006/main" xmlns:c="http://schemas.openxmlformats.org/drawingml/2006/chart" xmlns:dgm="http://schemas.openxmlformats.org/drawingml/2006/diagram" xmlns:o="urn:schemas-microsoft-com:office:office" xmlns:v="urn:schemas-microsoft-com:vml" xmlns:pvml="urn:schemas-microsoft-com:office:powerpoint" xmlns:com="http://schemas.openxmlformats.org/drawingml/2006/compatibility" xmlns:p14="http://schemas.microsoft.com/office/powerpoint/2010/main" xmlns:p15="http://schemas.microsoft.com/office/powerpoint/2012/main" xmlns:ahyp="http://schemas.microsoft.com/office/drawing/2018/hyperlinkcolor">
+<p:sld xmlns:a="http://schemas.openxmlformats.org/drawingml/2006/main" xmlns:r="http://schemas.openxmlformats.org/officeDocument/2006/relationships" xmlns:p="http://schemas.openxmlformats.org/presentationml/2006/main">
   <p:cSld>
     <p:spTree>
       <p:nvGrpSpPr>
@@ -7958,12 +8021,12 @@
           </a:prstGeom>
         </p:spPr>
         <p:txBody>
-          <a:bodyPr anchorCtr="0" anchor="t" bIns="91425" lIns="91425" spcFirstLastPara="1" rIns="91425" wrap="square" tIns="91425">
+          <a:bodyPr spcFirstLastPara="1" wrap="square" lIns="91425" tIns="91425" rIns="91425" bIns="91425" anchor="t" anchorCtr="0">
             <a:normAutofit fontScale="90000"/>
           </a:bodyPr>
           <a:lstStyle/>
           <a:p>
-            <a:pPr indent="0" lvl="0" marL="0" rtl="0" algn="l">
+            <a:pPr marL="0" lvl="0" indent="0" algn="l" rtl="0">
               <a:spcBef>
                 <a:spcPts val="0"/>
               </a:spcBef>
@@ -7973,10 +8036,10 @@
               <a:buNone/>
             </a:pPr>
             <a:r>
-              <a:rPr lang="en"/>
+              <a:rPr lang="en-GB"/>
               <a:t>Solution Approach</a:t>
             </a:r>
-            <a:endParaRPr/>
+            <a:endParaRPr lang="en-GB"/>
           </a:p>
         </p:txBody>
       </p:sp>
@@ -7985,12 +8048,12 @@
           <p:cNvPr id="91" name="Google Shape;91;p16"/>
           <p:cNvSpPr txBox="1"/>
           <p:nvPr>
-            <p:ph idx="1" type="body"/>
+            <p:ph type="body" idx="1"/>
           </p:nvPr>
         </p:nvSpPr>
         <p:spPr>
           <a:xfrm>
-            <a:off x="729450" y="2078875"/>
+            <a:off x="385915" y="1530870"/>
             <a:ext cx="8257800" cy="3207600"/>
           </a:xfrm>
           <a:prstGeom prst="rect">
@@ -7998,12 +8061,12 @@
           </a:prstGeom>
         </p:spPr>
         <p:txBody>
-          <a:bodyPr anchorCtr="0" anchor="t" bIns="91425" lIns="91425" spcFirstLastPara="1" rIns="91425" wrap="square" tIns="91425">
+          <a:bodyPr spcFirstLastPara="1" wrap="square" lIns="91425" tIns="91425" rIns="91425" bIns="91425" anchor="t" anchorCtr="0">
             <a:noAutofit/>
           </a:bodyPr>
           <a:lstStyle/>
           <a:p>
-            <a:pPr indent="-304800" lvl="0" marL="457200" rtl="0" algn="l">
+            <a:pPr marL="457200" lvl="0" indent="-304800" algn="l" rtl="0">
               <a:spcBef>
                 <a:spcPts val="300"/>
               </a:spcBef>
@@ -8014,21 +8077,21 @@
                 <a:srgbClr val="1F1F1F"/>
               </a:buClr>
               <a:buSzPts val="1200"/>
-              <a:buFont typeface="Arial"/>
+              <a:buFont typeface="Arial" panose="020B0604020202020204"/>
               <a:buAutoNum type="arabicPeriod"/>
             </a:pPr>
             <a:r>
-              <a:rPr lang="en" sz="1200">
+              <a:rPr lang="en-GB" sz="1200">
                 <a:solidFill>
                   <a:srgbClr val="1F1F1F"/>
                 </a:solidFill>
                 <a:highlight>
                   <a:srgbClr val="FFFFFF"/>
                 </a:highlight>
-                <a:latin typeface="Arial"/>
-                <a:ea typeface="Arial"/>
-                <a:cs typeface="Arial"/>
-                <a:sym typeface="Arial"/>
+                <a:latin typeface="Arial" panose="020B0604020202020204"/>
+                <a:ea typeface="Arial" panose="020B0604020202020204"/>
+                <a:cs typeface="Arial" panose="020B0604020202020204"/>
+                <a:sym typeface="Arial" panose="020B0604020202020204"/>
               </a:rPr>
               <a:t>Create a DApp. A DApp is a decentralized application that runs on the blockchain. DApps can be used to interact with smart contracts and other decentralized services.</a:t>
             </a:r>
@@ -8039,14 +8102,14 @@
               <a:highlight>
                 <a:srgbClr val="FFFFFF"/>
               </a:highlight>
-              <a:latin typeface="Arial"/>
-              <a:ea typeface="Arial"/>
-              <a:cs typeface="Arial"/>
-              <a:sym typeface="Arial"/>
+              <a:latin typeface="Arial" panose="020B0604020202020204"/>
+              <a:ea typeface="Arial" panose="020B0604020202020204"/>
+              <a:cs typeface="Arial" panose="020B0604020202020204"/>
+              <a:sym typeface="Arial" panose="020B0604020202020204"/>
             </a:endParaRPr>
           </a:p>
           <a:p>
-            <a:pPr indent="-304800" lvl="0" marL="457200" rtl="0" algn="l">
+            <a:pPr marL="457200" lvl="0" indent="-304800" algn="l" rtl="0">
               <a:spcBef>
                 <a:spcPts val="0"/>
               </a:spcBef>
@@ -8057,21 +8120,21 @@
                 <a:srgbClr val="1F1F1F"/>
               </a:buClr>
               <a:buSzPts val="1200"/>
-              <a:buFont typeface="Arial"/>
+              <a:buFont typeface="Arial" panose="020B0604020202020204"/>
               <a:buAutoNum type="arabicPeriod"/>
             </a:pPr>
             <a:r>
-              <a:rPr lang="en" sz="1200">
+              <a:rPr lang="en-GB" sz="1200">
                 <a:solidFill>
                   <a:srgbClr val="1F1F1F"/>
                 </a:solidFill>
                 <a:highlight>
                   <a:srgbClr val="FFFFFF"/>
                 </a:highlight>
-                <a:latin typeface="Arial"/>
-                <a:ea typeface="Arial"/>
-                <a:cs typeface="Arial"/>
-                <a:sym typeface="Arial"/>
+                <a:latin typeface="Arial" panose="020B0604020202020204"/>
+                <a:ea typeface="Arial" panose="020B0604020202020204"/>
+                <a:cs typeface="Arial" panose="020B0604020202020204"/>
+                <a:sym typeface="Arial" panose="020B0604020202020204"/>
               </a:rPr>
               <a:t>Containerize the environments. Kubernetes is a container orchestration platform that can be used to manage the deployment and scaling of DApps. Kubernetes can help to ensure that your DApp is always available and running smoothly.</a:t>
             </a:r>
@@ -8082,14 +8145,14 @@
               <a:highlight>
                 <a:srgbClr val="FFFFFF"/>
               </a:highlight>
-              <a:latin typeface="Arial"/>
-              <a:ea typeface="Arial"/>
-              <a:cs typeface="Arial"/>
-              <a:sym typeface="Arial"/>
+              <a:latin typeface="Arial" panose="020B0604020202020204"/>
+              <a:ea typeface="Arial" panose="020B0604020202020204"/>
+              <a:cs typeface="Arial" panose="020B0604020202020204"/>
+              <a:sym typeface="Arial" panose="020B0604020202020204"/>
             </a:endParaRPr>
           </a:p>
           <a:p>
-            <a:pPr indent="-304800" lvl="0" marL="457200" rtl="0" algn="l">
+            <a:pPr marL="457200" lvl="0" indent="-304800" algn="l" rtl="0">
               <a:spcBef>
                 <a:spcPts val="0"/>
               </a:spcBef>
@@ -8100,21 +8163,21 @@
                 <a:srgbClr val="1F1F1F"/>
               </a:buClr>
               <a:buSzPts val="1200"/>
-              <a:buFont typeface="Arial"/>
+              <a:buFont typeface="Arial" panose="020B0604020202020204"/>
               <a:buAutoNum type="arabicPeriod"/>
             </a:pPr>
             <a:r>
-              <a:rPr lang="en" sz="1200">
+              <a:rPr lang="en-GB" sz="1200">
                 <a:solidFill>
                   <a:srgbClr val="1F1F1F"/>
                 </a:solidFill>
                 <a:highlight>
                   <a:srgbClr val="FFFFFF"/>
                 </a:highlight>
-                <a:latin typeface="Arial"/>
-                <a:ea typeface="Arial"/>
-                <a:cs typeface="Arial"/>
-                <a:sym typeface="Arial"/>
+                <a:latin typeface="Arial" panose="020B0604020202020204"/>
+                <a:ea typeface="Arial" panose="020B0604020202020204"/>
+                <a:cs typeface="Arial" panose="020B0604020202020204"/>
+                <a:sym typeface="Arial" panose="020B0604020202020204"/>
               </a:rPr>
               <a:t>Expose an endpoint to the user. Once you have containerized the environments, you need to expose an endpoint to the user. This endpoint will allow users to interact with your DApp.</a:t>
             </a:r>
@@ -8125,14 +8188,14 @@
               <a:highlight>
                 <a:srgbClr val="FFFFFF"/>
               </a:highlight>
-              <a:latin typeface="Arial"/>
-              <a:ea typeface="Arial"/>
-              <a:cs typeface="Arial"/>
-              <a:sym typeface="Arial"/>
+              <a:latin typeface="Arial" panose="020B0604020202020204"/>
+              <a:ea typeface="Arial" panose="020B0604020202020204"/>
+              <a:cs typeface="Arial" panose="020B0604020202020204"/>
+              <a:sym typeface="Arial" panose="020B0604020202020204"/>
             </a:endParaRPr>
           </a:p>
           <a:p>
-            <a:pPr indent="-304800" lvl="0" marL="457200" rtl="0" algn="l">
+            <a:pPr marL="457200" lvl="0" indent="-304800" algn="l" rtl="0">
               <a:spcBef>
                 <a:spcPts val="0"/>
               </a:spcBef>
@@ -8143,21 +8206,21 @@
                 <a:srgbClr val="1F1F1F"/>
               </a:buClr>
               <a:buSzPts val="1200"/>
-              <a:buFont typeface="Arial"/>
+              <a:buFont typeface="Arial" panose="020B0604020202020204"/>
               <a:buAutoNum type="arabicPeriod"/>
             </a:pPr>
             <a:r>
-              <a:rPr lang="en" sz="1200">
+              <a:rPr lang="en-GB" sz="1200">
                 <a:solidFill>
                   <a:srgbClr val="1F1F1F"/>
                 </a:solidFill>
                 <a:highlight>
                   <a:srgbClr val="FFFFFF"/>
                 </a:highlight>
-                <a:latin typeface="Arial"/>
-                <a:ea typeface="Arial"/>
-                <a:cs typeface="Arial"/>
-                <a:sym typeface="Arial"/>
+                <a:latin typeface="Arial" panose="020B0604020202020204"/>
+                <a:ea typeface="Arial" panose="020B0604020202020204"/>
+                <a:cs typeface="Arial" panose="020B0604020202020204"/>
+                <a:sym typeface="Arial" panose="020B0604020202020204"/>
               </a:rPr>
               <a:t>Develop a code optimization ML model. This model will be used to suggest code improvements in the smart contract. The model can be developed using Python, and it can be trained on a dataset of smart contracts.</a:t>
             </a:r>
@@ -8168,14 +8231,14 @@
               <a:highlight>
                 <a:srgbClr val="FFFFFF"/>
               </a:highlight>
-              <a:latin typeface="Arial"/>
-              <a:ea typeface="Arial"/>
-              <a:cs typeface="Arial"/>
-              <a:sym typeface="Arial"/>
+              <a:latin typeface="Arial" panose="020B0604020202020204"/>
+              <a:ea typeface="Arial" panose="020B0604020202020204"/>
+              <a:cs typeface="Arial" panose="020B0604020202020204"/>
+              <a:sym typeface="Arial" panose="020B0604020202020204"/>
             </a:endParaRPr>
           </a:p>
           <a:p>
-            <a:pPr indent="0" lvl="0" marL="0" rtl="0" algn="l">
+            <a:pPr marL="0" lvl="0" indent="0" algn="l" rtl="0">
               <a:spcBef>
                 <a:spcPts val="1100"/>
               </a:spcBef>
@@ -8184,9 +8247,6 @@
               </a:spcAft>
               <a:buNone/>
             </a:pPr>
-            <a:r>
-              <a:t/>
-            </a:r>
             <a:endParaRPr sz="900"/>
           </a:p>
         </p:txBody>
@@ -8200,7 +8260,7 @@
 </file>
 
 <file path=ppt/slides/slide5.xml><?xml version="1.0" encoding="utf-8"?>
-<p:sld xmlns:a="http://schemas.openxmlformats.org/drawingml/2006/main" xmlns:r="http://schemas.openxmlformats.org/officeDocument/2006/relationships" xmlns:mc="http://schemas.openxmlformats.org/markup-compatibility/2006" xmlns:mv="urn:schemas-microsoft-com:mac:vml" xmlns:p="http://schemas.openxmlformats.org/presentationml/2006/main" xmlns:c="http://schemas.openxmlformats.org/drawingml/2006/chart" xmlns:dgm="http://schemas.openxmlformats.org/drawingml/2006/diagram" xmlns:o="urn:schemas-microsoft-com:office:office" xmlns:v="urn:schemas-microsoft-com:vml" xmlns:pvml="urn:schemas-microsoft-com:office:powerpoint" xmlns:com="http://schemas.openxmlformats.org/drawingml/2006/compatibility" xmlns:p14="http://schemas.microsoft.com/office/powerpoint/2010/main" xmlns:p15="http://schemas.microsoft.com/office/powerpoint/2012/main" xmlns:ahyp="http://schemas.microsoft.com/office/drawing/2018/hyperlinkcolor">
+<p:sld xmlns:a="http://schemas.openxmlformats.org/drawingml/2006/main" xmlns:r="http://schemas.openxmlformats.org/officeDocument/2006/relationships" xmlns:p="http://schemas.openxmlformats.org/presentationml/2006/main">
   <p:cSld>
     <p:spTree>
       <p:nvGrpSpPr>
@@ -8234,12 +8294,12 @@
           </a:prstGeom>
         </p:spPr>
         <p:txBody>
-          <a:bodyPr anchorCtr="0" anchor="t" bIns="91425" lIns="91425" spcFirstLastPara="1" rIns="91425" wrap="square" tIns="91425">
+          <a:bodyPr spcFirstLastPara="1" wrap="square" lIns="91425" tIns="91425" rIns="91425" bIns="91425" anchor="t" anchorCtr="0">
             <a:normAutofit fontScale="90000"/>
           </a:bodyPr>
           <a:lstStyle/>
           <a:p>
-            <a:pPr indent="0" lvl="0" marL="0" rtl="0" algn="l">
+            <a:pPr marL="0" lvl="0" indent="0" algn="l" rtl="0">
               <a:spcBef>
                 <a:spcPts val="0"/>
               </a:spcBef>
@@ -8249,10 +8309,10 @@
               <a:buNone/>
             </a:pPr>
             <a:r>
-              <a:rPr lang="en"/>
+              <a:rPr lang="en-GB"/>
               <a:t>Value Added Features</a:t>
             </a:r>
-            <a:endParaRPr/>
+            <a:endParaRPr lang="en-GB"/>
           </a:p>
         </p:txBody>
       </p:sp>
@@ -8261,25 +8321,25 @@
           <p:cNvPr id="97" name="Google Shape;97;p17"/>
           <p:cNvSpPr txBox="1"/>
           <p:nvPr>
-            <p:ph idx="1" type="body"/>
+            <p:ph type="body" idx="1"/>
           </p:nvPr>
         </p:nvSpPr>
         <p:spPr>
           <a:xfrm>
-            <a:off x="729450" y="2078875"/>
-            <a:ext cx="8193900" cy="3064500"/>
+            <a:off x="307975" y="1211580"/>
+            <a:ext cx="5027930" cy="3064510"/>
           </a:xfrm>
           <a:prstGeom prst="rect">
             <a:avLst/>
           </a:prstGeom>
         </p:spPr>
         <p:txBody>
-          <a:bodyPr anchorCtr="0" anchor="t" bIns="91425" lIns="91425" spcFirstLastPara="1" rIns="91425" wrap="square" tIns="91425">
+          <a:bodyPr spcFirstLastPara="1" wrap="square" lIns="91425" tIns="91425" rIns="91425" bIns="91425" anchor="t" anchorCtr="0">
             <a:noAutofit/>
           </a:bodyPr>
           <a:lstStyle/>
           <a:p>
-            <a:pPr indent="0" lvl="0" marL="0" rtl="0" algn="l">
+            <a:pPr marL="0" lvl="0" indent="0" algn="l" rtl="0">
               <a:spcBef>
                 <a:spcPts val="1800"/>
               </a:spcBef>
@@ -8289,17 +8349,17 @@
               <a:buNone/>
             </a:pPr>
             <a:r>
-              <a:rPr lang="en" sz="1200">
+              <a:rPr lang="en-GB" sz="1200">
                 <a:solidFill>
                   <a:srgbClr val="1F1F1F"/>
                 </a:solidFill>
                 <a:highlight>
                   <a:srgbClr val="FFFFFF"/>
                 </a:highlight>
-                <a:latin typeface="Arial"/>
-                <a:ea typeface="Arial"/>
-                <a:cs typeface="Arial"/>
-                <a:sym typeface="Arial"/>
+                <a:latin typeface="Arial" panose="020B0604020202020204"/>
+                <a:ea typeface="Arial" panose="020B0604020202020204"/>
+                <a:cs typeface="Arial" panose="020B0604020202020204"/>
+                <a:sym typeface="Arial" panose="020B0604020202020204"/>
               </a:rPr>
               <a:t>Here are some additional things to keep in mind when developing a smart contract with DApp using Kubernetes and a code optimization ML model:</a:t>
             </a:r>
@@ -8310,14 +8370,14 @@
               <a:highlight>
                 <a:srgbClr val="FFFFFF"/>
               </a:highlight>
-              <a:latin typeface="Arial"/>
-              <a:ea typeface="Arial"/>
-              <a:cs typeface="Arial"/>
-              <a:sym typeface="Arial"/>
+              <a:latin typeface="Arial" panose="020B0604020202020204"/>
+              <a:ea typeface="Arial" panose="020B0604020202020204"/>
+              <a:cs typeface="Arial" panose="020B0604020202020204"/>
+              <a:sym typeface="Arial" panose="020B0604020202020204"/>
             </a:endParaRPr>
           </a:p>
           <a:p>
-            <a:pPr indent="-304800" lvl="0" marL="457200" rtl="0" algn="l">
+            <a:pPr marL="457200" lvl="0" indent="-304800" algn="l" rtl="0">
               <a:spcBef>
                 <a:spcPts val="1800"/>
               </a:spcBef>
@@ -8328,21 +8388,21 @@
                 <a:srgbClr val="1F1F1F"/>
               </a:buClr>
               <a:buSzPts val="1200"/>
-              <a:buFont typeface="Arial"/>
+              <a:buFont typeface="Arial" panose="020B0604020202020204"/>
               <a:buChar char="●"/>
             </a:pPr>
             <a:r>
-              <a:rPr lang="en" sz="1200">
+              <a:rPr lang="en-GB" sz="1200">
                 <a:solidFill>
                   <a:srgbClr val="1F1F1F"/>
                 </a:solidFill>
                 <a:highlight>
                   <a:srgbClr val="FFFFFF"/>
                 </a:highlight>
-                <a:latin typeface="Arial"/>
-                <a:ea typeface="Arial"/>
-                <a:cs typeface="Arial"/>
-                <a:sym typeface="Arial"/>
+                <a:latin typeface="Arial" panose="020B0604020202020204"/>
+                <a:ea typeface="Arial" panose="020B0604020202020204"/>
+                <a:cs typeface="Arial" panose="020B0604020202020204"/>
+                <a:sym typeface="Arial" panose="020B0604020202020204"/>
               </a:rPr>
               <a:t>Security: It is important to take security measures to protect your smart contract and DApp. This includes using secure coding practices and encrypting data.</a:t>
             </a:r>
@@ -8353,14 +8413,14 @@
               <a:highlight>
                 <a:srgbClr val="FFFFFF"/>
               </a:highlight>
-              <a:latin typeface="Arial"/>
-              <a:ea typeface="Arial"/>
-              <a:cs typeface="Arial"/>
-              <a:sym typeface="Arial"/>
+              <a:latin typeface="Arial" panose="020B0604020202020204"/>
+              <a:ea typeface="Arial" panose="020B0604020202020204"/>
+              <a:cs typeface="Arial" panose="020B0604020202020204"/>
+              <a:sym typeface="Arial" panose="020B0604020202020204"/>
             </a:endParaRPr>
           </a:p>
           <a:p>
-            <a:pPr indent="-304800" lvl="0" marL="457200" rtl="0" algn="l">
+            <a:pPr marL="457200" lvl="0" indent="-304800" algn="l" rtl="0">
               <a:spcBef>
                 <a:spcPts val="0"/>
               </a:spcBef>
@@ -8371,21 +8431,21 @@
                 <a:srgbClr val="1F1F1F"/>
               </a:buClr>
               <a:buSzPts val="1200"/>
-              <a:buFont typeface="Arial"/>
+              <a:buFont typeface="Arial" panose="020B0604020202020204"/>
               <a:buChar char="●"/>
             </a:pPr>
             <a:r>
-              <a:rPr lang="en" sz="1200">
+              <a:rPr lang="en-GB" sz="1200">
                 <a:solidFill>
                   <a:srgbClr val="1F1F1F"/>
                 </a:solidFill>
                 <a:highlight>
                   <a:srgbClr val="FFFFFF"/>
                 </a:highlight>
-                <a:latin typeface="Arial"/>
-                <a:ea typeface="Arial"/>
-                <a:cs typeface="Arial"/>
-                <a:sym typeface="Arial"/>
+                <a:latin typeface="Arial" panose="020B0604020202020204"/>
+                <a:ea typeface="Arial" panose="020B0604020202020204"/>
+                <a:cs typeface="Arial" panose="020B0604020202020204"/>
+                <a:sym typeface="Arial" panose="020B0604020202020204"/>
               </a:rPr>
               <a:t>Scalability: Kubernetes can help to ensure that your DApp is scalable. This means that it can handle a large number of users and transactions.</a:t>
             </a:r>
@@ -8396,14 +8456,14 @@
               <a:highlight>
                 <a:srgbClr val="FFFFFF"/>
               </a:highlight>
-              <a:latin typeface="Arial"/>
-              <a:ea typeface="Arial"/>
-              <a:cs typeface="Arial"/>
-              <a:sym typeface="Arial"/>
+              <a:latin typeface="Arial" panose="020B0604020202020204"/>
+              <a:ea typeface="Arial" panose="020B0604020202020204"/>
+              <a:cs typeface="Arial" panose="020B0604020202020204"/>
+              <a:sym typeface="Arial" panose="020B0604020202020204"/>
             </a:endParaRPr>
           </a:p>
           <a:p>
-            <a:pPr indent="-304800" lvl="0" marL="457200" rtl="0" algn="l">
+            <a:pPr marL="457200" lvl="0" indent="-304800" algn="l" rtl="0">
               <a:spcBef>
                 <a:spcPts val="0"/>
               </a:spcBef>
@@ -8414,21 +8474,21 @@
                 <a:srgbClr val="1F1F1F"/>
               </a:buClr>
               <a:buSzPts val="1200"/>
-              <a:buFont typeface="Arial"/>
+              <a:buFont typeface="Arial" panose="020B0604020202020204"/>
               <a:buChar char="●"/>
             </a:pPr>
             <a:r>
-              <a:rPr lang="en" sz="1200">
+              <a:rPr lang="en-GB" sz="1200">
                 <a:solidFill>
                   <a:srgbClr val="1F1F1F"/>
                 </a:solidFill>
                 <a:highlight>
                   <a:srgbClr val="FFFFFF"/>
                 </a:highlight>
-                <a:latin typeface="Arial"/>
-                <a:ea typeface="Arial"/>
-                <a:cs typeface="Arial"/>
-                <a:sym typeface="Arial"/>
+                <a:latin typeface="Arial" panose="020B0604020202020204"/>
+                <a:ea typeface="Arial" panose="020B0604020202020204"/>
+                <a:cs typeface="Arial" panose="020B0604020202020204"/>
+                <a:sym typeface="Arial" panose="020B0604020202020204"/>
               </a:rPr>
               <a:t>Maintainability: Kubernetes can help to make your DApp more maintainable. This means that it is easier to update and fix bugs.</a:t>
             </a:r>
@@ -8439,14 +8499,14 @@
               <a:highlight>
                 <a:srgbClr val="FFFFFF"/>
               </a:highlight>
-              <a:latin typeface="Arial"/>
-              <a:ea typeface="Arial"/>
-              <a:cs typeface="Arial"/>
-              <a:sym typeface="Arial"/>
+              <a:latin typeface="Arial" panose="020B0604020202020204"/>
+              <a:ea typeface="Arial" panose="020B0604020202020204"/>
+              <a:cs typeface="Arial" panose="020B0604020202020204"/>
+              <a:sym typeface="Arial" panose="020B0604020202020204"/>
             </a:endParaRPr>
           </a:p>
           <a:p>
-            <a:pPr indent="-304800" lvl="0" marL="457200" rtl="0" algn="l">
+            <a:pPr marL="457200" lvl="0" indent="-304800" algn="l" rtl="0">
               <a:spcBef>
                 <a:spcPts val="0"/>
               </a:spcBef>
@@ -8457,21 +8517,21 @@
                 <a:srgbClr val="1F1F1F"/>
               </a:buClr>
               <a:buSzPts val="1200"/>
-              <a:buFont typeface="Arial"/>
+              <a:buFont typeface="Arial" panose="020B0604020202020204"/>
               <a:buChar char="●"/>
             </a:pPr>
             <a:r>
-              <a:rPr lang="en" sz="1200">
+              <a:rPr lang="en-GB" sz="1200">
                 <a:solidFill>
                   <a:srgbClr val="1F1F1F"/>
                 </a:solidFill>
                 <a:highlight>
                   <a:srgbClr val="FFFFFF"/>
                 </a:highlight>
-                <a:latin typeface="Arial"/>
-                <a:ea typeface="Arial"/>
-                <a:cs typeface="Arial"/>
-                <a:sym typeface="Arial"/>
+                <a:latin typeface="Arial" panose="020B0604020202020204"/>
+                <a:ea typeface="Arial" panose="020B0604020202020204"/>
+                <a:cs typeface="Arial" panose="020B0604020202020204"/>
+                <a:sym typeface="Arial" panose="020B0604020202020204"/>
               </a:rPr>
               <a:t>Code optimization: The code optimization ML model can help to improve the performance and efficiency of your smart contract. This can make your DApp more user-friendly and reliable.</a:t>
             </a:r>
@@ -8482,14 +8542,14 @@
               <a:highlight>
                 <a:srgbClr val="FFFFFF"/>
               </a:highlight>
-              <a:latin typeface="Arial"/>
-              <a:ea typeface="Arial"/>
-              <a:cs typeface="Arial"/>
-              <a:sym typeface="Arial"/>
+              <a:latin typeface="Arial" panose="020B0604020202020204"/>
+              <a:ea typeface="Arial" panose="020B0604020202020204"/>
+              <a:cs typeface="Arial" panose="020B0604020202020204"/>
+              <a:sym typeface="Arial" panose="020B0604020202020204"/>
             </a:endParaRPr>
           </a:p>
           <a:p>
-            <a:pPr indent="0" lvl="0" marL="0" rtl="0" algn="l">
+            <a:pPr marL="0" lvl="0" indent="0" algn="l" rtl="0">
               <a:spcBef>
                 <a:spcPts val="1100"/>
               </a:spcBef>
@@ -8498,13 +8558,10 @@
               </a:spcAft>
               <a:buNone/>
             </a:pPr>
-            <a:r>
-              <a:t/>
-            </a:r>
             <a:endParaRPr sz="1200"/>
           </a:p>
           <a:p>
-            <a:pPr indent="0" lvl="0" marL="0" rtl="0" algn="l">
+            <a:pPr marL="0" lvl="0" indent="0" algn="l" rtl="0">
               <a:spcBef>
                 <a:spcPts val="1200"/>
               </a:spcBef>
@@ -8513,13 +8570,35 @@
               </a:spcAft>
               <a:buNone/>
             </a:pPr>
-            <a:r>
-              <a:t/>
-            </a:r>
             <a:endParaRPr sz="1200"/>
           </a:p>
         </p:txBody>
       </p:sp>
+      <p:pic>
+        <p:nvPicPr>
+          <p:cNvPr id="1" name="Picture 0"/>
+          <p:cNvPicPr>
+            <a:picLocks noChangeAspect="1"/>
+          </p:cNvPicPr>
+          <p:nvPr/>
+        </p:nvPicPr>
+        <p:blipFill>
+          <a:blip r:embed="rId1"/>
+          <a:srcRect l="4514" t="3756" r="-2102" b="2313"/>
+          <a:stretch>
+            <a:fillRect/>
+          </a:stretch>
+        </p:blipFill>
+        <p:spPr>
+          <a:xfrm>
+            <a:off x="5715000" y="1211580"/>
+            <a:ext cx="3006725" cy="3017520"/>
+          </a:xfrm>
+          <a:prstGeom prst="rect">
+            <a:avLst/>
+          </a:prstGeom>
+        </p:spPr>
+      </p:pic>
     </p:spTree>
   </p:cSld>
   <p:clrMapOvr>
@@ -8529,7 +8608,7 @@
 </file>
 
 <file path=ppt/slides/slide6.xml><?xml version="1.0" encoding="utf-8"?>
-<p:sld xmlns:a="http://schemas.openxmlformats.org/drawingml/2006/main" xmlns:r="http://schemas.openxmlformats.org/officeDocument/2006/relationships" xmlns:mc="http://schemas.openxmlformats.org/markup-compatibility/2006" xmlns:mv="urn:schemas-microsoft-com:mac:vml" xmlns:p="http://schemas.openxmlformats.org/presentationml/2006/main" xmlns:c="http://schemas.openxmlformats.org/drawingml/2006/chart" xmlns:dgm="http://schemas.openxmlformats.org/drawingml/2006/diagram" xmlns:o="urn:schemas-microsoft-com:office:office" xmlns:v="urn:schemas-microsoft-com:vml" xmlns:pvml="urn:schemas-microsoft-com:office:powerpoint" xmlns:com="http://schemas.openxmlformats.org/drawingml/2006/compatibility" xmlns:p14="http://schemas.microsoft.com/office/powerpoint/2010/main" xmlns:p15="http://schemas.microsoft.com/office/powerpoint/2012/main" xmlns:ahyp="http://schemas.microsoft.com/office/drawing/2018/hyperlinkcolor">
+<p:sld xmlns:a="http://schemas.openxmlformats.org/drawingml/2006/main" xmlns:r="http://schemas.openxmlformats.org/officeDocument/2006/relationships" xmlns:p="http://schemas.openxmlformats.org/presentationml/2006/main">
   <p:cSld>
     <p:spTree>
       <p:nvGrpSpPr>
@@ -8563,12 +8642,12 @@
           </a:prstGeom>
         </p:spPr>
         <p:txBody>
-          <a:bodyPr anchorCtr="0" anchor="t" bIns="91425" lIns="91425" spcFirstLastPara="1" rIns="91425" wrap="square" tIns="91425">
+          <a:bodyPr spcFirstLastPara="1" wrap="square" lIns="91425" tIns="91425" rIns="91425" bIns="91425" anchor="t" anchorCtr="0">
             <a:normAutofit fontScale="90000"/>
           </a:bodyPr>
           <a:lstStyle/>
           <a:p>
-            <a:pPr indent="0" lvl="0" marL="0" rtl="0" algn="l">
+            <a:pPr marL="0" lvl="0" indent="0" algn="l" rtl="0">
               <a:spcBef>
                 <a:spcPts val="0"/>
               </a:spcBef>
@@ -8578,10 +8657,10 @@
               <a:buNone/>
             </a:pPr>
             <a:r>
-              <a:rPr lang="en"/>
+              <a:rPr lang="en-GB"/>
               <a:t>Technology Stack</a:t>
             </a:r>
-            <a:endParaRPr/>
+            <a:endParaRPr lang="en-GB"/>
           </a:p>
         </p:txBody>
       </p:sp>
@@ -8590,7 +8669,7 @@
           <p:cNvPr id="103" name="Google Shape;103;p18"/>
           <p:cNvSpPr txBox="1"/>
           <p:nvPr>
-            <p:ph idx="1" type="body"/>
+            <p:ph type="body" idx="1"/>
           </p:nvPr>
         </p:nvSpPr>
         <p:spPr>
@@ -8603,12 +8682,12 @@
           </a:prstGeom>
         </p:spPr>
         <p:txBody>
-          <a:bodyPr anchorCtr="0" anchor="t" bIns="91425" lIns="91425" spcFirstLastPara="1" rIns="91425" wrap="square" tIns="91425">
+          <a:bodyPr spcFirstLastPara="1" wrap="square" lIns="91425" tIns="91425" rIns="91425" bIns="91425" anchor="t" anchorCtr="0">
             <a:normAutofit/>
           </a:bodyPr>
           <a:lstStyle/>
           <a:p>
-            <a:pPr indent="0" lvl="0" marL="0" rtl="0" algn="l">
+            <a:pPr marL="0" lvl="0" indent="0" algn="l" rtl="0">
               <a:spcBef>
                 <a:spcPts val="0"/>
               </a:spcBef>
@@ -8618,13 +8697,13 @@
               <a:buNone/>
             </a:pPr>
             <a:r>
-              <a:rPr lang="en"/>
+              <a:rPr lang="en-GB"/>
               <a:t>Machine Learning  </a:t>
             </a:r>
-            <a:endParaRPr/>
+            <a:endParaRPr lang="en-GB"/>
           </a:p>
           <a:p>
-            <a:pPr indent="0" lvl="0" marL="0" rtl="0" algn="l">
+            <a:pPr marL="0" lvl="0" indent="0" algn="l" rtl="0">
               <a:spcBef>
                 <a:spcPts val="1200"/>
               </a:spcBef>
@@ -8634,13 +8713,13 @@
               <a:buNone/>
             </a:pPr>
             <a:r>
-              <a:rPr lang="en"/>
+              <a:rPr lang="en-GB"/>
               <a:t>Python</a:t>
             </a:r>
-            <a:endParaRPr/>
+            <a:endParaRPr lang="en-GB"/>
           </a:p>
           <a:p>
-            <a:pPr indent="0" lvl="0" marL="0" rtl="0" algn="l">
+            <a:pPr marL="0" lvl="0" indent="0" algn="l" rtl="0">
               <a:spcBef>
                 <a:spcPts val="1200"/>
               </a:spcBef>
@@ -8650,13 +8729,13 @@
               <a:buNone/>
             </a:pPr>
             <a:r>
-              <a:rPr lang="en"/>
+              <a:rPr lang="en-GB"/>
               <a:t>JavaScript </a:t>
             </a:r>
-            <a:endParaRPr/>
+            <a:endParaRPr lang="en-GB"/>
           </a:p>
           <a:p>
-            <a:pPr indent="0" lvl="0" marL="0" rtl="0" algn="l">
+            <a:pPr marL="0" lvl="0" indent="0" algn="l" rtl="0">
               <a:spcBef>
                 <a:spcPts val="1200"/>
               </a:spcBef>
@@ -8666,13 +8745,13 @@
               <a:buNone/>
             </a:pPr>
             <a:r>
-              <a:rPr lang="en"/>
+              <a:rPr lang="en-GB"/>
               <a:t>CSS</a:t>
             </a:r>
-            <a:endParaRPr/>
+            <a:endParaRPr lang="en-GB"/>
           </a:p>
           <a:p>
-            <a:pPr indent="0" lvl="0" marL="0" rtl="0" algn="l">
+            <a:pPr marL="0" lvl="0" indent="0" algn="l" rtl="0">
               <a:spcBef>
                 <a:spcPts val="1200"/>
               </a:spcBef>
@@ -8682,13 +8761,13 @@
               <a:buNone/>
             </a:pPr>
             <a:r>
-              <a:rPr lang="en"/>
+              <a:rPr lang="en-GB"/>
               <a:t>HTML </a:t>
             </a:r>
-            <a:endParaRPr/>
+            <a:endParaRPr lang="en-GB"/>
           </a:p>
           <a:p>
-            <a:pPr indent="0" lvl="0" marL="0" rtl="0" algn="l">
+            <a:pPr marL="0" lvl="0" indent="0" algn="l" rtl="0">
               <a:spcBef>
                 <a:spcPts val="1200"/>
               </a:spcBef>
@@ -8698,13 +8777,61 @@
               <a:buNone/>
             </a:pPr>
             <a:r>
-              <a:rPr lang="en"/>
+              <a:rPr lang="en-GB"/>
               <a:t>Dockerfile</a:t>
             </a:r>
-            <a:endParaRPr/>
+            <a:endParaRPr lang="en-GB"/>
           </a:p>
         </p:txBody>
       </p:sp>
+      <p:pic>
+        <p:nvPicPr>
+          <p:cNvPr id="2" name="Picture 1"/>
+          <p:cNvPicPr>
+            <a:picLocks noChangeAspect="1"/>
+          </p:cNvPicPr>
+          <p:nvPr/>
+        </p:nvPicPr>
+        <p:blipFill>
+          <a:blip r:embed="rId1"/>
+          <a:stretch>
+            <a:fillRect/>
+          </a:stretch>
+        </p:blipFill>
+        <p:spPr>
+          <a:xfrm>
+            <a:off x="5145405" y="1356360"/>
+            <a:ext cx="2986405" cy="1350010"/>
+          </a:xfrm>
+          <a:prstGeom prst="rect">
+            <a:avLst/>
+          </a:prstGeom>
+        </p:spPr>
+      </p:pic>
+      <p:pic>
+        <p:nvPicPr>
+          <p:cNvPr id="3" name="Picture 2"/>
+          <p:cNvPicPr>
+            <a:picLocks noChangeAspect="1"/>
+          </p:cNvPicPr>
+          <p:nvPr/>
+        </p:nvPicPr>
+        <p:blipFill>
+          <a:blip r:embed="rId2"/>
+          <a:stretch>
+            <a:fillRect/>
+          </a:stretch>
+        </p:blipFill>
+        <p:spPr>
+          <a:xfrm>
+            <a:off x="5520055" y="2783205"/>
+            <a:ext cx="2019300" cy="1814830"/>
+          </a:xfrm>
+          <a:prstGeom prst="rect">
+            <a:avLst/>
+          </a:prstGeom>
+        </p:spPr>
+      </p:pic>
     </p:spTree>
   </p:cSld>
   <p:clrMapOvr>
@@ -8714,7 +8841,7 @@
 </file>
 
 <file path=ppt/slides/slide7.xml><?xml version="1.0" encoding="utf-8"?>
-<p:sld xmlns:a="http://schemas.openxmlformats.org/drawingml/2006/main" xmlns:r="http://schemas.openxmlformats.org/officeDocument/2006/relationships" xmlns:mc="http://schemas.openxmlformats.org/markup-compatibility/2006" xmlns:mv="urn:schemas-microsoft-com:mac:vml" xmlns:p="http://schemas.openxmlformats.org/presentationml/2006/main" xmlns:c="http://schemas.openxmlformats.org/drawingml/2006/chart" xmlns:dgm="http://schemas.openxmlformats.org/drawingml/2006/diagram" xmlns:o="urn:schemas-microsoft-com:office:office" xmlns:v="urn:schemas-microsoft-com:vml" xmlns:pvml="urn:schemas-microsoft-com:office:powerpoint" xmlns:com="http://schemas.openxmlformats.org/drawingml/2006/compatibility" xmlns:p14="http://schemas.microsoft.com/office/powerpoint/2010/main" xmlns:p15="http://schemas.microsoft.com/office/powerpoint/2012/main" xmlns:ahyp="http://schemas.microsoft.com/office/drawing/2018/hyperlinkcolor">
+<p:sld xmlns:a="http://schemas.openxmlformats.org/drawingml/2006/main" xmlns:r="http://schemas.openxmlformats.org/officeDocument/2006/relationships" xmlns:p="http://schemas.openxmlformats.org/presentationml/2006/main">
   <p:cSld>
     <p:spTree>
       <p:nvGrpSpPr>
@@ -8748,12 +8875,12 @@
           </a:prstGeom>
         </p:spPr>
         <p:txBody>
-          <a:bodyPr anchorCtr="0" anchor="t" bIns="91425" lIns="91425" spcFirstLastPara="1" rIns="91425" wrap="square" tIns="91425">
+          <a:bodyPr spcFirstLastPara="1" wrap="square" lIns="91425" tIns="91425" rIns="91425" bIns="91425" anchor="t" anchorCtr="0">
             <a:normAutofit fontScale="90000"/>
           </a:bodyPr>
           <a:lstStyle/>
           <a:p>
-            <a:pPr indent="0" lvl="0" marL="0" rtl="0" algn="l">
+            <a:pPr marL="0" lvl="0" indent="0" algn="l" rtl="0">
               <a:spcBef>
                 <a:spcPts val="0"/>
               </a:spcBef>
@@ -8762,10 +8889,6 @@
               </a:spcAft>
               <a:buNone/>
             </a:pPr>
-            <a:r>
-              <a:t/>
-            </a:r>
-            <a:endParaRPr/>
           </a:p>
         </p:txBody>
       </p:sp>
@@ -8774,7 +8897,7 @@
           <p:cNvPr id="109" name="Google Shape;109;p19"/>
           <p:cNvSpPr txBox="1"/>
           <p:nvPr>
-            <p:ph idx="1" type="body"/>
+            <p:ph type="body" idx="1"/>
           </p:nvPr>
         </p:nvSpPr>
         <p:spPr>
@@ -8787,12 +8910,12 @@
           </a:prstGeom>
         </p:spPr>
         <p:txBody>
-          <a:bodyPr anchorCtr="0" anchor="t" bIns="91425" lIns="91425" spcFirstLastPara="1" rIns="91425" wrap="square" tIns="91425">
+          <a:bodyPr spcFirstLastPara="1" wrap="square" lIns="91425" tIns="91425" rIns="91425" bIns="91425" anchor="t" anchorCtr="0">
             <a:normAutofit/>
           </a:bodyPr>
           <a:lstStyle/>
           <a:p>
-            <a:pPr indent="0" lvl="0" marL="0" rtl="0" algn="l">
+            <a:pPr marL="0" lvl="0" indent="0" algn="l" rtl="0">
               <a:spcBef>
                 <a:spcPts val="0"/>
               </a:spcBef>
@@ -8801,10 +8924,6 @@
               </a:spcAft>
               <a:buNone/>
             </a:pPr>
-            <a:r>
-              <a:t/>
-            </a:r>
-            <a:endParaRPr/>
           </a:p>
         </p:txBody>
       </p:sp>
@@ -8817,7 +8936,291 @@
 </file>
 
 <file path=ppt/theme/theme1.xml><?xml version="1.0" encoding="utf-8"?>
-<a:theme xmlns:a="http://schemas.openxmlformats.org/drawingml/2006/main" xmlns:r="http://schemas.openxmlformats.org/officeDocument/2006/relationships">
+<a:theme xmlns:a="http://schemas.openxmlformats.org/drawingml/2006/main" name="Swiss">
+  <a:themeElements>
+    <a:clrScheme name="Swiss">
+      <a:dk1>
+        <a:srgbClr val="F46524"/>
+      </a:dk1>
+      <a:lt1>
+        <a:srgbClr val="FFFFFF"/>
+      </a:lt1>
+      <a:dk2>
+        <a:srgbClr val="000000"/>
+      </a:dk2>
+      <a:lt2>
+        <a:srgbClr val="757575"/>
+      </a:lt2>
+      <a:accent1>
+        <a:srgbClr val="01579B"/>
+      </a:accent1>
+      <a:accent2>
+        <a:srgbClr val="27C7BD"/>
+      </a:accent2>
+      <a:accent3>
+        <a:srgbClr val="0099E8"/>
+      </a:accent3>
+      <a:accent4>
+        <a:srgbClr val="51B9A3"/>
+      </a:accent4>
+      <a:accent5>
+        <a:srgbClr val="FB8C00"/>
+      </a:accent5>
+      <a:accent6>
+        <a:srgbClr val="FFAE88"/>
+      </a:accent6>
+      <a:hlink>
+        <a:srgbClr val="0277BD"/>
+      </a:hlink>
+      <a:folHlink>
+        <a:srgbClr val="0277BD"/>
+      </a:folHlink>
+    </a:clrScheme>
+    <a:fontScheme name="Office">
+      <a:majorFont>
+        <a:latin typeface="Arial"/>
+        <a:ea typeface=""/>
+        <a:cs typeface=""/>
+        <a:font script="Jpan" typeface="ＭＳ Ｐゴシック"/>
+        <a:font script="Hang" typeface="맑은 고딕"/>
+        <a:font script="Hans" typeface="宋体"/>
+        <a:font script="Hant" typeface="新細明體"/>
+        <a:font script="Arab" typeface="Times New Roman"/>
+        <a:font script="Hebr" typeface="Times New Roman"/>
+        <a:font script="Thai" typeface="Angsana New"/>
+        <a:font script="Ethi" typeface="Nyala"/>
+        <a:font script="Beng" typeface="Vrinda"/>
+        <a:font script="Gujr" typeface="Shruti"/>
+        <a:font script="Khmr" typeface="MoolBoran"/>
+        <a:font script="Knda" typeface="Tunga"/>
+        <a:font script="Guru" typeface="Raavi"/>
+        <a:font script="Cans" typeface="Euphemia"/>
+        <a:font script="Cher" typeface="Plantagenet Cherokee"/>
+        <a:font script="Yiii" typeface="Microsoft Yi Baiti"/>
+        <a:font script="Tibt" typeface="Microsoft Himalaya"/>
+        <a:font script="Thaa" typeface="MV Boli"/>
+        <a:font script="Deva" typeface="Mangal"/>
+        <a:font script="Telu" typeface="Gautami"/>
+        <a:font script="Taml" typeface="Latha"/>
+        <a:font script="Syrc" typeface="Estrangelo Edessa"/>
+        <a:font script="Orya" typeface="Kalinga"/>
+        <a:font script="Mlym" typeface="Kartika"/>
+        <a:font script="Laoo" typeface="DokChampa"/>
+        <a:font script="Sinh" typeface="Iskoola Pota"/>
+        <a:font script="Mong" typeface="Mongolian Baiti"/>
+        <a:font script="Viet" typeface="Times New Roman"/>
+        <a:font script="Uigh" typeface="Microsoft Uighur"/>
+        <a:font script="Geor" typeface="Sylfaen"/>
+      </a:majorFont>
+      <a:minorFont>
+        <a:latin typeface="Arial"/>
+        <a:ea typeface=""/>
+        <a:cs typeface=""/>
+        <a:font script="Jpan" typeface="ＭＳ Ｐゴシック"/>
+        <a:font script="Hang" typeface="맑은 고딕"/>
+        <a:font script="Hans" typeface="宋体"/>
+        <a:font script="Hant" typeface="新細明體"/>
+        <a:font script="Arab" typeface="Arial"/>
+        <a:font script="Hebr" typeface="Arial"/>
+        <a:font script="Thai" typeface="Cordia New"/>
+        <a:font script="Ethi" typeface="Nyala"/>
+        <a:font script="Beng" typeface="Vrinda"/>
+        <a:font script="Gujr" typeface="Shruti"/>
+        <a:font script="Khmr" typeface="DaunPenh"/>
+        <a:font script="Knda" typeface="Tunga"/>
+        <a:font script="Guru" typeface="Raavi"/>
+        <a:font script="Cans" typeface="Euphemia"/>
+        <a:font script="Cher" typeface="Plantagenet Cherokee"/>
+        <a:font script="Yiii" typeface="Microsoft Yi Baiti"/>
+        <a:font script="Tibt" typeface="Microsoft Himalaya"/>
+        <a:font script="Thaa" typeface="MV Boli"/>
+        <a:font script="Deva" typeface="Mangal"/>
+        <a:font script="Telu" typeface="Gautami"/>
+        <a:font script="Taml" typeface="Latha"/>
+        <a:font script="Syrc" typeface="Estrangelo Edessa"/>
+        <a:font script="Orya" typeface="Kalinga"/>
+        <a:font script="Mlym" typeface="Kartika"/>
+        <a:font script="Laoo" typeface="DokChampa"/>
+        <a:font script="Sinh" typeface="Iskoola Pota"/>
+        <a:font script="Mong" typeface="Mongolian Baiti"/>
+        <a:font script="Viet" typeface="Arial"/>
+        <a:font script="Uigh" typeface="Microsoft Uighur"/>
+        <a:font script="Geor" typeface="Sylfaen"/>
+      </a:minorFont>
+    </a:fontScheme>
+    <a:fmtScheme name="Office">
+      <a:fillStyleLst>
+        <a:solidFill>
+          <a:schemeClr val="phClr"/>
+        </a:solidFill>
+        <a:gradFill rotWithShape="1">
+          <a:gsLst>
+            <a:gs pos="0">
+              <a:schemeClr val="phClr">
+                <a:tint val="50000"/>
+                <a:satMod val="300000"/>
+              </a:schemeClr>
+            </a:gs>
+            <a:gs pos="35000">
+              <a:schemeClr val="phClr">
+                <a:tint val="37000"/>
+                <a:satMod val="300000"/>
+              </a:schemeClr>
+            </a:gs>
+            <a:gs pos="100000">
+              <a:schemeClr val="phClr">
+                <a:tint val="15000"/>
+                <a:satMod val="350000"/>
+              </a:schemeClr>
+            </a:gs>
+          </a:gsLst>
+          <a:lin ang="16200000" scaled="1"/>
+        </a:gradFill>
+        <a:gradFill rotWithShape="1">
+          <a:gsLst>
+            <a:gs pos="0">
+              <a:schemeClr val="phClr">
+                <a:tint val="100000"/>
+                <a:shade val="100000"/>
+                <a:satMod val="130000"/>
+              </a:schemeClr>
+            </a:gs>
+            <a:gs pos="100000">
+              <a:schemeClr val="phClr">
+                <a:tint val="50000"/>
+                <a:shade val="100000"/>
+                <a:satMod val="350000"/>
+              </a:schemeClr>
+            </a:gs>
+          </a:gsLst>
+          <a:lin ang="16200000" scaled="0"/>
+        </a:gradFill>
+      </a:fillStyleLst>
+      <a:lnStyleLst>
+        <a:ln w="9525" cap="flat" cmpd="sng" algn="ctr">
+          <a:solidFill>
+            <a:schemeClr val="phClr">
+              <a:shade val="95000"/>
+              <a:satMod val="105000"/>
+            </a:schemeClr>
+          </a:solidFill>
+          <a:prstDash val="solid"/>
+        </a:ln>
+        <a:ln w="25400" cap="flat" cmpd="sng" algn="ctr">
+          <a:solidFill>
+            <a:schemeClr val="phClr"/>
+          </a:solidFill>
+          <a:prstDash val="solid"/>
+        </a:ln>
+        <a:ln w="38100" cap="flat" cmpd="sng" algn="ctr">
+          <a:solidFill>
+            <a:schemeClr val="phClr"/>
+          </a:solidFill>
+          <a:prstDash val="solid"/>
+        </a:ln>
+      </a:lnStyleLst>
+      <a:effectStyleLst>
+        <a:effectStyle>
+          <a:effectLst>
+            <a:outerShdw blurRad="40000" dist="20000" dir="5400000" rotWithShape="0">
+              <a:srgbClr val="000000">
+                <a:alpha val="38000"/>
+              </a:srgbClr>
+            </a:outerShdw>
+          </a:effectLst>
+        </a:effectStyle>
+        <a:effectStyle>
+          <a:effectLst>
+            <a:outerShdw blurRad="40000" dist="23000" dir="5400000" rotWithShape="0">
+              <a:srgbClr val="000000">
+                <a:alpha val="35000"/>
+              </a:srgbClr>
+            </a:outerShdw>
+          </a:effectLst>
+        </a:effectStyle>
+        <a:effectStyle>
+          <a:effectLst>
+            <a:outerShdw blurRad="40000" dist="23000" dir="5400000" rotWithShape="0">
+              <a:srgbClr val="000000">
+                <a:alpha val="35000"/>
+              </a:srgbClr>
+            </a:outerShdw>
+          </a:effectLst>
+          <a:scene3d>
+            <a:camera prst="orthographicFront">
+              <a:rot lat="0" lon="0" rev="0"/>
+            </a:camera>
+            <a:lightRig rig="threePt" dir="t">
+              <a:rot lat="0" lon="0" rev="1200000"/>
+            </a:lightRig>
+          </a:scene3d>
+          <a:sp3d>
+            <a:bevelT w="63500" h="25400"/>
+          </a:sp3d>
+        </a:effectStyle>
+      </a:effectStyleLst>
+      <a:bgFillStyleLst>
+        <a:solidFill>
+          <a:schemeClr val="phClr"/>
+        </a:solidFill>
+        <a:gradFill rotWithShape="1">
+          <a:gsLst>
+            <a:gs pos="0">
+              <a:schemeClr val="phClr">
+                <a:tint val="40000"/>
+                <a:satMod val="350000"/>
+              </a:schemeClr>
+            </a:gs>
+            <a:gs pos="40000">
+              <a:schemeClr val="phClr">
+                <a:tint val="45000"/>
+                <a:shade val="99000"/>
+                <a:satMod val="350000"/>
+              </a:schemeClr>
+            </a:gs>
+            <a:gs pos="100000">
+              <a:schemeClr val="phClr">
+                <a:shade val="20000"/>
+                <a:satMod val="255000"/>
+              </a:schemeClr>
+            </a:gs>
+          </a:gsLst>
+          <a:path path="circle">
+            <a:fillToRect l="50000" t="-80000" r="50000" b="180000"/>
+          </a:path>
+        </a:gradFill>
+        <a:gradFill rotWithShape="1">
+          <a:gsLst>
+            <a:gs pos="0">
+              <a:schemeClr val="phClr">
+                <a:tint val="80000"/>
+                <a:satMod val="300000"/>
+              </a:schemeClr>
+            </a:gs>
+            <a:gs pos="100000">
+              <a:schemeClr val="phClr">
+                <a:shade val="30000"/>
+                <a:satMod val="200000"/>
+              </a:schemeClr>
+            </a:gs>
+          </a:gsLst>
+          <a:path path="circle">
+            <a:fillToRect l="50000" t="50000" r="50000" b="50000"/>
+          </a:path>
+        </a:gradFill>
+      </a:bgFillStyleLst>
+    </a:fmtScheme>
+  </a:themeElements>
+  <a:extLst>
+    <a:ext uri="{05A4C25C-085E-4340-85A3-A5531E510DB2}">
+      <thm15:themeFamily xmlns:thm15="http://schemas.microsoft.com/office/thememl/2012/main" name="Office Theme" id="{62F939B6-93AF-4DB8-9C6B-D6C7DFDC589F}" vid="{4A3C46E8-61CC-4603-A589-7422A47A8E4A}"/>
+    </a:ext>
+  </a:extLst>
+</a:theme>
+</file>
+
+<file path=ppt/theme/theme2.xml><?xml version="1.0" encoding="utf-8"?>
+<a:theme xmlns:a="http://schemas.openxmlformats.org/drawingml/2006/main">
   <a:themeElements>
     <a:clrScheme name="Default">
       <a:dk1>
@@ -9092,284 +9495,10 @@
       </a:bgFillStyleLst>
     </a:fmtScheme>
   </a:themeElements>
-</a:theme>
-</file>
-
-<file path=ppt/theme/theme2.xml><?xml version="1.0" encoding="utf-8"?>
-<a:theme xmlns:a="http://schemas.openxmlformats.org/drawingml/2006/main" xmlns:r="http://schemas.openxmlformats.org/officeDocument/2006/relationships" name="Swiss">
-  <a:themeElements>
-    <a:clrScheme name="Swiss">
-      <a:dk1>
-        <a:srgbClr val="F46524"/>
-      </a:dk1>
-      <a:lt1>
-        <a:srgbClr val="FFFFFF"/>
-      </a:lt1>
-      <a:dk2>
-        <a:srgbClr val="000000"/>
-      </a:dk2>
-      <a:lt2>
-        <a:srgbClr val="757575"/>
-      </a:lt2>
-      <a:accent1>
-        <a:srgbClr val="01579B"/>
-      </a:accent1>
-      <a:accent2>
-        <a:srgbClr val="27C7BD"/>
-      </a:accent2>
-      <a:accent3>
-        <a:srgbClr val="0099E8"/>
-      </a:accent3>
-      <a:accent4>
-        <a:srgbClr val="51B9A3"/>
-      </a:accent4>
-      <a:accent5>
-        <a:srgbClr val="FB8C00"/>
-      </a:accent5>
-      <a:accent6>
-        <a:srgbClr val="FFAE88"/>
-      </a:accent6>
-      <a:hlink>
-        <a:srgbClr val="0277BD"/>
-      </a:hlink>
-      <a:folHlink>
-        <a:srgbClr val="0277BD"/>
-      </a:folHlink>
-    </a:clrScheme>
-    <a:fontScheme name="Office">
-      <a:majorFont>
-        <a:latin typeface="Arial"/>
-        <a:ea typeface=""/>
-        <a:cs typeface=""/>
-        <a:font script="Jpan" typeface="ＭＳ Ｐゴシック"/>
-        <a:font script="Hang" typeface="맑은 고딕"/>
-        <a:font script="Hans" typeface="宋体"/>
-        <a:font script="Hant" typeface="新細明體"/>
-        <a:font script="Arab" typeface="Times New Roman"/>
-        <a:font script="Hebr" typeface="Times New Roman"/>
-        <a:font script="Thai" typeface="Angsana New"/>
-        <a:font script="Ethi" typeface="Nyala"/>
-        <a:font script="Beng" typeface="Vrinda"/>
-        <a:font script="Gujr" typeface="Shruti"/>
-        <a:font script="Khmr" typeface="MoolBoran"/>
-        <a:font script="Knda" typeface="Tunga"/>
-        <a:font script="Guru" typeface="Raavi"/>
-        <a:font script="Cans" typeface="Euphemia"/>
-        <a:font script="Cher" typeface="Plantagenet Cherokee"/>
-        <a:font script="Yiii" typeface="Microsoft Yi Baiti"/>
-        <a:font script="Tibt" typeface="Microsoft Himalaya"/>
-        <a:font script="Thaa" typeface="MV Boli"/>
-        <a:font script="Deva" typeface="Mangal"/>
-        <a:font script="Telu" typeface="Gautami"/>
-        <a:font script="Taml" typeface="Latha"/>
-        <a:font script="Syrc" typeface="Estrangelo Edessa"/>
-        <a:font script="Orya" typeface="Kalinga"/>
-        <a:font script="Mlym" typeface="Kartika"/>
-        <a:font script="Laoo" typeface="DokChampa"/>
-        <a:font script="Sinh" typeface="Iskoola Pota"/>
-        <a:font script="Mong" typeface="Mongolian Baiti"/>
-        <a:font script="Viet" typeface="Times New Roman"/>
-        <a:font script="Uigh" typeface="Microsoft Uighur"/>
-        <a:font script="Geor" typeface="Sylfaen"/>
-      </a:majorFont>
-      <a:minorFont>
-        <a:latin typeface="Arial"/>
-        <a:ea typeface=""/>
-        <a:cs typeface=""/>
-        <a:font script="Jpan" typeface="ＭＳ Ｐゴシック"/>
-        <a:font script="Hang" typeface="맑은 고딕"/>
-        <a:font script="Hans" typeface="宋体"/>
-        <a:font script="Hant" typeface="新細明體"/>
-        <a:font script="Arab" typeface="Arial"/>
-        <a:font script="Hebr" typeface="Arial"/>
-        <a:font script="Thai" typeface="Cordia New"/>
-        <a:font script="Ethi" typeface="Nyala"/>
-        <a:font script="Beng" typeface="Vrinda"/>
-        <a:font script="Gujr" typeface="Shruti"/>
-        <a:font script="Khmr" typeface="DaunPenh"/>
-        <a:font script="Knda" typeface="Tunga"/>
-        <a:font script="Guru" typeface="Raavi"/>
-        <a:font script="Cans" typeface="Euphemia"/>
-        <a:font script="Cher" typeface="Plantagenet Cherokee"/>
-        <a:font script="Yiii" typeface="Microsoft Yi Baiti"/>
-        <a:font script="Tibt" typeface="Microsoft Himalaya"/>
-        <a:font script="Thaa" typeface="MV Boli"/>
-        <a:font script="Deva" typeface="Mangal"/>
-        <a:font script="Telu" typeface="Gautami"/>
-        <a:font script="Taml" typeface="Latha"/>
-        <a:font script="Syrc" typeface="Estrangelo Edessa"/>
-        <a:font script="Orya" typeface="Kalinga"/>
-        <a:font script="Mlym" typeface="Kartika"/>
-        <a:font script="Laoo" typeface="DokChampa"/>
-        <a:font script="Sinh" typeface="Iskoola Pota"/>
-        <a:font script="Mong" typeface="Mongolian Baiti"/>
-        <a:font script="Viet" typeface="Arial"/>
-        <a:font script="Uigh" typeface="Microsoft Uighur"/>
-        <a:font script="Geor" typeface="Sylfaen"/>
-      </a:minorFont>
-    </a:fontScheme>
-    <a:fmtScheme name="Office">
-      <a:fillStyleLst>
-        <a:solidFill>
-          <a:schemeClr val="phClr"/>
-        </a:solidFill>
-        <a:gradFill rotWithShape="1">
-          <a:gsLst>
-            <a:gs pos="0">
-              <a:schemeClr val="phClr">
-                <a:tint val="50000"/>
-                <a:satMod val="300000"/>
-              </a:schemeClr>
-            </a:gs>
-            <a:gs pos="35000">
-              <a:schemeClr val="phClr">
-                <a:tint val="37000"/>
-                <a:satMod val="300000"/>
-              </a:schemeClr>
-            </a:gs>
-            <a:gs pos="100000">
-              <a:schemeClr val="phClr">
-                <a:tint val="15000"/>
-                <a:satMod val="350000"/>
-              </a:schemeClr>
-            </a:gs>
-          </a:gsLst>
-          <a:lin ang="16200000" scaled="1"/>
-        </a:gradFill>
-        <a:gradFill rotWithShape="1">
-          <a:gsLst>
-            <a:gs pos="0">
-              <a:schemeClr val="phClr">
-                <a:tint val="100000"/>
-                <a:shade val="100000"/>
-                <a:satMod val="130000"/>
-              </a:schemeClr>
-            </a:gs>
-            <a:gs pos="100000">
-              <a:schemeClr val="phClr">
-                <a:tint val="50000"/>
-                <a:shade val="100000"/>
-                <a:satMod val="350000"/>
-              </a:schemeClr>
-            </a:gs>
-          </a:gsLst>
-          <a:lin ang="16200000" scaled="0"/>
-        </a:gradFill>
-      </a:fillStyleLst>
-      <a:lnStyleLst>
-        <a:ln w="9525" cap="flat" cmpd="sng" algn="ctr">
-          <a:solidFill>
-            <a:schemeClr val="phClr">
-              <a:shade val="95000"/>
-              <a:satMod val="105000"/>
-            </a:schemeClr>
-          </a:solidFill>
-          <a:prstDash val="solid"/>
-        </a:ln>
-        <a:ln w="25400" cap="flat" cmpd="sng" algn="ctr">
-          <a:solidFill>
-            <a:schemeClr val="phClr"/>
-          </a:solidFill>
-          <a:prstDash val="solid"/>
-        </a:ln>
-        <a:ln w="38100" cap="flat" cmpd="sng" algn="ctr">
-          <a:solidFill>
-            <a:schemeClr val="phClr"/>
-          </a:solidFill>
-          <a:prstDash val="solid"/>
-        </a:ln>
-      </a:lnStyleLst>
-      <a:effectStyleLst>
-        <a:effectStyle>
-          <a:effectLst>
-            <a:outerShdw blurRad="40000" dist="20000" dir="5400000" rotWithShape="0">
-              <a:srgbClr val="000000">
-                <a:alpha val="38000"/>
-              </a:srgbClr>
-            </a:outerShdw>
-          </a:effectLst>
-        </a:effectStyle>
-        <a:effectStyle>
-          <a:effectLst>
-            <a:outerShdw blurRad="40000" dist="23000" dir="5400000" rotWithShape="0">
-              <a:srgbClr val="000000">
-                <a:alpha val="35000"/>
-              </a:srgbClr>
-            </a:outerShdw>
-          </a:effectLst>
-        </a:effectStyle>
-        <a:effectStyle>
-          <a:effectLst>
-            <a:outerShdw blurRad="40000" dist="23000" dir="5400000" rotWithShape="0">
-              <a:srgbClr val="000000">
-                <a:alpha val="35000"/>
-              </a:srgbClr>
-            </a:outerShdw>
-          </a:effectLst>
-          <a:scene3d>
-            <a:camera prst="orthographicFront">
-              <a:rot lat="0" lon="0" rev="0"/>
-            </a:camera>
-            <a:lightRig rig="threePt" dir="t">
-              <a:rot lat="0" lon="0" rev="1200000"/>
-            </a:lightRig>
-          </a:scene3d>
-          <a:sp3d>
-            <a:bevelT w="63500" h="25400"/>
-          </a:sp3d>
-        </a:effectStyle>
-      </a:effectStyleLst>
-      <a:bgFillStyleLst>
-        <a:solidFill>
-          <a:schemeClr val="phClr"/>
-        </a:solidFill>
-        <a:gradFill rotWithShape="1">
-          <a:gsLst>
-            <a:gs pos="0">
-              <a:schemeClr val="phClr">
-                <a:tint val="40000"/>
-                <a:satMod val="350000"/>
-              </a:schemeClr>
-            </a:gs>
-            <a:gs pos="40000">
-              <a:schemeClr val="phClr">
-                <a:tint val="45000"/>
-                <a:shade val="99000"/>
-                <a:satMod val="350000"/>
-              </a:schemeClr>
-            </a:gs>
-            <a:gs pos="100000">
-              <a:schemeClr val="phClr">
-                <a:shade val="20000"/>
-                <a:satMod val="255000"/>
-              </a:schemeClr>
-            </a:gs>
-          </a:gsLst>
-          <a:path path="circle">
-            <a:fillToRect l="50000" t="-80000" r="50000" b="180000"/>
-          </a:path>
-        </a:gradFill>
-        <a:gradFill rotWithShape="1">
-          <a:gsLst>
-            <a:gs pos="0">
-              <a:schemeClr val="phClr">
-                <a:tint val="80000"/>
-                <a:satMod val="300000"/>
-              </a:schemeClr>
-            </a:gs>
-            <a:gs pos="100000">
-              <a:schemeClr val="phClr">
-                <a:shade val="30000"/>
-                <a:satMod val="200000"/>
-              </a:schemeClr>
-            </a:gs>
-          </a:gsLst>
-          <a:path path="circle">
-            <a:fillToRect l="50000" t="50000" r="50000" b="50000"/>
-          </a:path>
-        </a:gradFill>
-      </a:bgFillStyleLst>
-    </a:fmtScheme>
-  </a:themeElements>
+  <a:extLst>
+    <a:ext uri="{05A4C25C-085E-4340-85A3-A5531E510DB2}">
+      <thm15:themeFamily xmlns:thm15="http://schemas.microsoft.com/office/thememl/2012/main" name="Office Theme" id="{62F939B6-93AF-4DB8-9C6B-D6C7DFDC589F}" vid="{4A3C46E8-61CC-4603-A589-7422A47A8E4A}"/>
+    </a:ext>
+  </a:extLst>
 </a:theme>
 </file>